--- a/integracao/ERP-catalogo-expresso/SKU to VTEXADMIN to SITE.pptx
+++ b/integracao/ERP-catalogo-expresso/SKU to VTEXADMIN to SITE.pptx
@@ -5,13 +5,14 @@
     <p:sldMasterId id="2147483648" r:id="rId1"/>
   </p:sldMasterIdLst>
   <p:notesMasterIdLst>
-    <p:notesMasterId r:id="rId6"/>
+    <p:notesMasterId r:id="rId7"/>
   </p:notesMasterIdLst>
   <p:sldIdLst>
     <p:sldId id="259" r:id="rId2"/>
     <p:sldId id="256" r:id="rId3"/>
-    <p:sldId id="257" r:id="rId4"/>
-    <p:sldId id="258" r:id="rId5"/>
+    <p:sldId id="260" r:id="rId4"/>
+    <p:sldId id="257" r:id="rId5"/>
+    <p:sldId id="258" r:id="rId6"/>
   </p:sldIdLst>
   <p:sldSz cx="12192000" cy="6858000"/>
   <p:notesSz cx="6858000" cy="9144000"/>
@@ -112,7 +113,7 @@
   </p:defaultTextStyle>
   <p:extLst>
     <p:ext uri="{EFAFB233-063F-42B5-8137-9DF3F51BA10A}">
-      <p15:sldGuideLst xmlns:p15="http://schemas.microsoft.com/office/powerpoint/2012/main" xmlns=""/>
+      <p15:sldGuideLst xmlns="" xmlns:p15="http://schemas.microsoft.com/office/powerpoint/2012/main"/>
     </p:ext>
   </p:extLst>
 </p:presentation>
@@ -201,7 +202,7 @@
             <a:fld id="{C4ADB47E-E962-47A6-A424-6C5C29F7C662}" type="datetimeFigureOut">
               <a:rPr lang="en-US"/>
               <a:pPr/>
-              <a:t>10/21/2014</a:t>
+              <a:t>10/22/2014</a:t>
             </a:fld>
             <a:endParaRPr lang="en-US"/>
           </a:p>
@@ -369,7 +370,7 @@
     </p:spTree>
     <p:extLst>
       <p:ext uri="{BB962C8B-B14F-4D97-AF65-F5344CB8AC3E}">
-        <p14:creationId xmlns:p14="http://schemas.microsoft.com/office/powerpoint/2010/main" xmlns="" val="734493671"/>
+        <p14:creationId xmlns="" xmlns:p14="http://schemas.microsoft.com/office/powerpoint/2010/main" val="734493671"/>
       </p:ext>
     </p:extLst>
   </p:cSld>
@@ -544,7 +545,7 @@
     </p:spTree>
     <p:extLst>
       <p:ext uri="{BB962C8B-B14F-4D97-AF65-F5344CB8AC3E}">
-        <p14:creationId xmlns:p14="http://schemas.microsoft.com/office/powerpoint/2010/main" xmlns="" val="2573548436"/>
+        <p14:creationId xmlns="" xmlns:p14="http://schemas.microsoft.com/office/powerpoint/2010/main" val="2573548436"/>
       </p:ext>
     </p:extLst>
   </p:cSld>
@@ -629,7 +630,7 @@
     </p:spTree>
     <p:extLst>
       <p:ext uri="{BB962C8B-B14F-4D97-AF65-F5344CB8AC3E}">
-        <p14:creationId xmlns:p14="http://schemas.microsoft.com/office/powerpoint/2010/main" xmlns="" val="2312861466"/>
+        <p14:creationId xmlns="" xmlns:p14="http://schemas.microsoft.com/office/powerpoint/2010/main" val="2312861466"/>
       </p:ext>
     </p:extLst>
   </p:cSld>
@@ -714,7 +715,7 @@
     </p:spTree>
     <p:extLst>
       <p:ext uri="{BB962C8B-B14F-4D97-AF65-F5344CB8AC3E}">
-        <p14:creationId xmlns:p14="http://schemas.microsoft.com/office/powerpoint/2010/main" xmlns="" val="3493063176"/>
+        <p14:creationId xmlns="" xmlns:p14="http://schemas.microsoft.com/office/powerpoint/2010/main" val="2312861466"/>
       </p:ext>
     </p:extLst>
   </p:cSld>
@@ -799,7 +800,92 @@
     </p:spTree>
     <p:extLst>
       <p:ext uri="{BB962C8B-B14F-4D97-AF65-F5344CB8AC3E}">
-        <p14:creationId xmlns:p14="http://schemas.microsoft.com/office/powerpoint/2010/main" xmlns="" val="3977470003"/>
+        <p14:creationId xmlns="" xmlns:p14="http://schemas.microsoft.com/office/powerpoint/2010/main" val="3493063176"/>
+      </p:ext>
+    </p:extLst>
+  </p:cSld>
+  <p:clrMapOvr>
+    <a:masterClrMapping/>
+  </p:clrMapOvr>
+</p:notes>
+</file>
+
+<file path=ppt/notesSlides/notesSlide5.xml><?xml version="1.0" encoding="utf-8"?>
+<p:notes xmlns:a="http://schemas.openxmlformats.org/drawingml/2006/main" xmlns:r="http://schemas.openxmlformats.org/officeDocument/2006/relationships" xmlns:p="http://schemas.openxmlformats.org/presentationml/2006/main">
+  <p:cSld>
+    <p:spTree>
+      <p:nvGrpSpPr>
+        <p:cNvPr id="1" name=""/>
+        <p:cNvGrpSpPr/>
+        <p:nvPr/>
+      </p:nvGrpSpPr>
+      <p:grpSpPr>
+        <a:xfrm>
+          <a:off x="0" y="0"/>
+          <a:ext cx="0" cy="0"/>
+          <a:chOff x="0" y="0"/>
+          <a:chExt cx="0" cy="0"/>
+        </a:xfrm>
+      </p:grpSpPr>
+      <p:sp>
+        <p:nvSpPr>
+          <p:cNvPr id="2" name="Slide Image Placeholder 1"/>
+          <p:cNvSpPr>
+            <a:spLocks noGrp="1" noRot="1" noChangeAspect="1"/>
+          </p:cNvSpPr>
+          <p:nvPr>
+            <p:ph type="sldImg"/>
+          </p:nvPr>
+        </p:nvSpPr>
+        <p:spPr/>
+      </p:sp>
+      <p:sp>
+        <p:nvSpPr>
+          <p:cNvPr id="3" name="Notes Placeholder 2"/>
+          <p:cNvSpPr>
+            <a:spLocks noGrp="1"/>
+          </p:cNvSpPr>
+          <p:nvPr>
+            <p:ph type="body" idx="1"/>
+          </p:nvPr>
+        </p:nvSpPr>
+        <p:spPr/>
+        <p:txBody>
+          <a:bodyPr/>
+          <a:lstStyle/>
+          <a:p>
+            <a:endParaRPr lang="en-US"/>
+          </a:p>
+        </p:txBody>
+      </p:sp>
+      <p:sp>
+        <p:nvSpPr>
+          <p:cNvPr id="4" name="Slide Number Placeholder 3"/>
+          <p:cNvSpPr>
+            <a:spLocks noGrp="1"/>
+          </p:cNvSpPr>
+          <p:nvPr>
+            <p:ph type="sldNum" sz="quarter" idx="10"/>
+          </p:nvPr>
+        </p:nvSpPr>
+        <p:spPr/>
+        <p:txBody>
+          <a:bodyPr/>
+          <a:lstStyle/>
+          <a:p>
+            <a:fld id="{5209D51E-6331-4C63-8E16-D36751B4995F}" type="slidenum">
+              <a:rPr lang="en-US"/>
+              <a:pPr/>
+              <a:t>5</a:t>
+            </a:fld>
+            <a:endParaRPr lang="en-US"/>
+          </a:p>
+        </p:txBody>
+      </p:sp>
+    </p:spTree>
+    <p:extLst>
+      <p:ext uri="{BB962C8B-B14F-4D97-AF65-F5344CB8AC3E}">
+        <p14:creationId xmlns="" xmlns:p14="http://schemas.microsoft.com/office/powerpoint/2010/main" val="3977470003"/>
       </p:ext>
     </p:extLst>
   </p:cSld>
@@ -941,7 +1027,7 @@
             <a:fld id="{F1FA7AC5-6045-4418-8E60-F48788734473}" type="datetimeFigureOut">
               <a:rPr lang="en-US" smtClean="0"/>
               <a:pPr/>
-              <a:t>10/21/2014</a:t>
+              <a:t>10/22/2014</a:t>
             </a:fld>
             <a:endParaRPr lang="en-US"/>
           </a:p>
@@ -993,7 +1079,7 @@
     </p:spTree>
     <p:extLst>
       <p:ext uri="{BB962C8B-B14F-4D97-AF65-F5344CB8AC3E}">
-        <p14:creationId xmlns:p14="http://schemas.microsoft.com/office/powerpoint/2010/main" xmlns="" val="508168537"/>
+        <p14:creationId xmlns="" xmlns:p14="http://schemas.microsoft.com/office/powerpoint/2010/main" val="508168537"/>
       </p:ext>
     </p:extLst>
   </p:cSld>
@@ -1113,7 +1199,7 @@
             <a:fld id="{F1FA7AC5-6045-4418-8E60-F48788734473}" type="datetimeFigureOut">
               <a:rPr lang="en-US" smtClean="0"/>
               <a:pPr/>
-              <a:t>10/21/2014</a:t>
+              <a:t>10/22/2014</a:t>
             </a:fld>
             <a:endParaRPr lang="en-US"/>
           </a:p>
@@ -1165,7 +1251,7 @@
     </p:spTree>
     <p:extLst>
       <p:ext uri="{BB962C8B-B14F-4D97-AF65-F5344CB8AC3E}">
-        <p14:creationId xmlns:p14="http://schemas.microsoft.com/office/powerpoint/2010/main" xmlns="" val="613236000"/>
+        <p14:creationId xmlns="" xmlns:p14="http://schemas.microsoft.com/office/powerpoint/2010/main" val="613236000"/>
       </p:ext>
     </p:extLst>
   </p:cSld>
@@ -1295,7 +1381,7 @@
             <a:fld id="{F1FA7AC5-6045-4418-8E60-F48788734473}" type="datetimeFigureOut">
               <a:rPr lang="en-US" smtClean="0"/>
               <a:pPr/>
-              <a:t>10/21/2014</a:t>
+              <a:t>10/22/2014</a:t>
             </a:fld>
             <a:endParaRPr lang="en-US"/>
           </a:p>
@@ -1347,7 +1433,7 @@
     </p:spTree>
     <p:extLst>
       <p:ext uri="{BB962C8B-B14F-4D97-AF65-F5344CB8AC3E}">
-        <p14:creationId xmlns:p14="http://schemas.microsoft.com/office/powerpoint/2010/main" xmlns="" val="2660566950"/>
+        <p14:creationId xmlns="" xmlns:p14="http://schemas.microsoft.com/office/powerpoint/2010/main" val="2660566950"/>
       </p:ext>
     </p:extLst>
   </p:cSld>
@@ -1467,7 +1553,7 @@
             <a:fld id="{F1FA7AC5-6045-4418-8E60-F48788734473}" type="datetimeFigureOut">
               <a:rPr lang="en-US" smtClean="0"/>
               <a:pPr/>
-              <a:t>10/21/2014</a:t>
+              <a:t>10/22/2014</a:t>
             </a:fld>
             <a:endParaRPr lang="en-US"/>
           </a:p>
@@ -1519,7 +1605,7 @@
     </p:spTree>
     <p:extLst>
       <p:ext uri="{BB962C8B-B14F-4D97-AF65-F5344CB8AC3E}">
-        <p14:creationId xmlns:p14="http://schemas.microsoft.com/office/powerpoint/2010/main" xmlns="" val="3386326818"/>
+        <p14:creationId xmlns="" xmlns:p14="http://schemas.microsoft.com/office/powerpoint/2010/main" val="3386326818"/>
       </p:ext>
     </p:extLst>
   </p:cSld>
@@ -1715,7 +1801,7 @@
             <a:fld id="{F1FA7AC5-6045-4418-8E60-F48788734473}" type="datetimeFigureOut">
               <a:rPr lang="en-US" smtClean="0"/>
               <a:pPr/>
-              <a:t>10/21/2014</a:t>
+              <a:t>10/22/2014</a:t>
             </a:fld>
             <a:endParaRPr lang="en-US"/>
           </a:p>
@@ -1767,7 +1853,7 @@
     </p:spTree>
     <p:extLst>
       <p:ext uri="{BB962C8B-B14F-4D97-AF65-F5344CB8AC3E}">
-        <p14:creationId xmlns:p14="http://schemas.microsoft.com/office/powerpoint/2010/main" xmlns="" val="1875206763"/>
+        <p14:creationId xmlns="" xmlns:p14="http://schemas.microsoft.com/office/powerpoint/2010/main" val="1875206763"/>
       </p:ext>
     </p:extLst>
   </p:cSld>
@@ -1949,7 +2035,7 @@
             <a:fld id="{F1FA7AC5-6045-4418-8E60-F48788734473}" type="datetimeFigureOut">
               <a:rPr lang="en-US" smtClean="0"/>
               <a:pPr/>
-              <a:t>10/21/2014</a:t>
+              <a:t>10/22/2014</a:t>
             </a:fld>
             <a:endParaRPr lang="en-US"/>
           </a:p>
@@ -2001,7 +2087,7 @@
     </p:spTree>
     <p:extLst>
       <p:ext uri="{BB962C8B-B14F-4D97-AF65-F5344CB8AC3E}">
-        <p14:creationId xmlns:p14="http://schemas.microsoft.com/office/powerpoint/2010/main" xmlns="" val="3401293223"/>
+        <p14:creationId xmlns="" xmlns:p14="http://schemas.microsoft.com/office/powerpoint/2010/main" val="3401293223"/>
       </p:ext>
     </p:extLst>
   </p:cSld>
@@ -2318,7 +2404,7 @@
             <a:fld id="{F1FA7AC5-6045-4418-8E60-F48788734473}" type="datetimeFigureOut">
               <a:rPr lang="en-US" smtClean="0"/>
               <a:pPr/>
-              <a:t>10/21/2014</a:t>
+              <a:t>10/22/2014</a:t>
             </a:fld>
             <a:endParaRPr lang="en-US"/>
           </a:p>
@@ -2370,7 +2456,7 @@
     </p:spTree>
     <p:extLst>
       <p:ext uri="{BB962C8B-B14F-4D97-AF65-F5344CB8AC3E}">
-        <p14:creationId xmlns:p14="http://schemas.microsoft.com/office/powerpoint/2010/main" xmlns="" val="3056490410"/>
+        <p14:creationId xmlns="" xmlns:p14="http://schemas.microsoft.com/office/powerpoint/2010/main" val="3056490410"/>
       </p:ext>
     </p:extLst>
   </p:cSld>
@@ -2438,7 +2524,7 @@
             <a:fld id="{F1FA7AC5-6045-4418-8E60-F48788734473}" type="datetimeFigureOut">
               <a:rPr lang="en-US" smtClean="0"/>
               <a:pPr/>
-              <a:t>10/21/2014</a:t>
+              <a:t>10/22/2014</a:t>
             </a:fld>
             <a:endParaRPr lang="en-US"/>
           </a:p>
@@ -2490,7 +2576,7 @@
     </p:spTree>
     <p:extLst>
       <p:ext uri="{BB962C8B-B14F-4D97-AF65-F5344CB8AC3E}">
-        <p14:creationId xmlns:p14="http://schemas.microsoft.com/office/powerpoint/2010/main" xmlns="" val="3573976379"/>
+        <p14:creationId xmlns="" xmlns:p14="http://schemas.microsoft.com/office/powerpoint/2010/main" val="3573976379"/>
       </p:ext>
     </p:extLst>
   </p:cSld>
@@ -2535,7 +2621,7 @@
             <a:fld id="{F1FA7AC5-6045-4418-8E60-F48788734473}" type="datetimeFigureOut">
               <a:rPr lang="en-US" smtClean="0"/>
               <a:pPr/>
-              <a:t>10/21/2014</a:t>
+              <a:t>10/22/2014</a:t>
             </a:fld>
             <a:endParaRPr lang="en-US"/>
           </a:p>
@@ -2587,7 +2673,7 @@
     </p:spTree>
     <p:extLst>
       <p:ext uri="{BB962C8B-B14F-4D97-AF65-F5344CB8AC3E}">
-        <p14:creationId xmlns:p14="http://schemas.microsoft.com/office/powerpoint/2010/main" xmlns="" val="3201795056"/>
+        <p14:creationId xmlns="" xmlns:p14="http://schemas.microsoft.com/office/powerpoint/2010/main" val="3201795056"/>
       </p:ext>
     </p:extLst>
   </p:cSld>
@@ -2814,7 +2900,7 @@
             <a:fld id="{F1FA7AC5-6045-4418-8E60-F48788734473}" type="datetimeFigureOut">
               <a:rPr lang="en-US" smtClean="0"/>
               <a:pPr/>
-              <a:t>10/21/2014</a:t>
+              <a:t>10/22/2014</a:t>
             </a:fld>
             <a:endParaRPr lang="en-US"/>
           </a:p>
@@ -2866,7 +2952,7 @@
     </p:spTree>
     <p:extLst>
       <p:ext uri="{BB962C8B-B14F-4D97-AF65-F5344CB8AC3E}">
-        <p14:creationId xmlns:p14="http://schemas.microsoft.com/office/powerpoint/2010/main" xmlns="" val="2526201297"/>
+        <p14:creationId xmlns="" xmlns:p14="http://schemas.microsoft.com/office/powerpoint/2010/main" val="2526201297"/>
       </p:ext>
     </p:extLst>
   </p:cSld>
@@ -3069,7 +3155,7 @@
             <a:fld id="{F1FA7AC5-6045-4418-8E60-F48788734473}" type="datetimeFigureOut">
               <a:rPr lang="en-US" smtClean="0"/>
               <a:pPr/>
-              <a:t>10/21/2014</a:t>
+              <a:t>10/22/2014</a:t>
             </a:fld>
             <a:endParaRPr lang="en-US"/>
           </a:p>
@@ -3121,7 +3207,7 @@
     </p:spTree>
     <p:extLst>
       <p:ext uri="{BB962C8B-B14F-4D97-AF65-F5344CB8AC3E}">
-        <p14:creationId xmlns:p14="http://schemas.microsoft.com/office/powerpoint/2010/main" xmlns="" val="242868210"/>
+        <p14:creationId xmlns="" xmlns:p14="http://schemas.microsoft.com/office/powerpoint/2010/main" val="242868210"/>
       </p:ext>
     </p:extLst>
   </p:cSld>
@@ -3284,7 +3370,7 @@
             <a:fld id="{F1FA7AC5-6045-4418-8E60-F48788734473}" type="datetimeFigureOut">
               <a:rPr lang="en-US" smtClean="0"/>
               <a:pPr/>
-              <a:t>10/21/2014</a:t>
+              <a:t>10/22/2014</a:t>
             </a:fld>
             <a:endParaRPr lang="en-US"/>
           </a:p>
@@ -3372,7 +3458,7 @@
     </p:spTree>
     <p:extLst>
       <p:ext uri="{BB962C8B-B14F-4D97-AF65-F5344CB8AC3E}">
-        <p14:creationId xmlns:p14="http://schemas.microsoft.com/office/powerpoint/2010/main" xmlns="" val="3931132979"/>
+        <p14:creationId xmlns="" xmlns:p14="http://schemas.microsoft.com/office/powerpoint/2010/main" val="3931132979"/>
       </p:ext>
     </p:extLst>
   </p:cSld>
@@ -5303,7 +5389,7 @@
     </p:spTree>
     <p:extLst>
       <p:ext uri="{BB962C8B-B14F-4D97-AF65-F5344CB8AC3E}">
-        <p14:creationId xmlns:p14="http://schemas.microsoft.com/office/powerpoint/2010/main" xmlns="" val="461431175"/>
+        <p14:creationId xmlns="" xmlns:p14="http://schemas.microsoft.com/office/powerpoint/2010/main" val="461431175"/>
       </p:ext>
     </p:extLst>
   </p:cSld>
@@ -5346,7 +5432,7 @@
         <p:spPr>
           <a:xfrm>
             <a:off x="1019175" y="186221"/>
-            <a:ext cx="1882775" cy="6244742"/>
+            <a:ext cx="1882775" cy="6402358"/>
           </a:xfrm>
           <a:prstGeom prst="rect">
             <a:avLst/>
@@ -8204,7 +8290,7 @@
         </p:nvSpPr>
         <p:spPr>
           <a:xfrm>
-            <a:off x="1180685" y="4460197"/>
+            <a:off x="1180685" y="4509181"/>
             <a:ext cx="1497347" cy="592138"/>
           </a:xfrm>
           <a:prstGeom prst="rect">
@@ -8247,7 +8333,7 @@
         </p:nvSpPr>
         <p:spPr>
           <a:xfrm rot="-60000">
-            <a:off x="1130973" y="4422925"/>
+            <a:off x="1130973" y="4471909"/>
             <a:ext cx="1619324" cy="646112"/>
           </a:xfrm>
           <a:prstGeom prst="rect">
@@ -8262,21 +8348,21 @@
           <a:p>
             <a:pPr algn="ctr"/>
             <a:r>
-              <a:rPr lang="en-US" sz="3600">
+              <a:rPr lang="en-US" sz="3600" dirty="0">
                 <a:solidFill>
                   <a:srgbClr val="FF0000"/>
                 </a:solidFill>
               </a:rPr>
               <a:t>$ $</a:t>
             </a:r>
-            <a:endParaRPr lang="en-US" sz="3600"/>
+            <a:endParaRPr lang="en-US" sz="3600" dirty="0"/>
           </a:p>
         </p:txBody>
       </p:sp>
     </p:spTree>
     <p:extLst>
       <p:ext uri="{BB962C8B-B14F-4D97-AF65-F5344CB8AC3E}">
-        <p14:creationId xmlns:p14="http://schemas.microsoft.com/office/powerpoint/2010/main" xmlns="" val="4157082590"/>
+        <p14:creationId xmlns="" xmlns:p14="http://schemas.microsoft.com/office/powerpoint/2010/main" val="4157082590"/>
       </p:ext>
     </p:extLst>
   </p:cSld>
@@ -8318,8 +8404,8 @@
         </p:nvSpPr>
         <p:spPr>
           <a:xfrm>
-            <a:off x="1019175" y="185738"/>
-            <a:ext cx="3299582" cy="6245225"/>
+            <a:off x="1019175" y="186220"/>
+            <a:ext cx="1882775" cy="6386029"/>
           </a:xfrm>
           <a:prstGeom prst="rect">
             <a:avLst/>
@@ -8358,8 +8444,8 @@
         </p:nvSpPr>
         <p:spPr>
           <a:xfrm>
-            <a:off x="8078876" y="249238"/>
-            <a:ext cx="2317662" cy="6281737"/>
+            <a:off x="7213795" y="204107"/>
+            <a:ext cx="3449638" cy="6363669"/>
           </a:xfrm>
           <a:prstGeom prst="rect">
             <a:avLst/>
@@ -8422,7 +8508,7 @@
           <a:p>
             <a:pPr algn="ctr"/>
             <a:r>
-              <a:rPr lang="en-US" sz="7200">
+              <a:rPr lang="en-US" sz="7200" dirty="0">
                 <a:solidFill>
                   <a:srgbClr val="5B9BD5"/>
                 </a:solidFill>
@@ -8440,7 +8526,7 @@
         </p:nvSpPr>
         <p:spPr>
           <a:xfrm rot="5340000">
-            <a:off x="9408110" y="3043871"/>
+            <a:off x="9642778" y="3043871"/>
             <a:ext cx="2739800" cy="1200150"/>
           </a:xfrm>
           <a:prstGeom prst="rect">
@@ -8455,7 +8541,7 @@
           <a:p>
             <a:pPr algn="ctr"/>
             <a:r>
-              <a:rPr lang="en-US" sz="7200">
+              <a:rPr lang="en-US" sz="7200" dirty="0">
                 <a:solidFill>
                   <a:srgbClr val="ED7D31"/>
                 </a:solidFill>
@@ -8467,16 +8553,16 @@
       </p:sp>
       <p:sp>
         <p:nvSpPr>
-          <p:cNvPr id="2" name="Left Arrow 1"/>
-          <p:cNvSpPr/>
-          <p:nvPr/>
-        </p:nvSpPr>
-        <p:spPr>
-          <a:xfrm>
-            <a:off x="4424363" y="236538"/>
-            <a:ext cx="3562656" cy="1204912"/>
-          </a:xfrm>
-          <a:prstGeom prst="leftArrow">
+          <p:cNvPr id="14" name="Right Arrow 13"/>
+          <p:cNvSpPr/>
+          <p:nvPr/>
+        </p:nvSpPr>
+        <p:spPr>
+          <a:xfrm>
+            <a:off x="3020070" y="219744"/>
+            <a:ext cx="3937000" cy="539540"/>
+          </a:xfrm>
+          <a:prstGeom prst="rightArrow">
             <a:avLst/>
           </a:prstGeom>
         </p:spPr>
@@ -8502,24 +8588,1733 @@
           <a:p>
             <a:pPr algn="ctr"/>
             <a:r>
-              <a:rPr lang="en-US" sz="2400"/>
-              <a:t>PRONTOS ERP</a:t>
+              <a:rPr lang="en-US" sz="2000" dirty="0" smtClean="0"/>
+              <a:t>DEPARTAMENTO</a:t>
             </a:r>
-          </a:p>
-        </p:txBody>
-      </p:sp>
-      <p:sp>
-        <p:nvSpPr>
-          <p:cNvPr id="5" name="Rounded Rectangle 4"/>
-          <p:cNvSpPr/>
-          <p:nvPr/>
-        </p:nvSpPr>
-        <p:spPr>
-          <a:xfrm>
-            <a:off x="1230706" y="347802"/>
-            <a:ext cx="2939657" cy="1200011"/>
-          </a:xfrm>
-          <a:prstGeom prst="roundRect">
+            <a:endParaRPr lang="en-US" sz="2000" dirty="0"/>
+          </a:p>
+        </p:txBody>
+      </p:sp>
+      <p:sp>
+        <p:nvSpPr>
+          <p:cNvPr id="16" name="Cube 15"/>
+          <p:cNvSpPr/>
+          <p:nvPr/>
+        </p:nvSpPr>
+        <p:spPr>
+          <a:xfrm>
+            <a:off x="8408353" y="1635669"/>
+            <a:ext cx="894481" cy="706645"/>
+          </a:xfrm>
+          <a:prstGeom prst="cube">
+            <a:avLst/>
+          </a:prstGeom>
+          <a:noFill/>
+          <a:ln>
+            <a:solidFill>
+              <a:schemeClr val="bg1"/>
+            </a:solidFill>
+          </a:ln>
+        </p:spPr>
+        <p:style>
+          <a:lnRef idx="2">
+            <a:schemeClr val="accent1">
+              <a:shade val="50000"/>
+            </a:schemeClr>
+          </a:lnRef>
+          <a:fillRef idx="1">
+            <a:schemeClr val="accent1"/>
+          </a:fillRef>
+          <a:effectRef idx="0">
+            <a:schemeClr val="accent1"/>
+          </a:effectRef>
+          <a:fontRef idx="minor">
+            <a:schemeClr val="lt1"/>
+          </a:fontRef>
+        </p:style>
+        <p:txBody>
+          <a:bodyPr rtlCol="0" anchor="ctr"/>
+          <a:lstStyle/>
+          <a:p>
+            <a:pPr algn="ctr"/>
+            <a:endParaRPr lang="en-US"/>
+          </a:p>
+        </p:txBody>
+      </p:sp>
+      <p:sp>
+        <p:nvSpPr>
+          <p:cNvPr id="21" name="Cube 20"/>
+          <p:cNvSpPr/>
+          <p:nvPr/>
+        </p:nvSpPr>
+        <p:spPr>
+          <a:xfrm>
+            <a:off x="7412646" y="4078218"/>
+            <a:ext cx="894481" cy="706645"/>
+          </a:xfrm>
+          <a:prstGeom prst="cube">
+            <a:avLst/>
+          </a:prstGeom>
+          <a:solidFill>
+            <a:schemeClr val="accent6"/>
+          </a:solidFill>
+          <a:ln w="28575">
+            <a:solidFill>
+              <a:schemeClr val="bg1"/>
+            </a:solidFill>
+            <a:prstDash val="solid"/>
+          </a:ln>
+        </p:spPr>
+        <p:style>
+          <a:lnRef idx="2">
+            <a:schemeClr val="accent1">
+              <a:shade val="50000"/>
+            </a:schemeClr>
+          </a:lnRef>
+          <a:fillRef idx="1">
+            <a:schemeClr val="accent1"/>
+          </a:fillRef>
+          <a:effectRef idx="0">
+            <a:schemeClr val="accent1"/>
+          </a:effectRef>
+          <a:fontRef idx="minor">
+            <a:schemeClr val="lt1"/>
+          </a:fontRef>
+        </p:style>
+        <p:txBody>
+          <a:bodyPr rtlCol="0" anchor="ctr"/>
+          <a:lstStyle/>
+          <a:p>
+            <a:pPr algn="ctr"/>
+            <a:endParaRPr lang="en-US"/>
+          </a:p>
+        </p:txBody>
+      </p:sp>
+      <p:sp>
+        <p:nvSpPr>
+          <p:cNvPr id="22" name="Cube 21"/>
+          <p:cNvSpPr/>
+          <p:nvPr/>
+        </p:nvSpPr>
+        <p:spPr>
+          <a:xfrm>
+            <a:off x="8419324" y="4061535"/>
+            <a:ext cx="894481" cy="706645"/>
+          </a:xfrm>
+          <a:prstGeom prst="cube">
+            <a:avLst/>
+          </a:prstGeom>
+          <a:solidFill>
+            <a:schemeClr val="bg1"/>
+          </a:solidFill>
+          <a:ln w="28575">
+            <a:solidFill>
+              <a:schemeClr val="bg1"/>
+            </a:solidFill>
+          </a:ln>
+        </p:spPr>
+        <p:style>
+          <a:lnRef idx="2">
+            <a:schemeClr val="accent1">
+              <a:shade val="50000"/>
+            </a:schemeClr>
+          </a:lnRef>
+          <a:fillRef idx="1">
+            <a:schemeClr val="accent1"/>
+          </a:fillRef>
+          <a:effectRef idx="0">
+            <a:schemeClr val="accent1"/>
+          </a:effectRef>
+          <a:fontRef idx="minor">
+            <a:schemeClr val="lt1"/>
+          </a:fontRef>
+        </p:style>
+        <p:txBody>
+          <a:bodyPr rtlCol="0" anchor="ctr"/>
+          <a:lstStyle/>
+          <a:p>
+            <a:pPr algn="ctr"/>
+            <a:endParaRPr lang="en-US"/>
+          </a:p>
+        </p:txBody>
+      </p:sp>
+      <p:sp>
+        <p:nvSpPr>
+          <p:cNvPr id="23" name="Cube 22"/>
+          <p:cNvSpPr/>
+          <p:nvPr/>
+        </p:nvSpPr>
+        <p:spPr>
+          <a:xfrm>
+            <a:off x="9525428" y="4065794"/>
+            <a:ext cx="894481" cy="706645"/>
+          </a:xfrm>
+          <a:prstGeom prst="cube">
+            <a:avLst/>
+          </a:prstGeom>
+          <a:solidFill>
+            <a:srgbClr val="FFFF00"/>
+          </a:solidFill>
+          <a:ln w="28575">
+            <a:solidFill>
+              <a:schemeClr val="bg1"/>
+            </a:solidFill>
+          </a:ln>
+        </p:spPr>
+        <p:style>
+          <a:lnRef idx="2">
+            <a:schemeClr val="accent1">
+              <a:shade val="50000"/>
+            </a:schemeClr>
+          </a:lnRef>
+          <a:fillRef idx="1">
+            <a:schemeClr val="accent1"/>
+          </a:fillRef>
+          <a:effectRef idx="0">
+            <a:schemeClr val="accent1"/>
+          </a:effectRef>
+          <a:fontRef idx="minor">
+            <a:schemeClr val="lt1"/>
+          </a:fontRef>
+        </p:style>
+        <p:txBody>
+          <a:bodyPr rtlCol="0" anchor="ctr"/>
+          <a:lstStyle/>
+          <a:p>
+            <a:pPr algn="ctr"/>
+            <a:endParaRPr lang="en-US"/>
+          </a:p>
+        </p:txBody>
+      </p:sp>
+      <p:sp>
+        <p:nvSpPr>
+          <p:cNvPr id="24" name="Oval 23"/>
+          <p:cNvSpPr/>
+          <p:nvPr/>
+        </p:nvSpPr>
+        <p:spPr>
+          <a:xfrm>
+            <a:off x="7449930" y="4314273"/>
+            <a:ext cx="230853" cy="182148"/>
+          </a:xfrm>
+          <a:prstGeom prst="ellipse">
+            <a:avLst/>
+          </a:prstGeom>
+        </p:spPr>
+        <p:style>
+          <a:lnRef idx="2">
+            <a:schemeClr val="accent1">
+              <a:shade val="50000"/>
+            </a:schemeClr>
+          </a:lnRef>
+          <a:fillRef idx="1">
+            <a:schemeClr val="accent1"/>
+          </a:fillRef>
+          <a:effectRef idx="0">
+            <a:schemeClr val="accent1"/>
+          </a:effectRef>
+          <a:fontRef idx="minor">
+            <a:schemeClr val="lt1"/>
+          </a:fontRef>
+        </p:style>
+        <p:txBody>
+          <a:bodyPr rtlCol="0" anchor="ctr"/>
+          <a:lstStyle/>
+          <a:p>
+            <a:pPr algn="ctr"/>
+            <a:endParaRPr lang="en-US"/>
+          </a:p>
+        </p:txBody>
+      </p:sp>
+      <p:sp>
+        <p:nvSpPr>
+          <p:cNvPr id="25" name="Oval 24"/>
+          <p:cNvSpPr/>
+          <p:nvPr/>
+        </p:nvSpPr>
+        <p:spPr>
+          <a:xfrm>
+            <a:off x="8481465" y="4277001"/>
+            <a:ext cx="230853" cy="182148"/>
+          </a:xfrm>
+          <a:prstGeom prst="ellipse">
+            <a:avLst/>
+          </a:prstGeom>
+        </p:spPr>
+        <p:style>
+          <a:lnRef idx="2">
+            <a:schemeClr val="accent1">
+              <a:shade val="50000"/>
+            </a:schemeClr>
+          </a:lnRef>
+          <a:fillRef idx="1">
+            <a:schemeClr val="accent1"/>
+          </a:fillRef>
+          <a:effectRef idx="0">
+            <a:schemeClr val="accent1"/>
+          </a:effectRef>
+          <a:fontRef idx="minor">
+            <a:schemeClr val="lt1"/>
+          </a:fontRef>
+        </p:style>
+        <p:txBody>
+          <a:bodyPr rtlCol="0" anchor="ctr"/>
+          <a:lstStyle/>
+          <a:p>
+            <a:pPr algn="ctr"/>
+            <a:endParaRPr lang="en-US"/>
+          </a:p>
+        </p:txBody>
+      </p:sp>
+      <p:sp>
+        <p:nvSpPr>
+          <p:cNvPr id="26" name="Oval 25"/>
+          <p:cNvSpPr/>
+          <p:nvPr/>
+        </p:nvSpPr>
+        <p:spPr>
+          <a:xfrm>
+            <a:off x="9587569" y="4277001"/>
+            <a:ext cx="230853" cy="182148"/>
+          </a:xfrm>
+          <a:prstGeom prst="ellipse">
+            <a:avLst/>
+          </a:prstGeom>
+        </p:spPr>
+        <p:style>
+          <a:lnRef idx="2">
+            <a:schemeClr val="accent1">
+              <a:shade val="50000"/>
+            </a:schemeClr>
+          </a:lnRef>
+          <a:fillRef idx="1">
+            <a:schemeClr val="accent1"/>
+          </a:fillRef>
+          <a:effectRef idx="0">
+            <a:schemeClr val="accent1"/>
+          </a:effectRef>
+          <a:fontRef idx="minor">
+            <a:schemeClr val="lt1"/>
+          </a:fontRef>
+        </p:style>
+        <p:txBody>
+          <a:bodyPr rtlCol="0" anchor="ctr"/>
+          <a:lstStyle/>
+          <a:p>
+            <a:pPr algn="ctr"/>
+            <a:endParaRPr lang="en-US"/>
+          </a:p>
+        </p:txBody>
+      </p:sp>
+      <p:sp>
+        <p:nvSpPr>
+          <p:cNvPr id="27" name="5-Point Star 26"/>
+          <p:cNvSpPr/>
+          <p:nvPr/>
+        </p:nvSpPr>
+        <p:spPr>
+          <a:xfrm>
+            <a:off x="7797918" y="4475784"/>
+            <a:ext cx="317850" cy="243509"/>
+          </a:xfrm>
+          <a:prstGeom prst="star5">
+            <a:avLst/>
+          </a:prstGeom>
+          <a:solidFill>
+            <a:srgbClr val="FFFF00"/>
+          </a:solidFill>
+        </p:spPr>
+        <p:style>
+          <a:lnRef idx="2">
+            <a:schemeClr val="accent1">
+              <a:shade val="50000"/>
+            </a:schemeClr>
+          </a:lnRef>
+          <a:fillRef idx="1">
+            <a:schemeClr val="accent1"/>
+          </a:fillRef>
+          <a:effectRef idx="0">
+            <a:schemeClr val="accent1"/>
+          </a:effectRef>
+          <a:fontRef idx="minor">
+            <a:schemeClr val="lt1"/>
+          </a:fontRef>
+        </p:style>
+        <p:txBody>
+          <a:bodyPr rtlCol="0" anchor="ctr"/>
+          <a:lstStyle/>
+          <a:p>
+            <a:pPr algn="ctr"/>
+            <a:endParaRPr lang="en-US"/>
+          </a:p>
+        </p:txBody>
+      </p:sp>
+      <p:sp>
+        <p:nvSpPr>
+          <p:cNvPr id="28" name="5-Point Star 27"/>
+          <p:cNvSpPr/>
+          <p:nvPr/>
+        </p:nvSpPr>
+        <p:spPr>
+          <a:xfrm>
+            <a:off x="8829453" y="4463360"/>
+            <a:ext cx="317850" cy="243509"/>
+          </a:xfrm>
+          <a:prstGeom prst="star5">
+            <a:avLst/>
+          </a:prstGeom>
+          <a:solidFill>
+            <a:srgbClr val="FFFF00"/>
+          </a:solidFill>
+        </p:spPr>
+        <p:style>
+          <a:lnRef idx="2">
+            <a:schemeClr val="accent1">
+              <a:shade val="50000"/>
+            </a:schemeClr>
+          </a:lnRef>
+          <a:fillRef idx="1">
+            <a:schemeClr val="accent1"/>
+          </a:fillRef>
+          <a:effectRef idx="0">
+            <a:schemeClr val="accent1"/>
+          </a:effectRef>
+          <a:fontRef idx="minor">
+            <a:schemeClr val="lt1"/>
+          </a:fontRef>
+        </p:style>
+        <p:txBody>
+          <a:bodyPr rtlCol="0" anchor="ctr"/>
+          <a:lstStyle/>
+          <a:p>
+            <a:pPr algn="ctr"/>
+            <a:endParaRPr lang="en-US"/>
+          </a:p>
+        </p:txBody>
+      </p:sp>
+      <p:sp>
+        <p:nvSpPr>
+          <p:cNvPr id="29" name="5-Point Star 28"/>
+          <p:cNvSpPr/>
+          <p:nvPr/>
+        </p:nvSpPr>
+        <p:spPr>
+          <a:xfrm>
+            <a:off x="9923129" y="4488207"/>
+            <a:ext cx="317850" cy="243509"/>
+          </a:xfrm>
+          <a:prstGeom prst="star5">
+            <a:avLst/>
+          </a:prstGeom>
+          <a:solidFill>
+            <a:srgbClr val="FFFF00"/>
+          </a:solidFill>
+        </p:spPr>
+        <p:style>
+          <a:lnRef idx="2">
+            <a:schemeClr val="accent1">
+              <a:shade val="50000"/>
+            </a:schemeClr>
+          </a:lnRef>
+          <a:fillRef idx="1">
+            <a:schemeClr val="accent1"/>
+          </a:fillRef>
+          <a:effectRef idx="0">
+            <a:schemeClr val="accent1"/>
+          </a:effectRef>
+          <a:fontRef idx="minor">
+            <a:schemeClr val="lt1"/>
+          </a:fontRef>
+        </p:style>
+        <p:txBody>
+          <a:bodyPr rtlCol="0" anchor="ctr"/>
+          <a:lstStyle/>
+          <a:p>
+            <a:pPr algn="ctr"/>
+            <a:endParaRPr lang="en-US"/>
+          </a:p>
+        </p:txBody>
+      </p:sp>
+      <p:grpSp>
+        <p:nvGrpSpPr>
+          <p:cNvPr id="138" name="Grupo 137"/>
+          <p:cNvGrpSpPr/>
+          <p:nvPr/>
+        </p:nvGrpSpPr>
+        <p:grpSpPr>
+          <a:xfrm>
+            <a:off x="7377182" y="2883032"/>
+            <a:ext cx="894481" cy="706645"/>
+            <a:chOff x="7377182" y="2883032"/>
+            <a:chExt cx="894481" cy="706645"/>
+          </a:xfrm>
+        </p:grpSpPr>
+        <p:sp>
+          <p:nvSpPr>
+            <p:cNvPr id="17" name="Cube 16"/>
+            <p:cNvSpPr/>
+            <p:nvPr/>
+          </p:nvSpPr>
+          <p:spPr>
+            <a:xfrm>
+              <a:off x="7377182" y="2883032"/>
+              <a:ext cx="894481" cy="706645"/>
+            </a:xfrm>
+            <a:prstGeom prst="cube">
+              <a:avLst/>
+            </a:prstGeom>
+            <a:solidFill>
+              <a:schemeClr val="accent6"/>
+            </a:solidFill>
+            <a:ln>
+              <a:solidFill>
+                <a:schemeClr val="bg1"/>
+              </a:solidFill>
+            </a:ln>
+          </p:spPr>
+          <p:style>
+            <a:lnRef idx="2">
+              <a:schemeClr val="accent1">
+                <a:shade val="50000"/>
+              </a:schemeClr>
+            </a:lnRef>
+            <a:fillRef idx="1">
+              <a:schemeClr val="accent1"/>
+            </a:fillRef>
+            <a:effectRef idx="0">
+              <a:schemeClr val="accent1"/>
+            </a:effectRef>
+            <a:fontRef idx="minor">
+              <a:schemeClr val="lt1"/>
+            </a:fontRef>
+          </p:style>
+          <p:txBody>
+            <a:bodyPr rtlCol="0" anchor="ctr"/>
+            <a:lstStyle/>
+            <a:p>
+              <a:pPr algn="ctr"/>
+              <a:endParaRPr lang="en-US"/>
+            </a:p>
+          </p:txBody>
+        </p:sp>
+        <p:sp>
+          <p:nvSpPr>
+            <p:cNvPr id="41" name="5-Point Star 40"/>
+            <p:cNvSpPr/>
+            <p:nvPr/>
+          </p:nvSpPr>
+          <p:spPr>
+            <a:xfrm>
+              <a:off x="7882373" y="3314357"/>
+              <a:ext cx="317850" cy="243509"/>
+            </a:xfrm>
+            <a:prstGeom prst="star5">
+              <a:avLst/>
+            </a:prstGeom>
+            <a:solidFill>
+              <a:srgbClr val="FFFF00"/>
+            </a:solidFill>
+          </p:spPr>
+          <p:style>
+            <a:lnRef idx="2">
+              <a:schemeClr val="accent1">
+                <a:shade val="50000"/>
+              </a:schemeClr>
+            </a:lnRef>
+            <a:fillRef idx="1">
+              <a:schemeClr val="accent1"/>
+            </a:fillRef>
+            <a:effectRef idx="0">
+              <a:schemeClr val="accent1"/>
+            </a:effectRef>
+            <a:fontRef idx="minor">
+              <a:schemeClr val="lt1"/>
+            </a:fontRef>
+          </p:style>
+          <p:txBody>
+            <a:bodyPr rtlCol="0" anchor="ctr"/>
+            <a:lstStyle/>
+            <a:p>
+              <a:pPr algn="ctr"/>
+              <a:endParaRPr lang="en-US"/>
+            </a:p>
+          </p:txBody>
+        </p:sp>
+        <p:sp>
+          <p:nvSpPr>
+            <p:cNvPr id="42" name="Oval 41"/>
+            <p:cNvSpPr/>
+            <p:nvPr/>
+          </p:nvSpPr>
+          <p:spPr>
+            <a:xfrm>
+              <a:off x="7530119" y="3091082"/>
+              <a:ext cx="230853" cy="182148"/>
+            </a:xfrm>
+            <a:prstGeom prst="ellipse">
+              <a:avLst/>
+            </a:prstGeom>
+          </p:spPr>
+          <p:style>
+            <a:lnRef idx="2">
+              <a:schemeClr val="accent1">
+                <a:shade val="50000"/>
+              </a:schemeClr>
+            </a:lnRef>
+            <a:fillRef idx="1">
+              <a:schemeClr val="accent1"/>
+            </a:fillRef>
+            <a:effectRef idx="0">
+              <a:schemeClr val="accent1"/>
+            </a:effectRef>
+            <a:fontRef idx="minor">
+              <a:schemeClr val="lt1"/>
+            </a:fontRef>
+          </p:style>
+          <p:txBody>
+            <a:bodyPr rtlCol="0" anchor="ctr"/>
+            <a:lstStyle/>
+            <a:p>
+              <a:pPr algn="ctr"/>
+              <a:endParaRPr lang="en-US"/>
+            </a:p>
+          </p:txBody>
+        </p:sp>
+      </p:grpSp>
+      <p:sp>
+        <p:nvSpPr>
+          <p:cNvPr id="43" name="TextBox 42"/>
+          <p:cNvSpPr txBox="1"/>
+          <p:nvPr/>
+        </p:nvSpPr>
+        <p:spPr>
+          <a:xfrm rot="1080000">
+            <a:off x="7449930" y="3991301"/>
+            <a:ext cx="417916" cy="646331"/>
+          </a:xfrm>
+          <a:prstGeom prst="rect">
+            <a:avLst/>
+          </a:prstGeom>
+        </p:spPr>
+        <p:txBody>
+          <a:bodyPr rtlCol="0">
+            <a:spAutoFit/>
+          </a:bodyPr>
+          <a:lstStyle/>
+          <a:p>
+            <a:pPr algn="ctr"/>
+            <a:r>
+              <a:rPr lang="en-US" sz="3600" dirty="0">
+                <a:solidFill>
+                  <a:srgbClr val="FF0000"/>
+                </a:solidFill>
+              </a:rPr>
+              <a:t>$</a:t>
+            </a:r>
+            <a:endParaRPr lang="en-US" sz="3600" dirty="0"/>
+          </a:p>
+        </p:txBody>
+      </p:sp>
+      <p:sp>
+        <p:nvSpPr>
+          <p:cNvPr id="44" name="Cube 43"/>
+          <p:cNvSpPr/>
+          <p:nvPr/>
+        </p:nvSpPr>
+        <p:spPr>
+          <a:xfrm>
+            <a:off x="7338077" y="4813424"/>
+            <a:ext cx="309641" cy="271602"/>
+          </a:xfrm>
+          <a:prstGeom prst="cube">
+            <a:avLst/>
+          </a:prstGeom>
+          <a:solidFill>
+            <a:schemeClr val="accent6"/>
+          </a:solidFill>
+          <a:ln>
+            <a:solidFill>
+              <a:srgbClr val="FF0000"/>
+            </a:solidFill>
+          </a:ln>
+        </p:spPr>
+        <p:style>
+          <a:lnRef idx="2">
+            <a:schemeClr val="accent1">
+              <a:shade val="50000"/>
+            </a:schemeClr>
+          </a:lnRef>
+          <a:fillRef idx="1">
+            <a:schemeClr val="accent1"/>
+          </a:fillRef>
+          <a:effectRef idx="0">
+            <a:schemeClr val="accent1"/>
+          </a:effectRef>
+          <a:fontRef idx="minor">
+            <a:schemeClr val="lt1"/>
+          </a:fontRef>
+        </p:style>
+        <p:txBody>
+          <a:bodyPr rtlCol="0" anchor="ctr"/>
+          <a:lstStyle/>
+          <a:p>
+            <a:pPr algn="ctr"/>
+            <a:endParaRPr lang="en-US"/>
+          </a:p>
+        </p:txBody>
+      </p:sp>
+      <p:sp>
+        <p:nvSpPr>
+          <p:cNvPr id="45" name="Cube 44"/>
+          <p:cNvSpPr/>
+          <p:nvPr/>
+        </p:nvSpPr>
+        <p:spPr>
+          <a:xfrm>
+            <a:off x="7382797" y="4965358"/>
+            <a:ext cx="309641" cy="271602"/>
+          </a:xfrm>
+          <a:prstGeom prst="cube">
+            <a:avLst/>
+          </a:prstGeom>
+          <a:solidFill>
+            <a:schemeClr val="accent6"/>
+          </a:solidFill>
+          <a:ln>
+            <a:solidFill>
+              <a:srgbClr val="FF0000"/>
+            </a:solidFill>
+          </a:ln>
+        </p:spPr>
+        <p:style>
+          <a:lnRef idx="2">
+            <a:schemeClr val="accent1">
+              <a:shade val="50000"/>
+            </a:schemeClr>
+          </a:lnRef>
+          <a:fillRef idx="1">
+            <a:schemeClr val="accent1"/>
+          </a:fillRef>
+          <a:effectRef idx="0">
+            <a:schemeClr val="accent1"/>
+          </a:effectRef>
+          <a:fontRef idx="minor">
+            <a:schemeClr val="lt1"/>
+          </a:fontRef>
+        </p:style>
+        <p:txBody>
+          <a:bodyPr rtlCol="0" anchor="ctr"/>
+          <a:lstStyle/>
+          <a:p>
+            <a:pPr algn="ctr"/>
+            <a:endParaRPr lang="en-US"/>
+          </a:p>
+        </p:txBody>
+      </p:sp>
+      <p:sp>
+        <p:nvSpPr>
+          <p:cNvPr id="46" name="Cube 45"/>
+          <p:cNvSpPr/>
+          <p:nvPr/>
+        </p:nvSpPr>
+        <p:spPr>
+          <a:xfrm>
+            <a:off x="7785490" y="4833656"/>
+            <a:ext cx="309641" cy="271602"/>
+          </a:xfrm>
+          <a:prstGeom prst="cube">
+            <a:avLst/>
+          </a:prstGeom>
+          <a:solidFill>
+            <a:schemeClr val="accent6"/>
+          </a:solidFill>
+          <a:ln>
+            <a:solidFill>
+              <a:srgbClr val="FF0000"/>
+            </a:solidFill>
+          </a:ln>
+        </p:spPr>
+        <p:style>
+          <a:lnRef idx="2">
+            <a:schemeClr val="accent1">
+              <a:shade val="50000"/>
+            </a:schemeClr>
+          </a:lnRef>
+          <a:fillRef idx="1">
+            <a:schemeClr val="accent1"/>
+          </a:fillRef>
+          <a:effectRef idx="0">
+            <a:schemeClr val="accent1"/>
+          </a:effectRef>
+          <a:fontRef idx="minor">
+            <a:schemeClr val="lt1"/>
+          </a:fontRef>
+        </p:style>
+        <p:txBody>
+          <a:bodyPr rtlCol="0" anchor="ctr"/>
+          <a:lstStyle/>
+          <a:p>
+            <a:pPr algn="ctr"/>
+            <a:endParaRPr lang="en-US"/>
+          </a:p>
+        </p:txBody>
+      </p:sp>
+      <p:sp>
+        <p:nvSpPr>
+          <p:cNvPr id="47" name="Cube 46"/>
+          <p:cNvSpPr/>
+          <p:nvPr/>
+        </p:nvSpPr>
+        <p:spPr>
+          <a:xfrm>
+            <a:off x="7883093" y="4965358"/>
+            <a:ext cx="309641" cy="271602"/>
+          </a:xfrm>
+          <a:prstGeom prst="cube">
+            <a:avLst/>
+          </a:prstGeom>
+          <a:solidFill>
+            <a:schemeClr val="accent6"/>
+          </a:solidFill>
+          <a:ln>
+            <a:solidFill>
+              <a:srgbClr val="FF0000"/>
+            </a:solidFill>
+          </a:ln>
+        </p:spPr>
+        <p:style>
+          <a:lnRef idx="2">
+            <a:schemeClr val="accent1">
+              <a:shade val="50000"/>
+            </a:schemeClr>
+          </a:lnRef>
+          <a:fillRef idx="1">
+            <a:schemeClr val="accent1"/>
+          </a:fillRef>
+          <a:effectRef idx="0">
+            <a:schemeClr val="accent1"/>
+          </a:effectRef>
+          <a:fontRef idx="minor">
+            <a:schemeClr val="lt1"/>
+          </a:fontRef>
+        </p:style>
+        <p:txBody>
+          <a:bodyPr rtlCol="0" anchor="ctr"/>
+          <a:lstStyle/>
+          <a:p>
+            <a:pPr algn="ctr"/>
+            <a:endParaRPr lang="en-US"/>
+          </a:p>
+        </p:txBody>
+      </p:sp>
+      <p:sp>
+        <p:nvSpPr>
+          <p:cNvPr id="48" name="TextBox 47"/>
+          <p:cNvSpPr txBox="1"/>
+          <p:nvPr/>
+        </p:nvSpPr>
+        <p:spPr>
+          <a:xfrm rot="1080000">
+            <a:off x="7760633" y="3978877"/>
+            <a:ext cx="417916" cy="646331"/>
+          </a:xfrm>
+          <a:prstGeom prst="rect">
+            <a:avLst/>
+          </a:prstGeom>
+        </p:spPr>
+        <p:txBody>
+          <a:bodyPr rtlCol="0">
+            <a:spAutoFit/>
+          </a:bodyPr>
+          <a:lstStyle/>
+          <a:p>
+            <a:pPr algn="ctr"/>
+            <a:r>
+              <a:rPr lang="en-US" sz="3600" dirty="0">
+                <a:solidFill>
+                  <a:srgbClr val="FF0000"/>
+                </a:solidFill>
+              </a:rPr>
+              <a:t>$</a:t>
+            </a:r>
+            <a:endParaRPr lang="en-US" sz="3600" dirty="0"/>
+          </a:p>
+        </p:txBody>
+      </p:sp>
+      <p:sp>
+        <p:nvSpPr>
+          <p:cNvPr id="51" name="TextBox 50"/>
+          <p:cNvSpPr txBox="1"/>
+          <p:nvPr/>
+        </p:nvSpPr>
+        <p:spPr>
+          <a:xfrm rot="1080000">
+            <a:off x="9898272" y="4016149"/>
+            <a:ext cx="417916" cy="646331"/>
+          </a:xfrm>
+          <a:prstGeom prst="rect">
+            <a:avLst/>
+          </a:prstGeom>
+        </p:spPr>
+        <p:txBody>
+          <a:bodyPr rtlCol="0">
+            <a:spAutoFit/>
+          </a:bodyPr>
+          <a:lstStyle/>
+          <a:p>
+            <a:pPr algn="ctr"/>
+            <a:r>
+              <a:rPr lang="en-US" sz="3600">
+                <a:solidFill>
+                  <a:srgbClr val="FF0000"/>
+                </a:solidFill>
+              </a:rPr>
+              <a:t>$</a:t>
+            </a:r>
+            <a:endParaRPr lang="en-US" sz="3600"/>
+          </a:p>
+        </p:txBody>
+      </p:sp>
+      <p:sp>
+        <p:nvSpPr>
+          <p:cNvPr id="52" name="TextBox 51"/>
+          <p:cNvSpPr txBox="1"/>
+          <p:nvPr/>
+        </p:nvSpPr>
+        <p:spPr>
+          <a:xfrm rot="1080000">
+            <a:off x="9599997" y="4003725"/>
+            <a:ext cx="417916" cy="646331"/>
+          </a:xfrm>
+          <a:prstGeom prst="rect">
+            <a:avLst/>
+          </a:prstGeom>
+        </p:spPr>
+        <p:txBody>
+          <a:bodyPr rtlCol="0">
+            <a:spAutoFit/>
+          </a:bodyPr>
+          <a:lstStyle/>
+          <a:p>
+            <a:pPr algn="ctr"/>
+            <a:r>
+              <a:rPr lang="en-US" sz="3600">
+                <a:solidFill>
+                  <a:srgbClr val="FF0000"/>
+                </a:solidFill>
+              </a:rPr>
+              <a:t>$</a:t>
+            </a:r>
+            <a:endParaRPr lang="en-US" sz="3600"/>
+          </a:p>
+        </p:txBody>
+      </p:sp>
+      <p:sp>
+        <p:nvSpPr>
+          <p:cNvPr id="53" name="TextBox 52"/>
+          <p:cNvSpPr txBox="1"/>
+          <p:nvPr/>
+        </p:nvSpPr>
+        <p:spPr>
+          <a:xfrm rot="1080000">
+            <a:off x="8879165" y="3978877"/>
+            <a:ext cx="417916" cy="646331"/>
+          </a:xfrm>
+          <a:prstGeom prst="rect">
+            <a:avLst/>
+          </a:prstGeom>
+        </p:spPr>
+        <p:txBody>
+          <a:bodyPr rtlCol="0">
+            <a:spAutoFit/>
+          </a:bodyPr>
+          <a:lstStyle/>
+          <a:p>
+            <a:pPr algn="ctr"/>
+            <a:r>
+              <a:rPr lang="en-US" sz="3600" dirty="0">
+                <a:solidFill>
+                  <a:srgbClr val="FF0000"/>
+                </a:solidFill>
+              </a:rPr>
+              <a:t>$</a:t>
+            </a:r>
+            <a:endParaRPr lang="en-US" sz="3600" dirty="0"/>
+          </a:p>
+        </p:txBody>
+      </p:sp>
+      <p:sp>
+        <p:nvSpPr>
+          <p:cNvPr id="54" name="TextBox 53"/>
+          <p:cNvSpPr txBox="1"/>
+          <p:nvPr/>
+        </p:nvSpPr>
+        <p:spPr>
+          <a:xfrm rot="1080000">
+            <a:off x="8531178" y="3978877"/>
+            <a:ext cx="417916" cy="646331"/>
+          </a:xfrm>
+          <a:prstGeom prst="rect">
+            <a:avLst/>
+          </a:prstGeom>
+        </p:spPr>
+        <p:txBody>
+          <a:bodyPr rtlCol="0">
+            <a:spAutoFit/>
+          </a:bodyPr>
+          <a:lstStyle/>
+          <a:p>
+            <a:pPr algn="ctr"/>
+            <a:r>
+              <a:rPr lang="en-US" sz="3600" dirty="0">
+                <a:solidFill>
+                  <a:srgbClr val="FF0000"/>
+                </a:solidFill>
+              </a:rPr>
+              <a:t>$</a:t>
+            </a:r>
+            <a:endParaRPr lang="en-US" sz="3600" dirty="0"/>
+          </a:p>
+        </p:txBody>
+      </p:sp>
+      <p:sp>
+        <p:nvSpPr>
+          <p:cNvPr id="56" name="Cube 55"/>
+          <p:cNvSpPr/>
+          <p:nvPr/>
+        </p:nvSpPr>
+        <p:spPr>
+          <a:xfrm>
+            <a:off x="8369612" y="4788932"/>
+            <a:ext cx="395288" cy="260073"/>
+          </a:xfrm>
+          <a:prstGeom prst="cube">
+            <a:avLst/>
+          </a:prstGeom>
+          <a:solidFill>
+            <a:schemeClr val="bg1"/>
+          </a:solidFill>
+          <a:ln>
+            <a:solidFill>
+              <a:srgbClr val="FF0000"/>
+            </a:solidFill>
+          </a:ln>
+        </p:spPr>
+        <p:style>
+          <a:lnRef idx="2">
+            <a:schemeClr val="accent1">
+              <a:shade val="50000"/>
+            </a:schemeClr>
+          </a:lnRef>
+          <a:fillRef idx="1">
+            <a:schemeClr val="accent1"/>
+          </a:fillRef>
+          <a:effectRef idx="0">
+            <a:schemeClr val="accent1"/>
+          </a:effectRef>
+          <a:fontRef idx="minor">
+            <a:schemeClr val="lt1"/>
+          </a:fontRef>
+        </p:style>
+        <p:txBody>
+          <a:bodyPr rtlCol="0" anchor="ctr"/>
+          <a:lstStyle/>
+          <a:p>
+            <a:pPr algn="ctr"/>
+            <a:endParaRPr lang="en-US"/>
+          </a:p>
+        </p:txBody>
+      </p:sp>
+      <p:sp>
+        <p:nvSpPr>
+          <p:cNvPr id="58" name="Cube 57"/>
+          <p:cNvSpPr/>
+          <p:nvPr/>
+        </p:nvSpPr>
+        <p:spPr>
+          <a:xfrm>
+            <a:off x="8553214" y="4893638"/>
+            <a:ext cx="395288" cy="260073"/>
+          </a:xfrm>
+          <a:prstGeom prst="cube">
+            <a:avLst/>
+          </a:prstGeom>
+          <a:solidFill>
+            <a:schemeClr val="bg1"/>
+          </a:solidFill>
+          <a:ln>
+            <a:solidFill>
+              <a:srgbClr val="FF0000"/>
+            </a:solidFill>
+          </a:ln>
+        </p:spPr>
+        <p:style>
+          <a:lnRef idx="2">
+            <a:schemeClr val="accent1">
+              <a:shade val="50000"/>
+            </a:schemeClr>
+          </a:lnRef>
+          <a:fillRef idx="1">
+            <a:schemeClr val="accent1"/>
+          </a:fillRef>
+          <a:effectRef idx="0">
+            <a:schemeClr val="accent1"/>
+          </a:effectRef>
+          <a:fontRef idx="minor">
+            <a:schemeClr val="lt1"/>
+          </a:fontRef>
+        </p:style>
+        <p:txBody>
+          <a:bodyPr rtlCol="0" anchor="ctr"/>
+          <a:lstStyle/>
+          <a:p>
+            <a:pPr algn="ctr"/>
+            <a:endParaRPr lang="en-US"/>
+          </a:p>
+        </p:txBody>
+      </p:sp>
+      <p:sp>
+        <p:nvSpPr>
+          <p:cNvPr id="59" name="Cube 58"/>
+          <p:cNvSpPr/>
+          <p:nvPr/>
+        </p:nvSpPr>
+        <p:spPr>
+          <a:xfrm>
+            <a:off x="8739572" y="4933045"/>
+            <a:ext cx="395288" cy="260073"/>
+          </a:xfrm>
+          <a:prstGeom prst="cube">
+            <a:avLst/>
+          </a:prstGeom>
+          <a:solidFill>
+            <a:schemeClr val="bg1"/>
+          </a:solidFill>
+          <a:ln>
+            <a:solidFill>
+              <a:srgbClr val="FF0000"/>
+            </a:solidFill>
+          </a:ln>
+        </p:spPr>
+        <p:style>
+          <a:lnRef idx="2">
+            <a:schemeClr val="accent1">
+              <a:shade val="50000"/>
+            </a:schemeClr>
+          </a:lnRef>
+          <a:fillRef idx="1">
+            <a:schemeClr val="accent1"/>
+          </a:fillRef>
+          <a:effectRef idx="0">
+            <a:schemeClr val="accent1"/>
+          </a:effectRef>
+          <a:fontRef idx="minor">
+            <a:schemeClr val="lt1"/>
+          </a:fontRef>
+        </p:style>
+        <p:txBody>
+          <a:bodyPr rtlCol="0" anchor="ctr"/>
+          <a:lstStyle/>
+          <a:p>
+            <a:pPr algn="ctr"/>
+            <a:endParaRPr lang="en-US"/>
+          </a:p>
+        </p:txBody>
+      </p:sp>
+      <p:sp>
+        <p:nvSpPr>
+          <p:cNvPr id="61" name="Cube 60"/>
+          <p:cNvSpPr/>
+          <p:nvPr/>
+        </p:nvSpPr>
+        <p:spPr>
+          <a:xfrm>
+            <a:off x="9475716" y="4822300"/>
+            <a:ext cx="385797" cy="271602"/>
+          </a:xfrm>
+          <a:prstGeom prst="cube">
+            <a:avLst/>
+          </a:prstGeom>
+          <a:solidFill>
+            <a:srgbClr val="FFFF00"/>
+          </a:solidFill>
+          <a:ln>
+            <a:solidFill>
+              <a:srgbClr val="FF0000"/>
+            </a:solidFill>
+          </a:ln>
+        </p:spPr>
+        <p:style>
+          <a:lnRef idx="2">
+            <a:schemeClr val="accent1">
+              <a:shade val="50000"/>
+            </a:schemeClr>
+          </a:lnRef>
+          <a:fillRef idx="1">
+            <a:schemeClr val="accent1"/>
+          </a:fillRef>
+          <a:effectRef idx="0">
+            <a:schemeClr val="accent1"/>
+          </a:effectRef>
+          <a:fontRef idx="minor">
+            <a:schemeClr val="lt1"/>
+          </a:fontRef>
+        </p:style>
+        <p:txBody>
+          <a:bodyPr rtlCol="0" anchor="ctr"/>
+          <a:lstStyle/>
+          <a:p>
+            <a:pPr algn="ctr"/>
+            <a:endParaRPr lang="en-US"/>
+          </a:p>
+        </p:txBody>
+      </p:sp>
+      <p:sp>
+        <p:nvSpPr>
+          <p:cNvPr id="62" name="Cube 61"/>
+          <p:cNvSpPr/>
+          <p:nvPr/>
+        </p:nvSpPr>
+        <p:spPr>
+          <a:xfrm>
+            <a:off x="9795605" y="4855309"/>
+            <a:ext cx="385797" cy="271602"/>
+          </a:xfrm>
+          <a:prstGeom prst="cube">
+            <a:avLst/>
+          </a:prstGeom>
+          <a:solidFill>
+            <a:srgbClr val="FFFF00"/>
+          </a:solidFill>
+          <a:ln>
+            <a:solidFill>
+              <a:srgbClr val="FF0000"/>
+            </a:solidFill>
+          </a:ln>
+        </p:spPr>
+        <p:style>
+          <a:lnRef idx="2">
+            <a:schemeClr val="accent1">
+              <a:shade val="50000"/>
+            </a:schemeClr>
+          </a:lnRef>
+          <a:fillRef idx="1">
+            <a:schemeClr val="accent1"/>
+          </a:fillRef>
+          <a:effectRef idx="0">
+            <a:schemeClr val="accent1"/>
+          </a:effectRef>
+          <a:fontRef idx="minor">
+            <a:schemeClr val="lt1"/>
+          </a:fontRef>
+        </p:style>
+        <p:txBody>
+          <a:bodyPr rtlCol="0" anchor="ctr"/>
+          <a:lstStyle/>
+          <a:p>
+            <a:pPr algn="ctr"/>
+            <a:endParaRPr lang="en-US"/>
+          </a:p>
+        </p:txBody>
+      </p:sp>
+      <p:grpSp>
+        <p:nvGrpSpPr>
+          <p:cNvPr id="139" name="Grupo 138"/>
+          <p:cNvGrpSpPr/>
+          <p:nvPr/>
+        </p:nvGrpSpPr>
+        <p:grpSpPr>
+          <a:xfrm>
+            <a:off x="8454166" y="2858184"/>
+            <a:ext cx="894481" cy="706645"/>
+            <a:chOff x="8454166" y="2841856"/>
+            <a:chExt cx="894481" cy="706645"/>
+          </a:xfrm>
+        </p:grpSpPr>
+        <p:sp>
+          <p:nvSpPr>
+            <p:cNvPr id="18" name="Cube 17"/>
+            <p:cNvSpPr/>
+            <p:nvPr/>
+          </p:nvSpPr>
+          <p:spPr>
+            <a:xfrm>
+              <a:off x="8454166" y="2841856"/>
+              <a:ext cx="894481" cy="706645"/>
+            </a:xfrm>
+            <a:prstGeom prst="cube">
+              <a:avLst/>
+            </a:prstGeom>
+            <a:solidFill>
+              <a:schemeClr val="bg1"/>
+            </a:solidFill>
+            <a:ln>
+              <a:solidFill>
+                <a:schemeClr val="bg1"/>
+              </a:solidFill>
+            </a:ln>
+          </p:spPr>
+          <p:style>
+            <a:lnRef idx="2">
+              <a:schemeClr val="accent1">
+                <a:shade val="50000"/>
+              </a:schemeClr>
+            </a:lnRef>
+            <a:fillRef idx="1">
+              <a:schemeClr val="accent1"/>
+            </a:fillRef>
+            <a:effectRef idx="0">
+              <a:schemeClr val="accent1"/>
+            </a:effectRef>
+            <a:fontRef idx="minor">
+              <a:schemeClr val="lt1"/>
+            </a:fontRef>
+          </p:style>
+          <p:txBody>
+            <a:bodyPr rtlCol="0" anchor="ctr"/>
+            <a:lstStyle/>
+            <a:p>
+              <a:pPr algn="ctr"/>
+              <a:endParaRPr lang="en-US"/>
+            </a:p>
+          </p:txBody>
+        </p:sp>
+        <p:sp>
+          <p:nvSpPr>
+            <p:cNvPr id="63" name="Oval 62"/>
+            <p:cNvSpPr/>
+            <p:nvPr/>
+          </p:nvSpPr>
+          <p:spPr>
+            <a:xfrm>
+              <a:off x="8607102" y="3054165"/>
+              <a:ext cx="230853" cy="182148"/>
+            </a:xfrm>
+            <a:prstGeom prst="ellipse">
+              <a:avLst/>
+            </a:prstGeom>
+          </p:spPr>
+          <p:style>
+            <a:lnRef idx="2">
+              <a:schemeClr val="accent1">
+                <a:shade val="50000"/>
+              </a:schemeClr>
+            </a:lnRef>
+            <a:fillRef idx="1">
+              <a:schemeClr val="accent1"/>
+            </a:fillRef>
+            <a:effectRef idx="0">
+              <a:schemeClr val="accent1"/>
+            </a:effectRef>
+            <a:fontRef idx="minor">
+              <a:schemeClr val="lt1"/>
+            </a:fontRef>
+          </p:style>
+          <p:txBody>
+            <a:bodyPr rtlCol="0" anchor="ctr"/>
+            <a:lstStyle/>
+            <a:p>
+              <a:pPr algn="ctr"/>
+              <a:endParaRPr lang="en-US"/>
+            </a:p>
+          </p:txBody>
+        </p:sp>
+        <p:sp>
+          <p:nvSpPr>
+            <p:cNvPr id="66" name="5-Point Star 65"/>
+            <p:cNvSpPr/>
+            <p:nvPr/>
+          </p:nvSpPr>
+          <p:spPr>
+            <a:xfrm>
+              <a:off x="8991649" y="3281701"/>
+              <a:ext cx="317850" cy="243509"/>
+            </a:xfrm>
+            <a:prstGeom prst="star5">
+              <a:avLst/>
+            </a:prstGeom>
+            <a:solidFill>
+              <a:srgbClr val="FFFF00"/>
+            </a:solidFill>
+          </p:spPr>
+          <p:style>
+            <a:lnRef idx="2">
+              <a:schemeClr val="accent1">
+                <a:shade val="50000"/>
+              </a:schemeClr>
+            </a:lnRef>
+            <a:fillRef idx="1">
+              <a:schemeClr val="accent1"/>
+            </a:fillRef>
+            <a:effectRef idx="0">
+              <a:schemeClr val="accent1"/>
+            </a:effectRef>
+            <a:fontRef idx="minor">
+              <a:schemeClr val="lt1"/>
+            </a:fontRef>
+          </p:style>
+          <p:txBody>
+            <a:bodyPr rtlCol="0" anchor="ctr"/>
+            <a:lstStyle/>
+            <a:p>
+              <a:pPr algn="ctr"/>
+              <a:endParaRPr lang="en-US"/>
+            </a:p>
+          </p:txBody>
+        </p:sp>
+      </p:grpSp>
+      <p:grpSp>
+        <p:nvGrpSpPr>
+          <p:cNvPr id="140" name="Grupo 139"/>
+          <p:cNvGrpSpPr/>
+          <p:nvPr/>
+        </p:nvGrpSpPr>
+        <p:grpSpPr>
+          <a:xfrm>
+            <a:off x="9608890" y="2849664"/>
+            <a:ext cx="894481" cy="706645"/>
+            <a:chOff x="9608890" y="2849664"/>
+            <a:chExt cx="894481" cy="706645"/>
+          </a:xfrm>
+        </p:grpSpPr>
+        <p:sp>
+          <p:nvSpPr>
+            <p:cNvPr id="19" name="Cube 18"/>
+            <p:cNvSpPr/>
+            <p:nvPr/>
+          </p:nvSpPr>
+          <p:spPr>
+            <a:xfrm>
+              <a:off x="9608890" y="2849664"/>
+              <a:ext cx="894481" cy="706645"/>
+            </a:xfrm>
+            <a:prstGeom prst="cube">
+              <a:avLst/>
+            </a:prstGeom>
+            <a:solidFill>
+              <a:srgbClr val="FFFF00"/>
+            </a:solidFill>
+            <a:ln>
+              <a:solidFill>
+                <a:schemeClr val="bg1"/>
+              </a:solidFill>
+            </a:ln>
+          </p:spPr>
+          <p:style>
+            <a:lnRef idx="2">
+              <a:schemeClr val="accent1">
+                <a:shade val="50000"/>
+              </a:schemeClr>
+            </a:lnRef>
+            <a:fillRef idx="1">
+              <a:schemeClr val="accent1"/>
+            </a:fillRef>
+            <a:effectRef idx="0">
+              <a:schemeClr val="accent1"/>
+            </a:effectRef>
+            <a:fontRef idx="minor">
+              <a:schemeClr val="lt1"/>
+            </a:fontRef>
+          </p:style>
+          <p:txBody>
+            <a:bodyPr rtlCol="0" anchor="ctr"/>
+            <a:lstStyle/>
+            <a:p>
+              <a:pPr algn="ctr"/>
+              <a:endParaRPr lang="en-US"/>
+            </a:p>
+          </p:txBody>
+        </p:sp>
+        <p:sp>
+          <p:nvSpPr>
+            <p:cNvPr id="65" name="Oval 64"/>
+            <p:cNvSpPr/>
+            <p:nvPr/>
+          </p:nvSpPr>
+          <p:spPr>
+            <a:xfrm>
+              <a:off x="9688713" y="3054165"/>
+              <a:ext cx="230853" cy="182148"/>
+            </a:xfrm>
+            <a:prstGeom prst="ellipse">
+              <a:avLst/>
+            </a:prstGeom>
+          </p:spPr>
+          <p:style>
+            <a:lnRef idx="2">
+              <a:schemeClr val="accent1">
+                <a:shade val="50000"/>
+              </a:schemeClr>
+            </a:lnRef>
+            <a:fillRef idx="1">
+              <a:schemeClr val="accent1"/>
+            </a:fillRef>
+            <a:effectRef idx="0">
+              <a:schemeClr val="accent1"/>
+            </a:effectRef>
+            <a:fontRef idx="minor">
+              <a:schemeClr val="lt1"/>
+            </a:fontRef>
+          </p:style>
+          <p:txBody>
+            <a:bodyPr rtlCol="0" anchor="ctr"/>
+            <a:lstStyle/>
+            <a:p>
+              <a:pPr algn="ctr"/>
+              <a:endParaRPr lang="en-US"/>
+            </a:p>
+          </p:txBody>
+        </p:sp>
+        <p:sp>
+          <p:nvSpPr>
+            <p:cNvPr id="67" name="5-Point Star 66"/>
+            <p:cNvSpPr/>
+            <p:nvPr/>
+          </p:nvSpPr>
+          <p:spPr>
+            <a:xfrm>
+              <a:off x="9950795" y="3265372"/>
+              <a:ext cx="317850" cy="243509"/>
+            </a:xfrm>
+            <a:prstGeom prst="star5">
+              <a:avLst/>
+            </a:prstGeom>
+            <a:solidFill>
+              <a:srgbClr val="FFFF00"/>
+            </a:solidFill>
+          </p:spPr>
+          <p:style>
+            <a:lnRef idx="2">
+              <a:schemeClr val="accent1">
+                <a:shade val="50000"/>
+              </a:schemeClr>
+            </a:lnRef>
+            <a:fillRef idx="1">
+              <a:schemeClr val="accent1"/>
+            </a:fillRef>
+            <a:effectRef idx="0">
+              <a:schemeClr val="accent1"/>
+            </a:effectRef>
+            <a:fontRef idx="minor">
+              <a:schemeClr val="lt1"/>
+            </a:fontRef>
+          </p:style>
+          <p:txBody>
+            <a:bodyPr rtlCol="0" anchor="ctr"/>
+            <a:lstStyle/>
+            <a:p>
+              <a:pPr algn="ctr"/>
+              <a:endParaRPr lang="en-US"/>
+            </a:p>
+          </p:txBody>
+        </p:sp>
+      </p:grpSp>
+      <p:sp>
+        <p:nvSpPr>
+          <p:cNvPr id="68" name="Cube 67"/>
+          <p:cNvSpPr/>
+          <p:nvPr/>
+        </p:nvSpPr>
+        <p:spPr>
+          <a:xfrm>
+            <a:off x="1416820" y="1566809"/>
+            <a:ext cx="894481" cy="706645"/>
+          </a:xfrm>
+          <a:prstGeom prst="cube">
+            <a:avLst/>
+          </a:prstGeom>
+          <a:noFill/>
+          <a:ln>
+            <a:solidFill>
+              <a:schemeClr val="bg1"/>
+            </a:solidFill>
+            <a:prstDash val="dash"/>
+          </a:ln>
+        </p:spPr>
+        <p:style>
+          <a:lnRef idx="2">
+            <a:schemeClr val="accent1">
+              <a:shade val="50000"/>
+            </a:schemeClr>
+          </a:lnRef>
+          <a:fillRef idx="1">
+            <a:schemeClr val="accent1"/>
+          </a:fillRef>
+          <a:effectRef idx="0">
+            <a:schemeClr val="accent1"/>
+          </a:effectRef>
+          <a:fontRef idx="minor">
+            <a:schemeClr val="lt1"/>
+          </a:fontRef>
+        </p:style>
+        <p:txBody>
+          <a:bodyPr rtlCol="0" anchor="ctr"/>
+          <a:lstStyle/>
+          <a:p>
+            <a:pPr algn="ctr"/>
+            <a:endParaRPr lang="en-US"/>
+          </a:p>
+        </p:txBody>
+      </p:sp>
+      <p:sp>
+        <p:nvSpPr>
+          <p:cNvPr id="69" name="Cube 68"/>
+          <p:cNvSpPr/>
+          <p:nvPr/>
+        </p:nvSpPr>
+        <p:spPr>
+          <a:xfrm>
+            <a:off x="1143401" y="2564280"/>
+            <a:ext cx="657629" cy="457960"/>
+          </a:xfrm>
+          <a:prstGeom prst="cube">
+            <a:avLst/>
+          </a:prstGeom>
+          <a:solidFill>
+            <a:schemeClr val="accent6"/>
+          </a:solidFill>
+          <a:ln>
+            <a:solidFill>
+              <a:schemeClr val="bg1"/>
+            </a:solidFill>
+            <a:prstDash val="dash"/>
+          </a:ln>
+        </p:spPr>
+        <p:style>
+          <a:lnRef idx="2">
+            <a:schemeClr val="accent1">
+              <a:shade val="50000"/>
+            </a:schemeClr>
+          </a:lnRef>
+          <a:fillRef idx="1">
+            <a:schemeClr val="accent1"/>
+          </a:fillRef>
+          <a:effectRef idx="0">
+            <a:schemeClr val="accent1"/>
+          </a:effectRef>
+          <a:fontRef idx="minor">
+            <a:schemeClr val="lt1"/>
+          </a:fontRef>
+        </p:style>
+        <p:txBody>
+          <a:bodyPr rtlCol="0" anchor="ctr"/>
+          <a:lstStyle/>
+          <a:p>
+            <a:pPr algn="ctr"/>
+            <a:endParaRPr lang="en-US"/>
+          </a:p>
+        </p:txBody>
+      </p:sp>
+      <p:sp>
+        <p:nvSpPr>
+          <p:cNvPr id="71" name="Cube 70"/>
+          <p:cNvSpPr/>
+          <p:nvPr/>
+        </p:nvSpPr>
+        <p:spPr>
+          <a:xfrm>
+            <a:off x="1503817" y="2750639"/>
+            <a:ext cx="657629" cy="457960"/>
+          </a:xfrm>
+          <a:prstGeom prst="cube">
+            <a:avLst/>
+          </a:prstGeom>
+          <a:solidFill>
+            <a:schemeClr val="bg1"/>
+          </a:solidFill>
+          <a:ln>
+            <a:solidFill>
+              <a:schemeClr val="bg1"/>
+            </a:solidFill>
+            <a:prstDash val="dash"/>
+          </a:ln>
+        </p:spPr>
+        <p:style>
+          <a:lnRef idx="2">
+            <a:schemeClr val="accent1">
+              <a:shade val="50000"/>
+            </a:schemeClr>
+          </a:lnRef>
+          <a:fillRef idx="1">
+            <a:schemeClr val="accent1"/>
+          </a:fillRef>
+          <a:effectRef idx="0">
+            <a:schemeClr val="accent1"/>
+          </a:effectRef>
+          <a:fontRef idx="minor">
+            <a:schemeClr val="lt1"/>
+          </a:fontRef>
+        </p:style>
+        <p:txBody>
+          <a:bodyPr rtlCol="0" anchor="ctr"/>
+          <a:lstStyle/>
+          <a:p>
+            <a:pPr algn="ctr"/>
+            <a:endParaRPr lang="en-US"/>
+          </a:p>
+        </p:txBody>
+      </p:sp>
+      <p:sp>
+        <p:nvSpPr>
+          <p:cNvPr id="72" name="Cube 71"/>
+          <p:cNvSpPr/>
+          <p:nvPr/>
+        </p:nvSpPr>
+        <p:spPr>
+          <a:xfrm>
+            <a:off x="1876661" y="2999117"/>
+            <a:ext cx="657629" cy="457960"/>
+          </a:xfrm>
+          <a:prstGeom prst="cube">
+            <a:avLst/>
+          </a:prstGeom>
+          <a:solidFill>
+            <a:srgbClr val="FFFF00"/>
+          </a:solidFill>
+          <a:ln>
+            <a:solidFill>
+              <a:schemeClr val="bg1"/>
+            </a:solidFill>
+            <a:prstDash val="dash"/>
+          </a:ln>
+        </p:spPr>
+        <p:style>
+          <a:lnRef idx="2">
+            <a:schemeClr val="accent1">
+              <a:shade val="50000"/>
+            </a:schemeClr>
+          </a:lnRef>
+          <a:fillRef idx="1">
+            <a:schemeClr val="accent1"/>
+          </a:fillRef>
+          <a:effectRef idx="0">
+            <a:schemeClr val="accent1"/>
+          </a:effectRef>
+          <a:fontRef idx="minor">
+            <a:schemeClr val="lt1"/>
+          </a:fontRef>
+        </p:style>
+        <p:txBody>
+          <a:bodyPr rtlCol="0" anchor="ctr"/>
+          <a:lstStyle/>
+          <a:p>
+            <a:pPr algn="ctr"/>
+            <a:endParaRPr lang="en-US"/>
+          </a:p>
+        </p:txBody>
+      </p:sp>
+      <p:sp>
+        <p:nvSpPr>
+          <p:cNvPr id="84" name="Rectangle 83"/>
+          <p:cNvSpPr/>
+          <p:nvPr/>
+        </p:nvSpPr>
+        <p:spPr>
+          <a:xfrm>
+            <a:off x="1180685" y="3823405"/>
+            <a:ext cx="1497347" cy="511836"/>
+          </a:xfrm>
+          <a:prstGeom prst="rect">
             <a:avLst/>
           </a:prstGeom>
           <a:solidFill>
@@ -8553,322 +10348,2260 @@
       </p:sp>
       <p:sp>
         <p:nvSpPr>
-          <p:cNvPr id="7" name="Cube 6"/>
-          <p:cNvSpPr/>
-          <p:nvPr/>
-        </p:nvSpPr>
-        <p:spPr>
-          <a:xfrm>
-            <a:off x="1330325" y="460375"/>
-            <a:ext cx="656041" cy="457477"/>
+          <p:cNvPr id="74" name="TextBox 73"/>
+          <p:cNvSpPr txBox="1"/>
+          <p:nvPr/>
+        </p:nvSpPr>
+        <p:spPr>
+          <a:xfrm rot="-60000">
+            <a:off x="1130973" y="3761641"/>
+            <a:ext cx="1619324" cy="646112"/>
+          </a:xfrm>
+          <a:prstGeom prst="rect">
+            <a:avLst/>
+          </a:prstGeom>
+        </p:spPr>
+        <p:txBody>
+          <a:bodyPr rtlCol="0">
+            <a:spAutoFit/>
+          </a:bodyPr>
+          <a:lstStyle/>
+          <a:p>
+            <a:pPr algn="ctr"/>
+            <a:r>
+              <a:rPr lang="en-US" sz="3600">
+                <a:solidFill>
+                  <a:srgbClr val="FF0000"/>
+                </a:solidFill>
+              </a:rPr>
+              <a:t>$ $</a:t>
+            </a:r>
+            <a:endParaRPr lang="en-US" sz="3600"/>
+          </a:p>
+        </p:txBody>
+      </p:sp>
+      <p:sp>
+        <p:nvSpPr>
+          <p:cNvPr id="85" name="Right Arrow 13"/>
+          <p:cNvSpPr/>
+          <p:nvPr/>
+        </p:nvSpPr>
+        <p:spPr>
+          <a:xfrm>
+            <a:off x="3020070" y="540875"/>
+            <a:ext cx="3937000" cy="539540"/>
+          </a:xfrm>
+          <a:prstGeom prst="rightArrow">
+            <a:avLst/>
+          </a:prstGeom>
+        </p:spPr>
+        <p:style>
+          <a:lnRef idx="2">
+            <a:schemeClr val="accent1">
+              <a:shade val="50000"/>
+            </a:schemeClr>
+          </a:lnRef>
+          <a:fillRef idx="1">
+            <a:schemeClr val="accent1"/>
+          </a:fillRef>
+          <a:effectRef idx="0">
+            <a:schemeClr val="accent1"/>
+          </a:effectRef>
+          <a:fontRef idx="minor">
+            <a:schemeClr val="lt1"/>
+          </a:fontRef>
+        </p:style>
+        <p:txBody>
+          <a:bodyPr rtlCol="0" anchor="ctr"/>
+          <a:lstStyle/>
+          <a:p>
+            <a:pPr algn="ctr"/>
+            <a:r>
+              <a:rPr lang="en-US" sz="2000" dirty="0" smtClean="0"/>
+              <a:t>CATEGORIA</a:t>
+            </a:r>
+            <a:endParaRPr lang="en-US" sz="2000" dirty="0"/>
+          </a:p>
+        </p:txBody>
+      </p:sp>
+      <p:sp>
+        <p:nvSpPr>
+          <p:cNvPr id="87" name="Right Arrow 13"/>
+          <p:cNvSpPr/>
+          <p:nvPr/>
+        </p:nvSpPr>
+        <p:spPr>
+          <a:xfrm>
+            <a:off x="3020070" y="862007"/>
+            <a:ext cx="3937000" cy="539540"/>
+          </a:xfrm>
+          <a:prstGeom prst="rightArrow">
+            <a:avLst/>
+          </a:prstGeom>
+        </p:spPr>
+        <p:style>
+          <a:lnRef idx="2">
+            <a:schemeClr val="accent1">
+              <a:shade val="50000"/>
+            </a:schemeClr>
+          </a:lnRef>
+          <a:fillRef idx="1">
+            <a:schemeClr val="accent1"/>
+          </a:fillRef>
+          <a:effectRef idx="0">
+            <a:schemeClr val="accent1"/>
+          </a:effectRef>
+          <a:fontRef idx="minor">
+            <a:schemeClr val="lt1"/>
+          </a:fontRef>
+        </p:style>
+        <p:txBody>
+          <a:bodyPr rtlCol="0" anchor="ctr"/>
+          <a:lstStyle/>
+          <a:p>
+            <a:pPr algn="ctr"/>
+            <a:r>
+              <a:rPr lang="en-US" sz="2000" dirty="0" smtClean="0"/>
+              <a:t>MARCA</a:t>
+            </a:r>
+            <a:endParaRPr lang="en-US" sz="2000" dirty="0"/>
+          </a:p>
+        </p:txBody>
+      </p:sp>
+      <p:sp>
+        <p:nvSpPr>
+          <p:cNvPr id="91" name="Right Arrow 13"/>
+          <p:cNvSpPr/>
+          <p:nvPr/>
+        </p:nvSpPr>
+        <p:spPr>
+          <a:xfrm>
+            <a:off x="3020070" y="1496093"/>
+            <a:ext cx="3937000" cy="539540"/>
+          </a:xfrm>
+          <a:prstGeom prst="rightArrow">
+            <a:avLst/>
+          </a:prstGeom>
+        </p:spPr>
+        <p:style>
+          <a:lnRef idx="2">
+            <a:schemeClr val="accent1">
+              <a:shade val="50000"/>
+            </a:schemeClr>
+          </a:lnRef>
+          <a:fillRef idx="1">
+            <a:schemeClr val="accent1"/>
+          </a:fillRef>
+          <a:effectRef idx="0">
+            <a:schemeClr val="accent1"/>
+          </a:effectRef>
+          <a:fontRef idx="minor">
+            <a:schemeClr val="lt1"/>
+          </a:fontRef>
+        </p:style>
+        <p:txBody>
+          <a:bodyPr rtlCol="0" anchor="ctr"/>
+          <a:lstStyle/>
+          <a:p>
+            <a:pPr algn="ctr"/>
+            <a:r>
+              <a:rPr lang="en-US" sz="2000" dirty="0"/>
+              <a:t>PRODUTO</a:t>
+            </a:r>
+          </a:p>
+        </p:txBody>
+      </p:sp>
+      <p:sp>
+        <p:nvSpPr>
+          <p:cNvPr id="92" name="Right Arrow 13"/>
+          <p:cNvSpPr/>
+          <p:nvPr/>
+        </p:nvSpPr>
+        <p:spPr>
+          <a:xfrm>
+            <a:off x="3020070" y="1811783"/>
+            <a:ext cx="3937000" cy="539540"/>
+          </a:xfrm>
+          <a:prstGeom prst="rightArrow">
+            <a:avLst/>
+          </a:prstGeom>
+        </p:spPr>
+        <p:style>
+          <a:lnRef idx="2">
+            <a:schemeClr val="accent1">
+              <a:shade val="50000"/>
+            </a:schemeClr>
+          </a:lnRef>
+          <a:fillRef idx="1">
+            <a:schemeClr val="accent1"/>
+          </a:fillRef>
+          <a:effectRef idx="0">
+            <a:schemeClr val="accent1"/>
+          </a:effectRef>
+          <a:fontRef idx="minor">
+            <a:schemeClr val="lt1"/>
+          </a:fontRef>
+        </p:style>
+        <p:txBody>
+          <a:bodyPr rtlCol="0" anchor="ctr"/>
+          <a:lstStyle/>
+          <a:p>
+            <a:pPr algn="ctr"/>
+            <a:r>
+              <a:rPr lang="en-US" sz="2000" dirty="0" smtClean="0"/>
+              <a:t>ESPECIFICAÇÃO DE PRODUTO</a:t>
+            </a:r>
+            <a:endParaRPr lang="en-US" sz="2000" dirty="0"/>
+          </a:p>
+        </p:txBody>
+      </p:sp>
+      <p:sp>
+        <p:nvSpPr>
+          <p:cNvPr id="93" name="Right Arrow 13"/>
+          <p:cNvSpPr/>
+          <p:nvPr/>
+        </p:nvSpPr>
+        <p:spPr>
+          <a:xfrm>
+            <a:off x="3020070" y="2568336"/>
+            <a:ext cx="3937000" cy="539540"/>
+          </a:xfrm>
+          <a:prstGeom prst="rightArrow">
+            <a:avLst/>
+          </a:prstGeom>
+        </p:spPr>
+        <p:style>
+          <a:lnRef idx="2">
+            <a:schemeClr val="accent1">
+              <a:shade val="50000"/>
+            </a:schemeClr>
+          </a:lnRef>
+          <a:fillRef idx="1">
+            <a:schemeClr val="accent1"/>
+          </a:fillRef>
+          <a:effectRef idx="0">
+            <a:schemeClr val="accent1"/>
+          </a:effectRef>
+          <a:fontRef idx="minor">
+            <a:schemeClr val="lt1"/>
+          </a:fontRef>
+        </p:style>
+        <p:txBody>
+          <a:bodyPr rtlCol="0" anchor="ctr"/>
+          <a:lstStyle/>
+          <a:p>
+            <a:pPr algn="ctr"/>
+            <a:r>
+              <a:rPr lang="en-US" sz="2000" dirty="0" smtClean="0"/>
+              <a:t>SKU</a:t>
+            </a:r>
+            <a:endParaRPr lang="en-US" sz="2000" dirty="0"/>
+          </a:p>
+        </p:txBody>
+      </p:sp>
+      <p:sp>
+        <p:nvSpPr>
+          <p:cNvPr id="94" name="Right Arrow 13"/>
+          <p:cNvSpPr/>
+          <p:nvPr/>
+        </p:nvSpPr>
+        <p:spPr>
+          <a:xfrm>
+            <a:off x="3020070" y="2908521"/>
+            <a:ext cx="3937000" cy="539540"/>
+          </a:xfrm>
+          <a:prstGeom prst="rightArrow">
+            <a:avLst/>
+          </a:prstGeom>
+        </p:spPr>
+        <p:style>
+          <a:lnRef idx="2">
+            <a:schemeClr val="accent1">
+              <a:shade val="50000"/>
+            </a:schemeClr>
+          </a:lnRef>
+          <a:fillRef idx="1">
+            <a:schemeClr val="accent1"/>
+          </a:fillRef>
+          <a:effectRef idx="0">
+            <a:schemeClr val="accent1"/>
+          </a:effectRef>
+          <a:fontRef idx="minor">
+            <a:schemeClr val="lt1"/>
+          </a:fontRef>
+        </p:style>
+        <p:txBody>
+          <a:bodyPr rtlCol="0" anchor="ctr"/>
+          <a:lstStyle/>
+          <a:p>
+            <a:pPr algn="ctr"/>
+            <a:r>
+              <a:rPr lang="en-US" sz="2000" dirty="0" smtClean="0"/>
+              <a:t>ESPECIFICAÇÃO </a:t>
+            </a:r>
+            <a:r>
+              <a:rPr lang="en-US" sz="2000" dirty="0" smtClean="0"/>
+              <a:t>DE SKU</a:t>
+            </a:r>
+            <a:endParaRPr lang="en-US" sz="2000" dirty="0"/>
+          </a:p>
+        </p:txBody>
+      </p:sp>
+      <p:sp>
+        <p:nvSpPr>
+          <p:cNvPr id="95" name="Right Arrow 13"/>
+          <p:cNvSpPr/>
+          <p:nvPr/>
+        </p:nvSpPr>
+        <p:spPr>
+          <a:xfrm>
+            <a:off x="3020070" y="3248706"/>
+            <a:ext cx="3937000" cy="539540"/>
+          </a:xfrm>
+          <a:prstGeom prst="rightArrow">
+            <a:avLst/>
+          </a:prstGeom>
+        </p:spPr>
+        <p:style>
+          <a:lnRef idx="2">
+            <a:schemeClr val="accent1">
+              <a:shade val="50000"/>
+            </a:schemeClr>
+          </a:lnRef>
+          <a:fillRef idx="1">
+            <a:schemeClr val="accent1"/>
+          </a:fillRef>
+          <a:effectRef idx="0">
+            <a:schemeClr val="accent1"/>
+          </a:effectRef>
+          <a:fontRef idx="minor">
+            <a:schemeClr val="lt1"/>
+          </a:fontRef>
+        </p:style>
+        <p:txBody>
+          <a:bodyPr rtlCol="0" anchor="ctr"/>
+          <a:lstStyle/>
+          <a:p>
+            <a:pPr algn="ctr"/>
+            <a:r>
+              <a:rPr lang="en-US" sz="2000" dirty="0" smtClean="0"/>
+              <a:t>IMAGEM DE SKU</a:t>
+            </a:r>
+            <a:endParaRPr lang="en-US" sz="2000" dirty="0"/>
+          </a:p>
+        </p:txBody>
+      </p:sp>
+      <p:sp>
+        <p:nvSpPr>
+          <p:cNvPr id="96" name="Right Arrow 13"/>
+          <p:cNvSpPr/>
+          <p:nvPr/>
+        </p:nvSpPr>
+        <p:spPr>
+          <a:xfrm>
+            <a:off x="3020070" y="4037911"/>
+            <a:ext cx="3937000" cy="539540"/>
+          </a:xfrm>
+          <a:prstGeom prst="rightArrow">
+            <a:avLst/>
+          </a:prstGeom>
+        </p:spPr>
+        <p:style>
+          <a:lnRef idx="2">
+            <a:schemeClr val="accent1">
+              <a:shade val="50000"/>
+            </a:schemeClr>
+          </a:lnRef>
+          <a:fillRef idx="1">
+            <a:schemeClr val="accent1"/>
+          </a:fillRef>
+          <a:effectRef idx="0">
+            <a:schemeClr val="accent1"/>
+          </a:effectRef>
+          <a:fontRef idx="minor">
+            <a:schemeClr val="lt1"/>
+          </a:fontRef>
+        </p:style>
+        <p:txBody>
+          <a:bodyPr rtlCol="0" anchor="ctr"/>
+          <a:lstStyle/>
+          <a:p>
+            <a:pPr algn="ctr"/>
+            <a:r>
+              <a:rPr lang="en-US" sz="2000" dirty="0" smtClean="0"/>
+              <a:t>PREÇO</a:t>
+            </a:r>
+            <a:endParaRPr lang="en-US" sz="2000" dirty="0"/>
+          </a:p>
+        </p:txBody>
+      </p:sp>
+      <p:sp>
+        <p:nvSpPr>
+          <p:cNvPr id="97" name="Right Arrow 13"/>
+          <p:cNvSpPr/>
+          <p:nvPr/>
+        </p:nvSpPr>
+        <p:spPr>
+          <a:xfrm>
+            <a:off x="3020070" y="4394425"/>
+            <a:ext cx="3937000" cy="539540"/>
+          </a:xfrm>
+          <a:prstGeom prst="rightArrow">
+            <a:avLst/>
+          </a:prstGeom>
+        </p:spPr>
+        <p:style>
+          <a:lnRef idx="2">
+            <a:schemeClr val="accent1">
+              <a:shade val="50000"/>
+            </a:schemeClr>
+          </a:lnRef>
+          <a:fillRef idx="1">
+            <a:schemeClr val="accent1"/>
+          </a:fillRef>
+          <a:effectRef idx="0">
+            <a:schemeClr val="accent1"/>
+          </a:effectRef>
+          <a:fontRef idx="minor">
+            <a:schemeClr val="lt1"/>
+          </a:fontRef>
+        </p:style>
+        <p:txBody>
+          <a:bodyPr rtlCol="0" anchor="ctr"/>
+          <a:lstStyle/>
+          <a:p>
+            <a:pPr algn="ctr"/>
+            <a:r>
+              <a:rPr lang="en-US" sz="2000" dirty="0" smtClean="0"/>
+              <a:t>ESTOQUE</a:t>
+            </a:r>
+            <a:endParaRPr lang="en-US" sz="2000" dirty="0"/>
+          </a:p>
+        </p:txBody>
+      </p:sp>
+      <p:sp>
+        <p:nvSpPr>
+          <p:cNvPr id="100" name="Right Arrow 13"/>
+          <p:cNvSpPr/>
+          <p:nvPr/>
+        </p:nvSpPr>
+        <p:spPr>
+          <a:xfrm>
+            <a:off x="3020070" y="5175340"/>
+            <a:ext cx="3937000" cy="768257"/>
+          </a:xfrm>
+          <a:prstGeom prst="rightArrow">
+            <a:avLst/>
+          </a:prstGeom>
+        </p:spPr>
+        <p:style>
+          <a:lnRef idx="2">
+            <a:schemeClr val="accent1">
+              <a:shade val="50000"/>
+            </a:schemeClr>
+          </a:lnRef>
+          <a:fillRef idx="1">
+            <a:schemeClr val="accent1"/>
+          </a:fillRef>
+          <a:effectRef idx="0">
+            <a:schemeClr val="accent1"/>
+          </a:effectRef>
+          <a:fontRef idx="minor">
+            <a:schemeClr val="lt1"/>
+          </a:fontRef>
+        </p:style>
+        <p:txBody>
+          <a:bodyPr rtlCol="0" anchor="ctr"/>
+          <a:lstStyle/>
+          <a:p>
+            <a:pPr algn="ctr"/>
+            <a:r>
+              <a:rPr lang="en-US" sz="2000" dirty="0" smtClean="0"/>
+              <a:t>ATIVA PRODUTO</a:t>
+            </a:r>
+            <a:endParaRPr lang="en-US" sz="2000" dirty="0"/>
+          </a:p>
+        </p:txBody>
+      </p:sp>
+      <p:sp>
+        <p:nvSpPr>
+          <p:cNvPr id="102" name="Right Arrow 13"/>
+          <p:cNvSpPr/>
+          <p:nvPr/>
+        </p:nvSpPr>
+        <p:spPr>
+          <a:xfrm>
+            <a:off x="3020070" y="5682338"/>
+            <a:ext cx="3937000" cy="800109"/>
+          </a:xfrm>
+          <a:prstGeom prst="rightArrow">
+            <a:avLst/>
+          </a:prstGeom>
+        </p:spPr>
+        <p:style>
+          <a:lnRef idx="2">
+            <a:schemeClr val="accent1">
+              <a:shade val="50000"/>
+            </a:schemeClr>
+          </a:lnRef>
+          <a:fillRef idx="1">
+            <a:schemeClr val="accent1"/>
+          </a:fillRef>
+          <a:effectRef idx="0">
+            <a:schemeClr val="accent1"/>
+          </a:effectRef>
+          <a:fontRef idx="minor">
+            <a:schemeClr val="lt1"/>
+          </a:fontRef>
+        </p:style>
+        <p:txBody>
+          <a:bodyPr rtlCol="0" anchor="ctr"/>
+          <a:lstStyle/>
+          <a:p>
+            <a:pPr algn="ctr"/>
+            <a:r>
+              <a:rPr lang="en-US" sz="2000" dirty="0" smtClean="0"/>
+              <a:t>ATIVA SKU</a:t>
+            </a:r>
+            <a:endParaRPr lang="en-US" sz="2000" dirty="0"/>
+          </a:p>
+        </p:txBody>
+      </p:sp>
+      <p:grpSp>
+        <p:nvGrpSpPr>
+          <p:cNvPr id="111" name="Grupo 110"/>
+          <p:cNvGrpSpPr/>
+          <p:nvPr/>
+        </p:nvGrpSpPr>
+        <p:grpSpPr>
+          <a:xfrm>
+            <a:off x="7437955" y="354744"/>
+            <a:ext cx="3069482" cy="363713"/>
+            <a:chOff x="7375361" y="3019023"/>
+            <a:chExt cx="3089323" cy="988943"/>
+          </a:xfrm>
+        </p:grpSpPr>
+        <p:cxnSp>
+          <p:nvCxnSpPr>
+            <p:cNvPr id="112" name="Straight Arrow Connector 34"/>
+            <p:cNvCxnSpPr/>
+            <p:nvPr/>
+          </p:nvCxnSpPr>
+          <p:spPr>
+            <a:xfrm flipH="1">
+              <a:off x="10457538" y="3019023"/>
+              <a:ext cx="5281" cy="951671"/>
+            </a:xfrm>
+            <a:prstGeom prst="straightConnector1">
+              <a:avLst/>
+            </a:prstGeom>
+            <a:ln w="28575">
+              <a:headEnd type="none"/>
+              <a:tailEnd type="none"/>
+            </a:ln>
+          </p:spPr>
+          <p:style>
+            <a:lnRef idx="2">
+              <a:schemeClr val="accent1">
+                <a:shade val="50000"/>
+              </a:schemeClr>
+            </a:lnRef>
+            <a:fillRef idx="1">
+              <a:schemeClr val="accent1"/>
+            </a:fillRef>
+            <a:effectRef idx="0">
+              <a:schemeClr val="accent1"/>
+            </a:effectRef>
+            <a:fontRef idx="minor">
+              <a:schemeClr val="lt1"/>
+            </a:fontRef>
+          </p:style>
+        </p:cxnSp>
+        <p:grpSp>
+          <p:nvGrpSpPr>
+            <p:cNvPr id="113" name="Grupo 102"/>
+            <p:cNvGrpSpPr/>
+            <p:nvPr/>
+          </p:nvGrpSpPr>
+          <p:grpSpPr>
+            <a:xfrm>
+              <a:off x="7375361" y="3031447"/>
+              <a:ext cx="3089323" cy="976519"/>
+              <a:chOff x="7375361" y="3031447"/>
+              <a:chExt cx="3089323" cy="976519"/>
+            </a:xfrm>
+          </p:grpSpPr>
+          <p:cxnSp>
+            <p:nvCxnSpPr>
+              <p:cNvPr id="114" name="Straight Arrow Connector 29"/>
+              <p:cNvCxnSpPr/>
+              <p:nvPr/>
+            </p:nvCxnSpPr>
+            <p:spPr>
+              <a:xfrm flipV="1">
+                <a:off x="7375361" y="3970697"/>
+                <a:ext cx="3076895" cy="17393"/>
+              </a:xfrm>
+              <a:prstGeom prst="straightConnector1">
+                <a:avLst/>
+              </a:prstGeom>
+              <a:ln w="57150">
+                <a:headEnd type="none"/>
+                <a:tailEnd type="none"/>
+              </a:ln>
+            </p:spPr>
+            <p:style>
+              <a:lnRef idx="2">
+                <a:schemeClr val="accent1">
+                  <a:shade val="50000"/>
+                </a:schemeClr>
+              </a:lnRef>
+              <a:fillRef idx="1">
+                <a:schemeClr val="accent1"/>
+              </a:fillRef>
+              <a:effectRef idx="0">
+                <a:schemeClr val="accent1"/>
+              </a:effectRef>
+              <a:fontRef idx="minor">
+                <a:schemeClr val="lt1"/>
+              </a:fontRef>
+            </p:style>
+          </p:cxnSp>
+          <p:cxnSp>
+            <p:nvCxnSpPr>
+              <p:cNvPr id="115" name="Straight Arrow Connector 31"/>
+              <p:cNvCxnSpPr/>
+              <p:nvPr/>
+            </p:nvCxnSpPr>
+            <p:spPr>
+              <a:xfrm flipH="1">
+                <a:off x="8357184" y="3056295"/>
+                <a:ext cx="5281" cy="951671"/>
+              </a:xfrm>
+              <a:prstGeom prst="straightConnector1">
+                <a:avLst/>
+              </a:prstGeom>
+              <a:ln w="28575">
+                <a:headEnd type="none"/>
+                <a:tailEnd type="none"/>
+              </a:ln>
+            </p:spPr>
+            <p:style>
+              <a:lnRef idx="2">
+                <a:schemeClr val="accent1">
+                  <a:shade val="50000"/>
+                </a:schemeClr>
+              </a:lnRef>
+              <a:fillRef idx="1">
+                <a:schemeClr val="accent1"/>
+              </a:fillRef>
+              <a:effectRef idx="0">
+                <a:schemeClr val="accent1"/>
+              </a:effectRef>
+              <a:fontRef idx="minor">
+                <a:schemeClr val="lt1"/>
+              </a:fontRef>
+            </p:style>
+          </p:cxnSp>
+          <p:cxnSp>
+            <p:nvCxnSpPr>
+              <p:cNvPr id="116" name="Straight Arrow Connector 32"/>
+              <p:cNvCxnSpPr/>
+              <p:nvPr/>
+            </p:nvCxnSpPr>
+            <p:spPr>
+              <a:xfrm flipV="1">
+                <a:off x="7400217" y="3031447"/>
+                <a:ext cx="3064467" cy="17393"/>
+              </a:xfrm>
+              <a:prstGeom prst="straightConnector1">
+                <a:avLst/>
+              </a:prstGeom>
+              <a:ln w="57150">
+                <a:headEnd type="none"/>
+                <a:tailEnd type="none"/>
+              </a:ln>
+            </p:spPr>
+            <p:style>
+              <a:lnRef idx="2">
+                <a:schemeClr val="accent1">
+                  <a:shade val="50000"/>
+                </a:schemeClr>
+              </a:lnRef>
+              <a:fillRef idx="1">
+                <a:schemeClr val="accent1"/>
+              </a:fillRef>
+              <a:effectRef idx="0">
+                <a:schemeClr val="accent1"/>
+              </a:effectRef>
+              <a:fontRef idx="minor">
+                <a:schemeClr val="lt1"/>
+              </a:fontRef>
+            </p:style>
+          </p:cxnSp>
+          <p:cxnSp>
+            <p:nvCxnSpPr>
+              <p:cNvPr id="117" name="Straight Arrow Connector 33"/>
+              <p:cNvCxnSpPr/>
+              <p:nvPr/>
+            </p:nvCxnSpPr>
+            <p:spPr>
+              <a:xfrm flipH="1">
+                <a:off x="9401147" y="3043871"/>
+                <a:ext cx="5281" cy="951671"/>
+              </a:xfrm>
+              <a:prstGeom prst="straightConnector1">
+                <a:avLst/>
+              </a:prstGeom>
+              <a:ln w="28575">
+                <a:headEnd type="none"/>
+                <a:tailEnd type="none"/>
+              </a:ln>
+            </p:spPr>
+            <p:style>
+              <a:lnRef idx="2">
+                <a:schemeClr val="accent1">
+                  <a:shade val="50000"/>
+                </a:schemeClr>
+              </a:lnRef>
+              <a:fillRef idx="1">
+                <a:schemeClr val="accent1"/>
+              </a:fillRef>
+              <a:effectRef idx="0">
+                <a:schemeClr val="accent1"/>
+              </a:effectRef>
+              <a:fontRef idx="minor">
+                <a:schemeClr val="lt1"/>
+              </a:fontRef>
+            </p:style>
+          </p:cxnSp>
+          <p:cxnSp>
+            <p:nvCxnSpPr>
+              <p:cNvPr id="118" name="Straight Arrow Connector 35"/>
+              <p:cNvCxnSpPr/>
+              <p:nvPr/>
+            </p:nvCxnSpPr>
+            <p:spPr>
+              <a:xfrm flipH="1">
+                <a:off x="7375361" y="3031447"/>
+                <a:ext cx="5281" cy="951671"/>
+              </a:xfrm>
+              <a:prstGeom prst="straightConnector1">
+                <a:avLst/>
+              </a:prstGeom>
+              <a:ln w="28575">
+                <a:headEnd type="none"/>
+                <a:tailEnd type="none"/>
+              </a:ln>
+            </p:spPr>
+            <p:style>
+              <a:lnRef idx="2">
+                <a:schemeClr val="accent1">
+                  <a:shade val="50000"/>
+                </a:schemeClr>
+              </a:lnRef>
+              <a:fillRef idx="1">
+                <a:schemeClr val="accent1"/>
+              </a:fillRef>
+              <a:effectRef idx="0">
+                <a:schemeClr val="accent1"/>
+              </a:effectRef>
+              <a:fontRef idx="minor">
+                <a:schemeClr val="lt1"/>
+              </a:fontRef>
+            </p:style>
+          </p:cxnSp>
+        </p:grpSp>
+      </p:grpSp>
+      <p:grpSp>
+        <p:nvGrpSpPr>
+          <p:cNvPr id="127" name="Grupo 126"/>
+          <p:cNvGrpSpPr/>
+          <p:nvPr/>
+        </p:nvGrpSpPr>
+        <p:grpSpPr>
+          <a:xfrm>
+            <a:off x="7443396" y="760245"/>
+            <a:ext cx="3069482" cy="363713"/>
+            <a:chOff x="7375361" y="3019023"/>
+            <a:chExt cx="3089323" cy="988943"/>
+          </a:xfrm>
+        </p:grpSpPr>
+        <p:cxnSp>
+          <p:nvCxnSpPr>
+            <p:cNvPr id="128" name="Straight Arrow Connector 34"/>
+            <p:cNvCxnSpPr/>
+            <p:nvPr/>
+          </p:nvCxnSpPr>
+          <p:spPr>
+            <a:xfrm flipH="1">
+              <a:off x="10457538" y="3019023"/>
+              <a:ext cx="5281" cy="951671"/>
+            </a:xfrm>
+            <a:prstGeom prst="straightConnector1">
+              <a:avLst/>
+            </a:prstGeom>
+            <a:ln w="28575">
+              <a:headEnd type="none"/>
+              <a:tailEnd type="none"/>
+            </a:ln>
+          </p:spPr>
+          <p:style>
+            <a:lnRef idx="2">
+              <a:schemeClr val="accent1">
+                <a:shade val="50000"/>
+              </a:schemeClr>
+            </a:lnRef>
+            <a:fillRef idx="1">
+              <a:schemeClr val="accent1"/>
+            </a:fillRef>
+            <a:effectRef idx="0">
+              <a:schemeClr val="accent1"/>
+            </a:effectRef>
+            <a:fontRef idx="minor">
+              <a:schemeClr val="lt1"/>
+            </a:fontRef>
+          </p:style>
+        </p:cxnSp>
+        <p:grpSp>
+          <p:nvGrpSpPr>
+            <p:cNvPr id="129" name="Grupo 102"/>
+            <p:cNvGrpSpPr/>
+            <p:nvPr/>
+          </p:nvGrpSpPr>
+          <p:grpSpPr>
+            <a:xfrm>
+              <a:off x="7375361" y="3031447"/>
+              <a:ext cx="3089323" cy="976519"/>
+              <a:chOff x="7375361" y="3031447"/>
+              <a:chExt cx="3089323" cy="976519"/>
+            </a:xfrm>
+          </p:grpSpPr>
+          <p:cxnSp>
+            <p:nvCxnSpPr>
+              <p:cNvPr id="130" name="Straight Arrow Connector 29"/>
+              <p:cNvCxnSpPr/>
+              <p:nvPr/>
+            </p:nvCxnSpPr>
+            <p:spPr>
+              <a:xfrm flipV="1">
+                <a:off x="7375361" y="3970697"/>
+                <a:ext cx="3076895" cy="17393"/>
+              </a:xfrm>
+              <a:prstGeom prst="straightConnector1">
+                <a:avLst/>
+              </a:prstGeom>
+              <a:ln w="57150">
+                <a:headEnd type="none"/>
+                <a:tailEnd type="none"/>
+              </a:ln>
+            </p:spPr>
+            <p:style>
+              <a:lnRef idx="2">
+                <a:schemeClr val="accent1">
+                  <a:shade val="50000"/>
+                </a:schemeClr>
+              </a:lnRef>
+              <a:fillRef idx="1">
+                <a:schemeClr val="accent1"/>
+              </a:fillRef>
+              <a:effectRef idx="0">
+                <a:schemeClr val="accent1"/>
+              </a:effectRef>
+              <a:fontRef idx="minor">
+                <a:schemeClr val="lt1"/>
+              </a:fontRef>
+            </p:style>
+          </p:cxnSp>
+          <p:cxnSp>
+            <p:nvCxnSpPr>
+              <p:cNvPr id="131" name="Straight Arrow Connector 31"/>
+              <p:cNvCxnSpPr/>
+              <p:nvPr/>
+            </p:nvCxnSpPr>
+            <p:spPr>
+              <a:xfrm flipH="1">
+                <a:off x="8357184" y="3056295"/>
+                <a:ext cx="5281" cy="951671"/>
+              </a:xfrm>
+              <a:prstGeom prst="straightConnector1">
+                <a:avLst/>
+              </a:prstGeom>
+              <a:ln w="28575">
+                <a:headEnd type="none"/>
+                <a:tailEnd type="none"/>
+              </a:ln>
+            </p:spPr>
+            <p:style>
+              <a:lnRef idx="2">
+                <a:schemeClr val="accent1">
+                  <a:shade val="50000"/>
+                </a:schemeClr>
+              </a:lnRef>
+              <a:fillRef idx="1">
+                <a:schemeClr val="accent1"/>
+              </a:fillRef>
+              <a:effectRef idx="0">
+                <a:schemeClr val="accent1"/>
+              </a:effectRef>
+              <a:fontRef idx="minor">
+                <a:schemeClr val="lt1"/>
+              </a:fontRef>
+            </p:style>
+          </p:cxnSp>
+          <p:cxnSp>
+            <p:nvCxnSpPr>
+              <p:cNvPr id="132" name="Straight Arrow Connector 32"/>
+              <p:cNvCxnSpPr/>
+              <p:nvPr/>
+            </p:nvCxnSpPr>
+            <p:spPr>
+              <a:xfrm flipV="1">
+                <a:off x="7400217" y="3031447"/>
+                <a:ext cx="3064467" cy="17393"/>
+              </a:xfrm>
+              <a:prstGeom prst="straightConnector1">
+                <a:avLst/>
+              </a:prstGeom>
+              <a:ln w="57150">
+                <a:headEnd type="none"/>
+                <a:tailEnd type="none"/>
+              </a:ln>
+            </p:spPr>
+            <p:style>
+              <a:lnRef idx="2">
+                <a:schemeClr val="accent1">
+                  <a:shade val="50000"/>
+                </a:schemeClr>
+              </a:lnRef>
+              <a:fillRef idx="1">
+                <a:schemeClr val="accent1"/>
+              </a:fillRef>
+              <a:effectRef idx="0">
+                <a:schemeClr val="accent1"/>
+              </a:effectRef>
+              <a:fontRef idx="minor">
+                <a:schemeClr val="lt1"/>
+              </a:fontRef>
+            </p:style>
+          </p:cxnSp>
+          <p:cxnSp>
+            <p:nvCxnSpPr>
+              <p:cNvPr id="133" name="Straight Arrow Connector 33"/>
+              <p:cNvCxnSpPr/>
+              <p:nvPr/>
+            </p:nvCxnSpPr>
+            <p:spPr>
+              <a:xfrm flipH="1">
+                <a:off x="9401147" y="3043871"/>
+                <a:ext cx="5281" cy="951671"/>
+              </a:xfrm>
+              <a:prstGeom prst="straightConnector1">
+                <a:avLst/>
+              </a:prstGeom>
+              <a:ln w="28575">
+                <a:headEnd type="none"/>
+                <a:tailEnd type="none"/>
+              </a:ln>
+            </p:spPr>
+            <p:style>
+              <a:lnRef idx="2">
+                <a:schemeClr val="accent1">
+                  <a:shade val="50000"/>
+                </a:schemeClr>
+              </a:lnRef>
+              <a:fillRef idx="1">
+                <a:schemeClr val="accent1"/>
+              </a:fillRef>
+              <a:effectRef idx="0">
+                <a:schemeClr val="accent1"/>
+              </a:effectRef>
+              <a:fontRef idx="minor">
+                <a:schemeClr val="lt1"/>
+              </a:fontRef>
+            </p:style>
+          </p:cxnSp>
+          <p:cxnSp>
+            <p:nvCxnSpPr>
+              <p:cNvPr id="134" name="Straight Arrow Connector 35"/>
+              <p:cNvCxnSpPr/>
+              <p:nvPr/>
+            </p:nvCxnSpPr>
+            <p:spPr>
+              <a:xfrm flipH="1">
+                <a:off x="7375361" y="3031447"/>
+                <a:ext cx="5281" cy="951671"/>
+              </a:xfrm>
+              <a:prstGeom prst="straightConnector1">
+                <a:avLst/>
+              </a:prstGeom>
+              <a:ln w="28575">
+                <a:headEnd type="none"/>
+                <a:tailEnd type="none"/>
+              </a:ln>
+            </p:spPr>
+            <p:style>
+              <a:lnRef idx="2">
+                <a:schemeClr val="accent1">
+                  <a:shade val="50000"/>
+                </a:schemeClr>
+              </a:lnRef>
+              <a:fillRef idx="1">
+                <a:schemeClr val="accent1"/>
+              </a:fillRef>
+              <a:effectRef idx="0">
+                <a:schemeClr val="accent1"/>
+              </a:effectRef>
+              <a:fontRef idx="minor">
+                <a:schemeClr val="lt1"/>
+              </a:fontRef>
+            </p:style>
+          </p:cxnSp>
+        </p:grpSp>
+      </p:grpSp>
+      <p:grpSp>
+        <p:nvGrpSpPr>
+          <p:cNvPr id="141" name="Grupo 140"/>
+          <p:cNvGrpSpPr/>
+          <p:nvPr/>
+        </p:nvGrpSpPr>
+        <p:grpSpPr>
+          <a:xfrm>
+            <a:off x="7366302" y="5574436"/>
+            <a:ext cx="894481" cy="706645"/>
+            <a:chOff x="7377182" y="2883032"/>
+            <a:chExt cx="894481" cy="706645"/>
+          </a:xfrm>
+          <a:effectLst>
+            <a:innerShdw blurRad="63500" dist="50800" dir="18900000">
+              <a:schemeClr val="accent3">
+                <a:alpha val="50000"/>
+              </a:schemeClr>
+            </a:innerShdw>
+          </a:effectLst>
+        </p:grpSpPr>
+        <p:sp>
+          <p:nvSpPr>
+            <p:cNvPr id="142" name="Cube 16"/>
+            <p:cNvSpPr/>
+            <p:nvPr/>
+          </p:nvSpPr>
+          <p:spPr>
+            <a:xfrm>
+              <a:off x="7377182" y="2883032"/>
+              <a:ext cx="894481" cy="706645"/>
+            </a:xfrm>
+            <a:prstGeom prst="cube">
+              <a:avLst/>
+            </a:prstGeom>
+            <a:solidFill>
+              <a:schemeClr val="accent6"/>
+            </a:solidFill>
+            <a:ln w="44450">
+              <a:solidFill>
+                <a:srgbClr val="00B050"/>
+              </a:solidFill>
+            </a:ln>
+          </p:spPr>
+          <p:style>
+            <a:lnRef idx="2">
+              <a:schemeClr val="accent1">
+                <a:shade val="50000"/>
+              </a:schemeClr>
+            </a:lnRef>
+            <a:fillRef idx="1">
+              <a:schemeClr val="accent1"/>
+            </a:fillRef>
+            <a:effectRef idx="0">
+              <a:schemeClr val="accent1"/>
+            </a:effectRef>
+            <a:fontRef idx="minor">
+              <a:schemeClr val="lt1"/>
+            </a:fontRef>
+          </p:style>
+          <p:txBody>
+            <a:bodyPr rtlCol="0" anchor="ctr"/>
+            <a:lstStyle/>
+            <a:p>
+              <a:pPr algn="ctr"/>
+              <a:endParaRPr lang="en-US"/>
+            </a:p>
+          </p:txBody>
+        </p:sp>
+        <p:sp>
+          <p:nvSpPr>
+            <p:cNvPr id="143" name="5-Point Star 40"/>
+            <p:cNvSpPr/>
+            <p:nvPr/>
+          </p:nvSpPr>
+          <p:spPr>
+            <a:xfrm>
+              <a:off x="7882373" y="3314357"/>
+              <a:ext cx="317850" cy="243509"/>
+            </a:xfrm>
+            <a:prstGeom prst="star5">
+              <a:avLst/>
+            </a:prstGeom>
+            <a:solidFill>
+              <a:srgbClr val="FFFF00"/>
+            </a:solidFill>
+            <a:ln w="44450">
+              <a:solidFill>
+                <a:srgbClr val="00B050"/>
+              </a:solidFill>
+            </a:ln>
+          </p:spPr>
+          <p:style>
+            <a:lnRef idx="2">
+              <a:schemeClr val="accent1">
+                <a:shade val="50000"/>
+              </a:schemeClr>
+            </a:lnRef>
+            <a:fillRef idx="1">
+              <a:schemeClr val="accent1"/>
+            </a:fillRef>
+            <a:effectRef idx="0">
+              <a:schemeClr val="accent1"/>
+            </a:effectRef>
+            <a:fontRef idx="minor">
+              <a:schemeClr val="lt1"/>
+            </a:fontRef>
+          </p:style>
+          <p:txBody>
+            <a:bodyPr rtlCol="0" anchor="ctr"/>
+            <a:lstStyle/>
+            <a:p>
+              <a:pPr algn="ctr"/>
+              <a:endParaRPr lang="en-US"/>
+            </a:p>
+          </p:txBody>
+        </p:sp>
+        <p:sp>
+          <p:nvSpPr>
+            <p:cNvPr id="144" name="Oval 41"/>
+            <p:cNvSpPr/>
+            <p:nvPr/>
+          </p:nvSpPr>
+          <p:spPr>
+            <a:xfrm>
+              <a:off x="7530119" y="3091082"/>
+              <a:ext cx="230853" cy="182148"/>
+            </a:xfrm>
+            <a:prstGeom prst="ellipse">
+              <a:avLst/>
+            </a:prstGeom>
+            <a:ln w="44450">
+              <a:solidFill>
+                <a:srgbClr val="00B050"/>
+              </a:solidFill>
+            </a:ln>
+          </p:spPr>
+          <p:style>
+            <a:lnRef idx="2">
+              <a:schemeClr val="accent1">
+                <a:shade val="50000"/>
+              </a:schemeClr>
+            </a:lnRef>
+            <a:fillRef idx="1">
+              <a:schemeClr val="accent1"/>
+            </a:fillRef>
+            <a:effectRef idx="0">
+              <a:schemeClr val="accent1"/>
+            </a:effectRef>
+            <a:fontRef idx="minor">
+              <a:schemeClr val="lt1"/>
+            </a:fontRef>
+          </p:style>
+          <p:txBody>
+            <a:bodyPr rtlCol="0" anchor="ctr"/>
+            <a:lstStyle/>
+            <a:p>
+              <a:pPr algn="ctr"/>
+              <a:endParaRPr lang="en-US"/>
+            </a:p>
+          </p:txBody>
+        </p:sp>
+      </p:grpSp>
+      <p:grpSp>
+        <p:nvGrpSpPr>
+          <p:cNvPr id="145" name="Grupo 144"/>
+          <p:cNvGrpSpPr/>
+          <p:nvPr/>
+        </p:nvGrpSpPr>
+        <p:grpSpPr>
+          <a:xfrm>
+            <a:off x="8443286" y="5549588"/>
+            <a:ext cx="894481" cy="706645"/>
+            <a:chOff x="8454166" y="2841856"/>
+            <a:chExt cx="894481" cy="706645"/>
+          </a:xfrm>
+          <a:effectLst>
+            <a:innerShdw blurRad="63500" dist="50800" dir="18900000">
+              <a:schemeClr val="accent3">
+                <a:alpha val="50000"/>
+              </a:schemeClr>
+            </a:innerShdw>
+          </a:effectLst>
+        </p:grpSpPr>
+        <p:sp>
+          <p:nvSpPr>
+            <p:cNvPr id="146" name="Cube 17"/>
+            <p:cNvSpPr/>
+            <p:nvPr/>
+          </p:nvSpPr>
+          <p:spPr>
+            <a:xfrm>
+              <a:off x="8454166" y="2841856"/>
+              <a:ext cx="894481" cy="706645"/>
+            </a:xfrm>
+            <a:prstGeom prst="cube">
+              <a:avLst/>
+            </a:prstGeom>
+            <a:solidFill>
+              <a:schemeClr val="bg1"/>
+            </a:solidFill>
+            <a:ln w="44450">
+              <a:solidFill>
+                <a:srgbClr val="00B050"/>
+              </a:solidFill>
+            </a:ln>
+          </p:spPr>
+          <p:style>
+            <a:lnRef idx="2">
+              <a:schemeClr val="accent1">
+                <a:shade val="50000"/>
+              </a:schemeClr>
+            </a:lnRef>
+            <a:fillRef idx="1">
+              <a:schemeClr val="accent1"/>
+            </a:fillRef>
+            <a:effectRef idx="0">
+              <a:schemeClr val="accent1"/>
+            </a:effectRef>
+            <a:fontRef idx="minor">
+              <a:schemeClr val="lt1"/>
+            </a:fontRef>
+          </p:style>
+          <p:txBody>
+            <a:bodyPr rtlCol="0" anchor="ctr"/>
+            <a:lstStyle/>
+            <a:p>
+              <a:pPr algn="ctr"/>
+              <a:endParaRPr lang="en-US"/>
+            </a:p>
+          </p:txBody>
+        </p:sp>
+        <p:sp>
+          <p:nvSpPr>
+            <p:cNvPr id="147" name="Oval 62"/>
+            <p:cNvSpPr/>
+            <p:nvPr/>
+          </p:nvSpPr>
+          <p:spPr>
+            <a:xfrm>
+              <a:off x="8607102" y="3054165"/>
+              <a:ext cx="230853" cy="182148"/>
+            </a:xfrm>
+            <a:prstGeom prst="ellipse">
+              <a:avLst/>
+            </a:prstGeom>
+            <a:ln w="44450">
+              <a:solidFill>
+                <a:srgbClr val="00B050"/>
+              </a:solidFill>
+            </a:ln>
+          </p:spPr>
+          <p:style>
+            <a:lnRef idx="2">
+              <a:schemeClr val="accent1">
+                <a:shade val="50000"/>
+              </a:schemeClr>
+            </a:lnRef>
+            <a:fillRef idx="1">
+              <a:schemeClr val="accent1"/>
+            </a:fillRef>
+            <a:effectRef idx="0">
+              <a:schemeClr val="accent1"/>
+            </a:effectRef>
+            <a:fontRef idx="minor">
+              <a:schemeClr val="lt1"/>
+            </a:fontRef>
+          </p:style>
+          <p:txBody>
+            <a:bodyPr rtlCol="0" anchor="ctr"/>
+            <a:lstStyle/>
+            <a:p>
+              <a:pPr algn="ctr"/>
+              <a:endParaRPr lang="en-US"/>
+            </a:p>
+          </p:txBody>
+        </p:sp>
+        <p:sp>
+          <p:nvSpPr>
+            <p:cNvPr id="148" name="5-Point Star 65"/>
+            <p:cNvSpPr/>
+            <p:nvPr/>
+          </p:nvSpPr>
+          <p:spPr>
+            <a:xfrm>
+              <a:off x="8991649" y="3281701"/>
+              <a:ext cx="317850" cy="243509"/>
+            </a:xfrm>
+            <a:prstGeom prst="star5">
+              <a:avLst/>
+            </a:prstGeom>
+            <a:solidFill>
+              <a:srgbClr val="FFFF00"/>
+            </a:solidFill>
+            <a:ln w="44450">
+              <a:solidFill>
+                <a:srgbClr val="00B050"/>
+              </a:solidFill>
+            </a:ln>
+          </p:spPr>
+          <p:style>
+            <a:lnRef idx="2">
+              <a:schemeClr val="accent1">
+                <a:shade val="50000"/>
+              </a:schemeClr>
+            </a:lnRef>
+            <a:fillRef idx="1">
+              <a:schemeClr val="accent1"/>
+            </a:fillRef>
+            <a:effectRef idx="0">
+              <a:schemeClr val="accent1"/>
+            </a:effectRef>
+            <a:fontRef idx="minor">
+              <a:schemeClr val="lt1"/>
+            </a:fontRef>
+          </p:style>
+          <p:txBody>
+            <a:bodyPr rtlCol="0" anchor="ctr"/>
+            <a:lstStyle/>
+            <a:p>
+              <a:pPr algn="ctr"/>
+              <a:endParaRPr lang="en-US"/>
+            </a:p>
+          </p:txBody>
+        </p:sp>
+      </p:grpSp>
+      <p:grpSp>
+        <p:nvGrpSpPr>
+          <p:cNvPr id="149" name="Grupo 148"/>
+          <p:cNvGrpSpPr/>
+          <p:nvPr/>
+        </p:nvGrpSpPr>
+        <p:grpSpPr>
+          <a:xfrm>
+            <a:off x="9598010" y="5541068"/>
+            <a:ext cx="894481" cy="706645"/>
+            <a:chOff x="9608890" y="2849664"/>
+            <a:chExt cx="894481" cy="706645"/>
+          </a:xfrm>
+          <a:effectLst>
+            <a:innerShdw blurRad="63500" dist="50800" dir="18900000">
+              <a:schemeClr val="accent3">
+                <a:alpha val="50000"/>
+              </a:schemeClr>
+            </a:innerShdw>
+          </a:effectLst>
+        </p:grpSpPr>
+        <p:sp>
+          <p:nvSpPr>
+            <p:cNvPr id="150" name="Cube 18"/>
+            <p:cNvSpPr/>
+            <p:nvPr/>
+          </p:nvSpPr>
+          <p:spPr>
+            <a:xfrm>
+              <a:off x="9608890" y="2849664"/>
+              <a:ext cx="894481" cy="706645"/>
+            </a:xfrm>
+            <a:prstGeom prst="cube">
+              <a:avLst/>
+            </a:prstGeom>
+            <a:solidFill>
+              <a:srgbClr val="FFFF00"/>
+            </a:solidFill>
+            <a:ln w="44450">
+              <a:solidFill>
+                <a:srgbClr val="00B050"/>
+              </a:solidFill>
+            </a:ln>
+          </p:spPr>
+          <p:style>
+            <a:lnRef idx="2">
+              <a:schemeClr val="accent1">
+                <a:shade val="50000"/>
+              </a:schemeClr>
+            </a:lnRef>
+            <a:fillRef idx="1">
+              <a:schemeClr val="accent1"/>
+            </a:fillRef>
+            <a:effectRef idx="0">
+              <a:schemeClr val="accent1"/>
+            </a:effectRef>
+            <a:fontRef idx="minor">
+              <a:schemeClr val="lt1"/>
+            </a:fontRef>
+          </p:style>
+          <p:txBody>
+            <a:bodyPr rtlCol="0" anchor="ctr"/>
+            <a:lstStyle/>
+            <a:p>
+              <a:pPr algn="ctr"/>
+              <a:endParaRPr lang="en-US"/>
+            </a:p>
+          </p:txBody>
+        </p:sp>
+        <p:sp>
+          <p:nvSpPr>
+            <p:cNvPr id="151" name="Oval 64"/>
+            <p:cNvSpPr/>
+            <p:nvPr/>
+          </p:nvSpPr>
+          <p:spPr>
+            <a:xfrm>
+              <a:off x="9688713" y="3054165"/>
+              <a:ext cx="230853" cy="182148"/>
+            </a:xfrm>
+            <a:prstGeom prst="ellipse">
+              <a:avLst/>
+            </a:prstGeom>
+            <a:ln w="44450">
+              <a:solidFill>
+                <a:srgbClr val="00B050"/>
+              </a:solidFill>
+            </a:ln>
+          </p:spPr>
+          <p:style>
+            <a:lnRef idx="2">
+              <a:schemeClr val="accent1">
+                <a:shade val="50000"/>
+              </a:schemeClr>
+            </a:lnRef>
+            <a:fillRef idx="1">
+              <a:schemeClr val="accent1"/>
+            </a:fillRef>
+            <a:effectRef idx="0">
+              <a:schemeClr val="accent1"/>
+            </a:effectRef>
+            <a:fontRef idx="minor">
+              <a:schemeClr val="lt1"/>
+            </a:fontRef>
+          </p:style>
+          <p:txBody>
+            <a:bodyPr rtlCol="0" anchor="ctr"/>
+            <a:lstStyle/>
+            <a:p>
+              <a:pPr algn="ctr"/>
+              <a:endParaRPr lang="en-US"/>
+            </a:p>
+          </p:txBody>
+        </p:sp>
+        <p:sp>
+          <p:nvSpPr>
+            <p:cNvPr id="152" name="5-Point Star 66"/>
+            <p:cNvSpPr/>
+            <p:nvPr/>
+          </p:nvSpPr>
+          <p:spPr>
+            <a:xfrm>
+              <a:off x="9950795" y="3265372"/>
+              <a:ext cx="317850" cy="243509"/>
+            </a:xfrm>
+            <a:prstGeom prst="star5">
+              <a:avLst/>
+            </a:prstGeom>
+            <a:solidFill>
+              <a:srgbClr val="FFFF00"/>
+            </a:solidFill>
+            <a:ln w="44450">
+              <a:solidFill>
+                <a:srgbClr val="00B050"/>
+              </a:solidFill>
+            </a:ln>
+          </p:spPr>
+          <p:style>
+            <a:lnRef idx="2">
+              <a:schemeClr val="accent1">
+                <a:shade val="50000"/>
+              </a:schemeClr>
+            </a:lnRef>
+            <a:fillRef idx="1">
+              <a:schemeClr val="accent1"/>
+            </a:fillRef>
+            <a:effectRef idx="0">
+              <a:schemeClr val="accent1"/>
+            </a:effectRef>
+            <a:fontRef idx="minor">
+              <a:schemeClr val="lt1"/>
+            </a:fontRef>
+          </p:style>
+          <p:txBody>
+            <a:bodyPr rtlCol="0" anchor="ctr"/>
+            <a:lstStyle/>
+            <a:p>
+              <a:pPr algn="ctr"/>
+              <a:endParaRPr lang="en-US"/>
+            </a:p>
+          </p:txBody>
+        </p:sp>
+      </p:grpSp>
+      <p:grpSp>
+        <p:nvGrpSpPr>
+          <p:cNvPr id="153" name="Grupo 152"/>
+          <p:cNvGrpSpPr/>
+          <p:nvPr/>
+        </p:nvGrpSpPr>
+        <p:grpSpPr>
+          <a:xfrm>
+            <a:off x="1140567" y="409169"/>
+            <a:ext cx="1646176" cy="352820"/>
+            <a:chOff x="7375361" y="3019023"/>
+            <a:chExt cx="3089323" cy="988943"/>
+          </a:xfrm>
+        </p:grpSpPr>
+        <p:cxnSp>
+          <p:nvCxnSpPr>
+            <p:cNvPr id="154" name="Straight Arrow Connector 34"/>
+            <p:cNvCxnSpPr/>
+            <p:nvPr/>
+          </p:nvCxnSpPr>
+          <p:spPr>
+            <a:xfrm flipH="1">
+              <a:off x="10457538" y="3019023"/>
+              <a:ext cx="5281" cy="951671"/>
+            </a:xfrm>
+            <a:prstGeom prst="straightConnector1">
+              <a:avLst/>
+            </a:prstGeom>
+            <a:ln w="28575">
+              <a:headEnd type="none"/>
+              <a:tailEnd type="none"/>
+            </a:ln>
+          </p:spPr>
+          <p:style>
+            <a:lnRef idx="2">
+              <a:schemeClr val="accent1">
+                <a:shade val="50000"/>
+              </a:schemeClr>
+            </a:lnRef>
+            <a:fillRef idx="1">
+              <a:schemeClr val="accent1"/>
+            </a:fillRef>
+            <a:effectRef idx="0">
+              <a:schemeClr val="accent1"/>
+            </a:effectRef>
+            <a:fontRef idx="minor">
+              <a:schemeClr val="lt1"/>
+            </a:fontRef>
+          </p:style>
+        </p:cxnSp>
+        <p:grpSp>
+          <p:nvGrpSpPr>
+            <p:cNvPr id="155" name="Grupo 102"/>
+            <p:cNvGrpSpPr/>
+            <p:nvPr/>
+          </p:nvGrpSpPr>
+          <p:grpSpPr>
+            <a:xfrm>
+              <a:off x="7375361" y="3031447"/>
+              <a:ext cx="3089323" cy="976519"/>
+              <a:chOff x="7375361" y="3031447"/>
+              <a:chExt cx="3089323" cy="976519"/>
+            </a:xfrm>
+          </p:grpSpPr>
+          <p:cxnSp>
+            <p:nvCxnSpPr>
+              <p:cNvPr id="156" name="Straight Arrow Connector 29"/>
+              <p:cNvCxnSpPr/>
+              <p:nvPr/>
+            </p:nvCxnSpPr>
+            <p:spPr>
+              <a:xfrm flipV="1">
+                <a:off x="7375361" y="3970697"/>
+                <a:ext cx="3076895" cy="17393"/>
+              </a:xfrm>
+              <a:prstGeom prst="straightConnector1">
+                <a:avLst/>
+              </a:prstGeom>
+              <a:ln w="57150">
+                <a:headEnd type="none"/>
+                <a:tailEnd type="none"/>
+              </a:ln>
+            </p:spPr>
+            <p:style>
+              <a:lnRef idx="2">
+                <a:schemeClr val="accent1">
+                  <a:shade val="50000"/>
+                </a:schemeClr>
+              </a:lnRef>
+              <a:fillRef idx="1">
+                <a:schemeClr val="accent1"/>
+              </a:fillRef>
+              <a:effectRef idx="0">
+                <a:schemeClr val="accent1"/>
+              </a:effectRef>
+              <a:fontRef idx="minor">
+                <a:schemeClr val="lt1"/>
+              </a:fontRef>
+            </p:style>
+          </p:cxnSp>
+          <p:cxnSp>
+            <p:nvCxnSpPr>
+              <p:cNvPr id="157" name="Straight Arrow Connector 31"/>
+              <p:cNvCxnSpPr/>
+              <p:nvPr/>
+            </p:nvCxnSpPr>
+            <p:spPr>
+              <a:xfrm flipH="1">
+                <a:off x="8357184" y="3056295"/>
+                <a:ext cx="5281" cy="951671"/>
+              </a:xfrm>
+              <a:prstGeom prst="straightConnector1">
+                <a:avLst/>
+              </a:prstGeom>
+              <a:ln w="28575">
+                <a:headEnd type="none"/>
+                <a:tailEnd type="none"/>
+              </a:ln>
+            </p:spPr>
+            <p:style>
+              <a:lnRef idx="2">
+                <a:schemeClr val="accent1">
+                  <a:shade val="50000"/>
+                </a:schemeClr>
+              </a:lnRef>
+              <a:fillRef idx="1">
+                <a:schemeClr val="accent1"/>
+              </a:fillRef>
+              <a:effectRef idx="0">
+                <a:schemeClr val="accent1"/>
+              </a:effectRef>
+              <a:fontRef idx="minor">
+                <a:schemeClr val="lt1"/>
+              </a:fontRef>
+            </p:style>
+          </p:cxnSp>
+          <p:cxnSp>
+            <p:nvCxnSpPr>
+              <p:cNvPr id="158" name="Straight Arrow Connector 32"/>
+              <p:cNvCxnSpPr/>
+              <p:nvPr/>
+            </p:nvCxnSpPr>
+            <p:spPr>
+              <a:xfrm flipV="1">
+                <a:off x="7400217" y="3031447"/>
+                <a:ext cx="3064467" cy="17393"/>
+              </a:xfrm>
+              <a:prstGeom prst="straightConnector1">
+                <a:avLst/>
+              </a:prstGeom>
+              <a:ln w="57150">
+                <a:headEnd type="none"/>
+                <a:tailEnd type="none"/>
+              </a:ln>
+            </p:spPr>
+            <p:style>
+              <a:lnRef idx="2">
+                <a:schemeClr val="accent1">
+                  <a:shade val="50000"/>
+                </a:schemeClr>
+              </a:lnRef>
+              <a:fillRef idx="1">
+                <a:schemeClr val="accent1"/>
+              </a:fillRef>
+              <a:effectRef idx="0">
+                <a:schemeClr val="accent1"/>
+              </a:effectRef>
+              <a:fontRef idx="minor">
+                <a:schemeClr val="lt1"/>
+              </a:fontRef>
+            </p:style>
+          </p:cxnSp>
+          <p:cxnSp>
+            <p:nvCxnSpPr>
+              <p:cNvPr id="159" name="Straight Arrow Connector 33"/>
+              <p:cNvCxnSpPr/>
+              <p:nvPr/>
+            </p:nvCxnSpPr>
+            <p:spPr>
+              <a:xfrm flipH="1">
+                <a:off x="9401147" y="3043871"/>
+                <a:ext cx="5281" cy="951671"/>
+              </a:xfrm>
+              <a:prstGeom prst="straightConnector1">
+                <a:avLst/>
+              </a:prstGeom>
+              <a:ln w="28575">
+                <a:headEnd type="none"/>
+                <a:tailEnd type="none"/>
+              </a:ln>
+            </p:spPr>
+            <p:style>
+              <a:lnRef idx="2">
+                <a:schemeClr val="accent1">
+                  <a:shade val="50000"/>
+                </a:schemeClr>
+              </a:lnRef>
+              <a:fillRef idx="1">
+                <a:schemeClr val="accent1"/>
+              </a:fillRef>
+              <a:effectRef idx="0">
+                <a:schemeClr val="accent1"/>
+              </a:effectRef>
+              <a:fontRef idx="minor">
+                <a:schemeClr val="lt1"/>
+              </a:fontRef>
+            </p:style>
+          </p:cxnSp>
+          <p:cxnSp>
+            <p:nvCxnSpPr>
+              <p:cNvPr id="160" name="Straight Arrow Connector 35"/>
+              <p:cNvCxnSpPr/>
+              <p:nvPr/>
+            </p:nvCxnSpPr>
+            <p:spPr>
+              <a:xfrm flipH="1">
+                <a:off x="7375361" y="3031447"/>
+                <a:ext cx="5281" cy="951671"/>
+              </a:xfrm>
+              <a:prstGeom prst="straightConnector1">
+                <a:avLst/>
+              </a:prstGeom>
+              <a:ln w="28575">
+                <a:headEnd type="none"/>
+                <a:tailEnd type="none"/>
+              </a:ln>
+            </p:spPr>
+            <p:style>
+              <a:lnRef idx="2">
+                <a:schemeClr val="accent1">
+                  <a:shade val="50000"/>
+                </a:schemeClr>
+              </a:lnRef>
+              <a:fillRef idx="1">
+                <a:schemeClr val="accent1"/>
+              </a:fillRef>
+              <a:effectRef idx="0">
+                <a:schemeClr val="accent1"/>
+              </a:effectRef>
+              <a:fontRef idx="minor">
+                <a:schemeClr val="lt1"/>
+              </a:fontRef>
+            </p:style>
+          </p:cxnSp>
+        </p:grpSp>
+      </p:grpSp>
+      <p:grpSp>
+        <p:nvGrpSpPr>
+          <p:cNvPr id="161" name="Grupo 160"/>
+          <p:cNvGrpSpPr/>
+          <p:nvPr/>
+        </p:nvGrpSpPr>
+        <p:grpSpPr>
+          <a:xfrm>
+            <a:off x="1146008" y="814670"/>
+            <a:ext cx="1646176" cy="352820"/>
+            <a:chOff x="7375361" y="3019023"/>
+            <a:chExt cx="3089323" cy="988943"/>
+          </a:xfrm>
+        </p:grpSpPr>
+        <p:cxnSp>
+          <p:nvCxnSpPr>
+            <p:cNvPr id="162" name="Straight Arrow Connector 34"/>
+            <p:cNvCxnSpPr/>
+            <p:nvPr/>
+          </p:nvCxnSpPr>
+          <p:spPr>
+            <a:xfrm flipH="1">
+              <a:off x="10457538" y="3019023"/>
+              <a:ext cx="5281" cy="951671"/>
+            </a:xfrm>
+            <a:prstGeom prst="straightConnector1">
+              <a:avLst/>
+            </a:prstGeom>
+            <a:ln w="28575">
+              <a:headEnd type="none"/>
+              <a:tailEnd type="none"/>
+            </a:ln>
+          </p:spPr>
+          <p:style>
+            <a:lnRef idx="2">
+              <a:schemeClr val="accent1">
+                <a:shade val="50000"/>
+              </a:schemeClr>
+            </a:lnRef>
+            <a:fillRef idx="1">
+              <a:schemeClr val="accent1"/>
+            </a:fillRef>
+            <a:effectRef idx="0">
+              <a:schemeClr val="accent1"/>
+            </a:effectRef>
+            <a:fontRef idx="minor">
+              <a:schemeClr val="lt1"/>
+            </a:fontRef>
+          </p:style>
+        </p:cxnSp>
+        <p:grpSp>
+          <p:nvGrpSpPr>
+            <p:cNvPr id="163" name="Grupo 102"/>
+            <p:cNvGrpSpPr/>
+            <p:nvPr/>
+          </p:nvGrpSpPr>
+          <p:grpSpPr>
+            <a:xfrm>
+              <a:off x="7375361" y="3031447"/>
+              <a:ext cx="3089323" cy="976519"/>
+              <a:chOff x="7375361" y="3031447"/>
+              <a:chExt cx="3089323" cy="976519"/>
+            </a:xfrm>
+          </p:grpSpPr>
+          <p:cxnSp>
+            <p:nvCxnSpPr>
+              <p:cNvPr id="164" name="Straight Arrow Connector 29"/>
+              <p:cNvCxnSpPr/>
+              <p:nvPr/>
+            </p:nvCxnSpPr>
+            <p:spPr>
+              <a:xfrm flipV="1">
+                <a:off x="7375361" y="3970697"/>
+                <a:ext cx="3076895" cy="17393"/>
+              </a:xfrm>
+              <a:prstGeom prst="straightConnector1">
+                <a:avLst/>
+              </a:prstGeom>
+              <a:ln w="57150">
+                <a:headEnd type="none"/>
+                <a:tailEnd type="none"/>
+              </a:ln>
+            </p:spPr>
+            <p:style>
+              <a:lnRef idx="2">
+                <a:schemeClr val="accent1">
+                  <a:shade val="50000"/>
+                </a:schemeClr>
+              </a:lnRef>
+              <a:fillRef idx="1">
+                <a:schemeClr val="accent1"/>
+              </a:fillRef>
+              <a:effectRef idx="0">
+                <a:schemeClr val="accent1"/>
+              </a:effectRef>
+              <a:fontRef idx="minor">
+                <a:schemeClr val="lt1"/>
+              </a:fontRef>
+            </p:style>
+          </p:cxnSp>
+          <p:cxnSp>
+            <p:nvCxnSpPr>
+              <p:cNvPr id="165" name="Straight Arrow Connector 31"/>
+              <p:cNvCxnSpPr/>
+              <p:nvPr/>
+            </p:nvCxnSpPr>
+            <p:spPr>
+              <a:xfrm flipH="1">
+                <a:off x="8357184" y="3056295"/>
+                <a:ext cx="5281" cy="951671"/>
+              </a:xfrm>
+              <a:prstGeom prst="straightConnector1">
+                <a:avLst/>
+              </a:prstGeom>
+              <a:ln w="28575">
+                <a:headEnd type="none"/>
+                <a:tailEnd type="none"/>
+              </a:ln>
+            </p:spPr>
+            <p:style>
+              <a:lnRef idx="2">
+                <a:schemeClr val="accent1">
+                  <a:shade val="50000"/>
+                </a:schemeClr>
+              </a:lnRef>
+              <a:fillRef idx="1">
+                <a:schemeClr val="accent1"/>
+              </a:fillRef>
+              <a:effectRef idx="0">
+                <a:schemeClr val="accent1"/>
+              </a:effectRef>
+              <a:fontRef idx="minor">
+                <a:schemeClr val="lt1"/>
+              </a:fontRef>
+            </p:style>
+          </p:cxnSp>
+          <p:cxnSp>
+            <p:nvCxnSpPr>
+              <p:cNvPr id="166" name="Straight Arrow Connector 32"/>
+              <p:cNvCxnSpPr/>
+              <p:nvPr/>
+            </p:nvCxnSpPr>
+            <p:spPr>
+              <a:xfrm flipV="1">
+                <a:off x="7400217" y="3031447"/>
+                <a:ext cx="3064467" cy="17393"/>
+              </a:xfrm>
+              <a:prstGeom prst="straightConnector1">
+                <a:avLst/>
+              </a:prstGeom>
+              <a:ln w="57150">
+                <a:headEnd type="none"/>
+                <a:tailEnd type="none"/>
+              </a:ln>
+            </p:spPr>
+            <p:style>
+              <a:lnRef idx="2">
+                <a:schemeClr val="accent1">
+                  <a:shade val="50000"/>
+                </a:schemeClr>
+              </a:lnRef>
+              <a:fillRef idx="1">
+                <a:schemeClr val="accent1"/>
+              </a:fillRef>
+              <a:effectRef idx="0">
+                <a:schemeClr val="accent1"/>
+              </a:effectRef>
+              <a:fontRef idx="minor">
+                <a:schemeClr val="lt1"/>
+              </a:fontRef>
+            </p:style>
+          </p:cxnSp>
+          <p:cxnSp>
+            <p:nvCxnSpPr>
+              <p:cNvPr id="167" name="Straight Arrow Connector 33"/>
+              <p:cNvCxnSpPr/>
+              <p:nvPr/>
+            </p:nvCxnSpPr>
+            <p:spPr>
+              <a:xfrm flipH="1">
+                <a:off x="9401147" y="3043871"/>
+                <a:ext cx="5281" cy="951671"/>
+              </a:xfrm>
+              <a:prstGeom prst="straightConnector1">
+                <a:avLst/>
+              </a:prstGeom>
+              <a:ln w="28575">
+                <a:headEnd type="none"/>
+                <a:tailEnd type="none"/>
+              </a:ln>
+            </p:spPr>
+            <p:style>
+              <a:lnRef idx="2">
+                <a:schemeClr val="accent1">
+                  <a:shade val="50000"/>
+                </a:schemeClr>
+              </a:lnRef>
+              <a:fillRef idx="1">
+                <a:schemeClr val="accent1"/>
+              </a:fillRef>
+              <a:effectRef idx="0">
+                <a:schemeClr val="accent1"/>
+              </a:effectRef>
+              <a:fontRef idx="minor">
+                <a:schemeClr val="lt1"/>
+              </a:fontRef>
+            </p:style>
+          </p:cxnSp>
+          <p:cxnSp>
+            <p:nvCxnSpPr>
+              <p:cNvPr id="168" name="Straight Arrow Connector 35"/>
+              <p:cNvCxnSpPr/>
+              <p:nvPr/>
+            </p:nvCxnSpPr>
+            <p:spPr>
+              <a:xfrm flipH="1">
+                <a:off x="7375361" y="3031447"/>
+                <a:ext cx="5281" cy="951671"/>
+              </a:xfrm>
+              <a:prstGeom prst="straightConnector1">
+                <a:avLst/>
+              </a:prstGeom>
+              <a:ln w="28575">
+                <a:headEnd type="none"/>
+                <a:tailEnd type="none"/>
+              </a:ln>
+            </p:spPr>
+            <p:style>
+              <a:lnRef idx="2">
+                <a:schemeClr val="accent1">
+                  <a:shade val="50000"/>
+                </a:schemeClr>
+              </a:lnRef>
+              <a:fillRef idx="1">
+                <a:schemeClr val="accent1"/>
+              </a:fillRef>
+              <a:effectRef idx="0">
+                <a:schemeClr val="accent1"/>
+              </a:effectRef>
+              <a:fontRef idx="minor">
+                <a:schemeClr val="lt1"/>
+              </a:fontRef>
+            </p:style>
+          </p:cxnSp>
+        </p:grpSp>
+      </p:grpSp>
+      <p:sp>
+        <p:nvSpPr>
+          <p:cNvPr id="75" name="Cube 74"/>
+          <p:cNvSpPr/>
+          <p:nvPr/>
+        </p:nvSpPr>
+        <p:spPr>
+          <a:xfrm>
+            <a:off x="1118545" y="4248329"/>
+            <a:ext cx="309641" cy="271602"/>
           </a:xfrm>
           <a:prstGeom prst="cube">
             <a:avLst/>
           </a:prstGeom>
-        </p:spPr>
-        <p:style>
-          <a:lnRef idx="2">
-            <a:schemeClr val="accent1">
-              <a:shade val="50000"/>
-            </a:schemeClr>
-          </a:lnRef>
-          <a:fillRef idx="1">
-            <a:schemeClr val="accent1"/>
-          </a:fillRef>
-          <a:effectRef idx="0">
-            <a:schemeClr val="accent1"/>
-          </a:effectRef>
-          <a:fontRef idx="minor">
-            <a:schemeClr val="lt1"/>
-          </a:fontRef>
-        </p:style>
-        <p:txBody>
-          <a:bodyPr rtlCol="0" anchor="ctr"/>
-          <a:lstStyle/>
-          <a:p>
-            <a:pPr algn="ctr"/>
-            <a:r>
-              <a:rPr lang="en-US"/>
-              <a:t>O1</a:t>
-            </a:r>
-          </a:p>
-        </p:txBody>
-      </p:sp>
-      <p:sp>
-        <p:nvSpPr>
-          <p:cNvPr id="74" name="Cube 73"/>
-          <p:cNvSpPr/>
-          <p:nvPr/>
-        </p:nvSpPr>
-        <p:spPr>
-          <a:xfrm>
-            <a:off x="1677811" y="757871"/>
-            <a:ext cx="656041" cy="457477"/>
+          <a:solidFill>
+            <a:schemeClr val="accent6"/>
+          </a:solidFill>
+          <a:ln>
+            <a:solidFill>
+              <a:srgbClr val="FF0000"/>
+            </a:solidFill>
+          </a:ln>
+        </p:spPr>
+        <p:style>
+          <a:lnRef idx="2">
+            <a:schemeClr val="accent1">
+              <a:shade val="50000"/>
+            </a:schemeClr>
+          </a:lnRef>
+          <a:fillRef idx="1">
+            <a:schemeClr val="accent1"/>
+          </a:fillRef>
+          <a:effectRef idx="0">
+            <a:schemeClr val="accent1"/>
+          </a:effectRef>
+          <a:fontRef idx="minor">
+            <a:schemeClr val="lt1"/>
+          </a:fontRef>
+        </p:style>
+        <p:txBody>
+          <a:bodyPr rtlCol="0" anchor="ctr"/>
+          <a:lstStyle/>
+          <a:p>
+            <a:pPr algn="ctr"/>
+            <a:endParaRPr lang="en-US"/>
+          </a:p>
+        </p:txBody>
+      </p:sp>
+      <p:sp>
+        <p:nvSpPr>
+          <p:cNvPr id="76" name="Cube 75"/>
+          <p:cNvSpPr/>
+          <p:nvPr/>
+        </p:nvSpPr>
+        <p:spPr>
+          <a:xfrm>
+            <a:off x="1304510" y="4285588"/>
+            <a:ext cx="309641" cy="271602"/>
           </a:xfrm>
           <a:prstGeom prst="cube">
             <a:avLst/>
           </a:prstGeom>
-        </p:spPr>
-        <p:style>
-          <a:lnRef idx="2">
-            <a:schemeClr val="accent1">
-              <a:shade val="50000"/>
-            </a:schemeClr>
-          </a:lnRef>
-          <a:fillRef idx="1">
-            <a:schemeClr val="accent1"/>
-          </a:fillRef>
-          <a:effectRef idx="0">
-            <a:schemeClr val="accent1"/>
-          </a:effectRef>
-          <a:fontRef idx="minor">
-            <a:schemeClr val="lt1"/>
-          </a:fontRef>
-        </p:style>
-        <p:txBody>
-          <a:bodyPr rtlCol="0" anchor="ctr"/>
-          <a:lstStyle/>
-          <a:p>
-            <a:pPr algn="ctr"/>
-            <a:r>
-              <a:rPr lang="en-US"/>
-              <a:t>02</a:t>
-            </a:r>
-          </a:p>
-        </p:txBody>
-      </p:sp>
-      <p:sp>
-        <p:nvSpPr>
-          <p:cNvPr id="75" name="Cube 74"/>
-          <p:cNvSpPr/>
-          <p:nvPr/>
-        </p:nvSpPr>
-        <p:spPr>
-          <a:xfrm>
-            <a:off x="2063083" y="1031197"/>
-            <a:ext cx="656041" cy="457477"/>
+          <a:solidFill>
+            <a:schemeClr val="accent6"/>
+          </a:solidFill>
+          <a:ln>
+            <a:solidFill>
+              <a:srgbClr val="FF0000"/>
+            </a:solidFill>
+          </a:ln>
+        </p:spPr>
+        <p:style>
+          <a:lnRef idx="2">
+            <a:schemeClr val="accent1">
+              <a:shade val="50000"/>
+            </a:schemeClr>
+          </a:lnRef>
+          <a:fillRef idx="1">
+            <a:schemeClr val="accent1"/>
+          </a:fillRef>
+          <a:effectRef idx="0">
+            <a:schemeClr val="accent1"/>
+          </a:effectRef>
+          <a:fontRef idx="minor">
+            <a:schemeClr val="lt1"/>
+          </a:fontRef>
+        </p:style>
+        <p:txBody>
+          <a:bodyPr rtlCol="0" anchor="ctr"/>
+          <a:lstStyle/>
+          <a:p>
+            <a:pPr algn="ctr"/>
+            <a:endParaRPr lang="en-US"/>
+          </a:p>
+        </p:txBody>
+      </p:sp>
+      <p:sp>
+        <p:nvSpPr>
+          <p:cNvPr id="77" name="Cube 76"/>
+          <p:cNvSpPr/>
+          <p:nvPr/>
+        </p:nvSpPr>
+        <p:spPr>
+          <a:xfrm>
+            <a:off x="1478960" y="4335296"/>
+            <a:ext cx="309641" cy="271602"/>
           </a:xfrm>
           <a:prstGeom prst="cube">
             <a:avLst/>
           </a:prstGeom>
-        </p:spPr>
-        <p:style>
-          <a:lnRef idx="2">
-            <a:schemeClr val="accent1">
-              <a:shade val="50000"/>
-            </a:schemeClr>
-          </a:lnRef>
-          <a:fillRef idx="1">
-            <a:schemeClr val="accent1"/>
-          </a:fillRef>
-          <a:effectRef idx="0">
-            <a:schemeClr val="accent1"/>
-          </a:effectRef>
-          <a:fontRef idx="minor">
-            <a:schemeClr val="lt1"/>
-          </a:fontRef>
-        </p:style>
-        <p:txBody>
-          <a:bodyPr rtlCol="0" anchor="ctr"/>
-          <a:lstStyle/>
-          <a:p>
-            <a:pPr algn="ctr"/>
-            <a:r>
-              <a:rPr lang="en-US"/>
-              <a:t>03</a:t>
-            </a:r>
-          </a:p>
-        </p:txBody>
-      </p:sp>
-      <p:sp>
-        <p:nvSpPr>
-          <p:cNvPr id="76" name="Cube 75"/>
-          <p:cNvSpPr/>
-          <p:nvPr/>
-        </p:nvSpPr>
-        <p:spPr>
-          <a:xfrm>
-            <a:off x="2734202" y="422425"/>
-            <a:ext cx="656041" cy="457477"/>
+          <a:solidFill>
+            <a:schemeClr val="accent6"/>
+          </a:solidFill>
+          <a:ln>
+            <a:solidFill>
+              <a:srgbClr val="FF0000"/>
+            </a:solidFill>
+          </a:ln>
+        </p:spPr>
+        <p:style>
+          <a:lnRef idx="2">
+            <a:schemeClr val="accent1">
+              <a:shade val="50000"/>
+            </a:schemeClr>
+          </a:lnRef>
+          <a:fillRef idx="1">
+            <a:schemeClr val="accent1"/>
+          </a:fillRef>
+          <a:effectRef idx="0">
+            <a:schemeClr val="accent1"/>
+          </a:effectRef>
+          <a:fontRef idx="minor">
+            <a:schemeClr val="lt1"/>
+          </a:fontRef>
+        </p:style>
+        <p:txBody>
+          <a:bodyPr rtlCol="0" anchor="ctr"/>
+          <a:lstStyle/>
+          <a:p>
+            <a:pPr algn="ctr"/>
+            <a:endParaRPr lang="en-US"/>
+          </a:p>
+        </p:txBody>
+      </p:sp>
+      <p:sp>
+        <p:nvSpPr>
+          <p:cNvPr id="78" name="Cube 77"/>
+          <p:cNvSpPr/>
+          <p:nvPr/>
+        </p:nvSpPr>
+        <p:spPr>
+          <a:xfrm>
+            <a:off x="1665382" y="4384992"/>
+            <a:ext cx="309641" cy="271602"/>
           </a:xfrm>
           <a:prstGeom prst="cube">
             <a:avLst/>
           </a:prstGeom>
-        </p:spPr>
-        <p:style>
-          <a:lnRef idx="2">
-            <a:schemeClr val="accent1">
-              <a:shade val="50000"/>
-            </a:schemeClr>
-          </a:lnRef>
-          <a:fillRef idx="1">
-            <a:schemeClr val="accent1"/>
-          </a:fillRef>
-          <a:effectRef idx="0">
-            <a:schemeClr val="accent1"/>
-          </a:effectRef>
-          <a:fontRef idx="minor">
-            <a:schemeClr val="lt1"/>
-          </a:fontRef>
-        </p:style>
-        <p:txBody>
-          <a:bodyPr rtlCol="0" anchor="ctr"/>
-          <a:lstStyle/>
-          <a:p>
-            <a:pPr algn="ctr"/>
-            <a:r>
-              <a:rPr lang="en-US"/>
-              <a:t>04</a:t>
-            </a:r>
-          </a:p>
-        </p:txBody>
-      </p:sp>
-      <p:sp>
-        <p:nvSpPr>
-          <p:cNvPr id="77" name="Cube 76"/>
-          <p:cNvSpPr/>
-          <p:nvPr/>
-        </p:nvSpPr>
-        <p:spPr>
-          <a:xfrm>
-            <a:off x="3032477" y="770295"/>
-            <a:ext cx="656041" cy="457477"/>
+          <a:solidFill>
+            <a:schemeClr val="accent6"/>
+          </a:solidFill>
+          <a:ln>
+            <a:solidFill>
+              <a:srgbClr val="FF0000"/>
+            </a:solidFill>
+          </a:ln>
+        </p:spPr>
+        <p:style>
+          <a:lnRef idx="2">
+            <a:schemeClr val="accent1">
+              <a:shade val="50000"/>
+            </a:schemeClr>
+          </a:lnRef>
+          <a:fillRef idx="1">
+            <a:schemeClr val="accent1"/>
+          </a:fillRef>
+          <a:effectRef idx="0">
+            <a:schemeClr val="accent1"/>
+          </a:effectRef>
+          <a:fontRef idx="minor">
+            <a:schemeClr val="lt1"/>
+          </a:fontRef>
+        </p:style>
+        <p:txBody>
+          <a:bodyPr rtlCol="0" anchor="ctr"/>
+          <a:lstStyle/>
+          <a:p>
+            <a:pPr algn="ctr"/>
+            <a:endParaRPr lang="en-US"/>
+          </a:p>
+        </p:txBody>
+      </p:sp>
+      <p:sp>
+        <p:nvSpPr>
+          <p:cNvPr id="79" name="Cube 78"/>
+          <p:cNvSpPr/>
+          <p:nvPr/>
+        </p:nvSpPr>
+        <p:spPr>
+          <a:xfrm>
+            <a:off x="1068832" y="4633470"/>
+            <a:ext cx="395288" cy="260073"/>
           </a:xfrm>
           <a:prstGeom prst="cube">
             <a:avLst/>
           </a:prstGeom>
-        </p:spPr>
-        <p:style>
-          <a:lnRef idx="2">
-            <a:schemeClr val="accent1">
-              <a:shade val="50000"/>
-            </a:schemeClr>
-          </a:lnRef>
-          <a:fillRef idx="1">
-            <a:schemeClr val="accent1"/>
-          </a:fillRef>
-          <a:effectRef idx="0">
-            <a:schemeClr val="accent1"/>
-          </a:effectRef>
-          <a:fontRef idx="minor">
-            <a:schemeClr val="lt1"/>
-          </a:fontRef>
-        </p:style>
-        <p:txBody>
-          <a:bodyPr rtlCol="0" anchor="ctr"/>
-          <a:lstStyle/>
-          <a:p>
-            <a:pPr algn="ctr"/>
-            <a:r>
-              <a:rPr lang="en-US"/>
-              <a:t>O6</a:t>
-            </a:r>
-          </a:p>
-        </p:txBody>
-      </p:sp>
-      <p:sp>
-        <p:nvSpPr>
-          <p:cNvPr id="78" name="Cube 77"/>
-          <p:cNvSpPr/>
-          <p:nvPr/>
-        </p:nvSpPr>
-        <p:spPr>
-          <a:xfrm>
-            <a:off x="3392893" y="1031197"/>
-            <a:ext cx="656041" cy="457477"/>
+          <a:solidFill>
+            <a:schemeClr val="bg1"/>
+          </a:solidFill>
+          <a:ln>
+            <a:solidFill>
+              <a:srgbClr val="FF0000"/>
+            </a:solidFill>
+          </a:ln>
+        </p:spPr>
+        <p:style>
+          <a:lnRef idx="2">
+            <a:schemeClr val="accent1">
+              <a:shade val="50000"/>
+            </a:schemeClr>
+          </a:lnRef>
+          <a:fillRef idx="1">
+            <a:schemeClr val="accent1"/>
+          </a:fillRef>
+          <a:effectRef idx="0">
+            <a:schemeClr val="accent1"/>
+          </a:effectRef>
+          <a:fontRef idx="minor">
+            <a:schemeClr val="lt1"/>
+          </a:fontRef>
+        </p:style>
+        <p:txBody>
+          <a:bodyPr rtlCol="0" anchor="ctr"/>
+          <a:lstStyle/>
+          <a:p>
+            <a:pPr algn="ctr"/>
+            <a:endParaRPr lang="en-US"/>
+          </a:p>
+        </p:txBody>
+      </p:sp>
+      <p:sp>
+        <p:nvSpPr>
+          <p:cNvPr id="80" name="Cube 79"/>
+          <p:cNvSpPr/>
+          <p:nvPr/>
+        </p:nvSpPr>
+        <p:spPr>
+          <a:xfrm>
+            <a:off x="1329823" y="4695590"/>
+            <a:ext cx="395288" cy="260073"/>
           </a:xfrm>
           <a:prstGeom prst="cube">
             <a:avLst/>
           </a:prstGeom>
-        </p:spPr>
-        <p:style>
-          <a:lnRef idx="2">
-            <a:schemeClr val="accent1">
-              <a:shade val="50000"/>
-            </a:schemeClr>
-          </a:lnRef>
-          <a:fillRef idx="1">
-            <a:schemeClr val="accent1"/>
-          </a:fillRef>
-          <a:effectRef idx="0">
-            <a:schemeClr val="accent1"/>
-          </a:effectRef>
-          <a:fontRef idx="minor">
-            <a:schemeClr val="lt1"/>
-          </a:fontRef>
-        </p:style>
-        <p:txBody>
-          <a:bodyPr rtlCol="0" anchor="ctr"/>
-          <a:lstStyle/>
-          <a:p>
-            <a:pPr algn="ctr"/>
-            <a:r>
-              <a:rPr lang="en-US"/>
-              <a:t>07</a:t>
-            </a:r>
-          </a:p>
-        </p:txBody>
-      </p:sp>
-      <p:sp>
-        <p:nvSpPr>
-          <p:cNvPr id="79" name="Left Arrow 78"/>
-          <p:cNvSpPr/>
-          <p:nvPr/>
-        </p:nvSpPr>
-        <p:spPr>
-          <a:xfrm>
-            <a:off x="4398963" y="1727200"/>
-            <a:ext cx="3613956" cy="1204913"/>
-          </a:xfrm>
-          <a:prstGeom prst="leftArrow">
-            <a:avLst/>
-          </a:prstGeom>
-        </p:spPr>
-        <p:style>
-          <a:lnRef idx="2">
-            <a:schemeClr val="accent1">
-              <a:shade val="50000"/>
-            </a:schemeClr>
-          </a:lnRef>
-          <a:fillRef idx="1">
-            <a:schemeClr val="accent1"/>
-          </a:fillRef>
-          <a:effectRef idx="0">
-            <a:schemeClr val="accent1"/>
-          </a:effectRef>
-          <a:fontRef idx="minor">
-            <a:schemeClr val="lt1"/>
-          </a:fontRef>
-        </p:style>
-        <p:txBody>
-          <a:bodyPr rtlCol="0" anchor="ctr"/>
-          <a:lstStyle/>
-          <a:p>
-            <a:pPr algn="ctr"/>
-            <a:r>
-              <a:rPr lang="en-US" sz="2400"/>
-              <a:t>PEDIDO PRONTO ERP</a:t>
-            </a:r>
-          </a:p>
-        </p:txBody>
-      </p:sp>
-      <p:sp>
-        <p:nvSpPr>
-          <p:cNvPr id="80" name="Rounded Rectangle 79"/>
-          <p:cNvSpPr/>
-          <p:nvPr/>
-        </p:nvSpPr>
-        <p:spPr>
-          <a:xfrm>
-            <a:off x="1268413" y="1900238"/>
-            <a:ext cx="2938462" cy="1572867"/>
-          </a:xfrm>
-          <a:prstGeom prst="roundRect">
-            <a:avLst/>
-          </a:prstGeom>
           <a:solidFill>
-            <a:schemeClr val="accent2"/>
+            <a:schemeClr val="bg1"/>
           </a:solidFill>
+          <a:ln>
+            <a:solidFill>
+              <a:srgbClr val="FF0000"/>
+            </a:solidFill>
+          </a:ln>
         </p:spPr>
         <p:style>
           <a:lnRef idx="2">
@@ -8903,844 +12636,216 @@
         </p:nvSpPr>
         <p:spPr>
           <a:xfrm>
-            <a:off x="2125223" y="2149349"/>
-            <a:ext cx="1214903" cy="1065971"/>
+            <a:off x="1578386" y="4732862"/>
+            <a:ext cx="395288" cy="260073"/>
           </a:xfrm>
           <a:prstGeom prst="cube">
             <a:avLst/>
           </a:prstGeom>
-        </p:spPr>
-        <p:style>
-          <a:lnRef idx="2">
-            <a:schemeClr val="accent1">
-              <a:shade val="50000"/>
-            </a:schemeClr>
-          </a:lnRef>
-          <a:fillRef idx="1">
-            <a:schemeClr val="accent1"/>
-          </a:fillRef>
-          <a:effectRef idx="0">
-            <a:schemeClr val="accent1"/>
-          </a:effectRef>
-          <a:fontRef idx="minor">
-            <a:schemeClr val="lt1"/>
-          </a:fontRef>
-        </p:style>
-        <p:txBody>
-          <a:bodyPr rtlCol="0" anchor="ctr"/>
-          <a:lstStyle/>
-          <a:p>
-            <a:pPr algn="ctr"/>
-            <a:r>
-              <a:rPr lang="en-US" sz="4800"/>
-              <a:t>O1</a:t>
-            </a:r>
-          </a:p>
-        </p:txBody>
-      </p:sp>
-      <p:sp>
-        <p:nvSpPr>
-          <p:cNvPr id="82" name="Left Arrow 81"/>
-          <p:cNvSpPr/>
-          <p:nvPr/>
-        </p:nvSpPr>
-        <p:spPr>
-          <a:xfrm>
-            <a:off x="4349750" y="4037013"/>
-            <a:ext cx="3674510" cy="1204912"/>
-          </a:xfrm>
-          <a:prstGeom prst="leftArrow">
-            <a:avLst/>
-          </a:prstGeom>
-        </p:spPr>
-        <p:style>
-          <a:lnRef idx="2">
-            <a:schemeClr val="accent1">
-              <a:shade val="50000"/>
-            </a:schemeClr>
-          </a:lnRef>
-          <a:fillRef idx="1">
-            <a:schemeClr val="accent1"/>
-          </a:fillRef>
-          <a:effectRef idx="0">
-            <a:schemeClr val="accent1"/>
-          </a:effectRef>
-          <a:fontRef idx="minor">
-            <a:schemeClr val="lt1"/>
-          </a:fontRef>
-        </p:style>
-        <p:txBody>
-          <a:bodyPr rtlCol="0" anchor="ctr"/>
-          <a:lstStyle/>
-          <a:p>
-            <a:pPr algn="ctr"/>
-            <a:r>
-              <a:rPr lang="en-US" sz="2400"/>
-              <a:t>PEDIDO PRONTO ERP</a:t>
-            </a:r>
-          </a:p>
-        </p:txBody>
-      </p:sp>
-      <p:sp>
-        <p:nvSpPr>
-          <p:cNvPr id="83" name="Rounded Rectangle 82"/>
-          <p:cNvSpPr/>
-          <p:nvPr/>
-        </p:nvSpPr>
-        <p:spPr>
-          <a:xfrm>
-            <a:off x="1292538" y="4248991"/>
-            <a:ext cx="2938462" cy="1746802"/>
-          </a:xfrm>
-          <a:prstGeom prst="roundRect">
-            <a:avLst/>
-          </a:prstGeom>
           <a:solidFill>
-            <a:schemeClr val="accent2"/>
+            <a:schemeClr val="bg1"/>
           </a:solidFill>
-        </p:spPr>
-        <p:style>
-          <a:lnRef idx="2">
-            <a:schemeClr val="accent1">
-              <a:shade val="50000"/>
-            </a:schemeClr>
-          </a:lnRef>
-          <a:fillRef idx="1">
-            <a:schemeClr val="accent1"/>
-          </a:fillRef>
-          <a:effectRef idx="0">
-            <a:schemeClr val="accent1"/>
-          </a:effectRef>
-          <a:fontRef idx="minor">
-            <a:schemeClr val="lt1"/>
-          </a:fontRef>
-        </p:style>
-        <p:txBody>
-          <a:bodyPr rtlCol="0" anchor="ctr"/>
-          <a:lstStyle/>
-          <a:p>
-            <a:pPr algn="ctr"/>
-            <a:endParaRPr lang="en-US"/>
-          </a:p>
-        </p:txBody>
-      </p:sp>
-      <p:sp>
-        <p:nvSpPr>
-          <p:cNvPr id="84" name="Cube 83"/>
-          <p:cNvSpPr/>
-          <p:nvPr/>
-        </p:nvSpPr>
-        <p:spPr>
-          <a:xfrm>
-            <a:off x="1640526" y="4795643"/>
-            <a:ext cx="2246637" cy="706437"/>
+          <a:ln>
+            <a:solidFill>
+              <a:srgbClr val="FF0000"/>
+            </a:solidFill>
+          </a:ln>
+        </p:spPr>
+        <p:style>
+          <a:lnRef idx="2">
+            <a:schemeClr val="accent1">
+              <a:shade val="50000"/>
+            </a:schemeClr>
+          </a:lnRef>
+          <a:fillRef idx="1">
+            <a:schemeClr val="accent1"/>
+          </a:fillRef>
+          <a:effectRef idx="0">
+            <a:schemeClr val="accent1"/>
+          </a:effectRef>
+          <a:fontRef idx="minor">
+            <a:schemeClr val="lt1"/>
+          </a:fontRef>
+        </p:style>
+        <p:txBody>
+          <a:bodyPr rtlCol="0" anchor="ctr"/>
+          <a:lstStyle/>
+          <a:p>
+            <a:pPr algn="ctr"/>
+            <a:endParaRPr lang="en-US"/>
+          </a:p>
+        </p:txBody>
+      </p:sp>
+      <p:sp>
+        <p:nvSpPr>
+          <p:cNvPr id="82" name="Cube 81"/>
+          <p:cNvSpPr/>
+          <p:nvPr/>
+        </p:nvSpPr>
+        <p:spPr>
+          <a:xfrm>
+            <a:off x="2212220" y="4360144"/>
+            <a:ext cx="385797" cy="271602"/>
           </a:xfrm>
           <a:prstGeom prst="cube">
             <a:avLst/>
           </a:prstGeom>
-        </p:spPr>
-        <p:style>
-          <a:lnRef idx="2">
-            <a:schemeClr val="accent1">
-              <a:shade val="50000"/>
-            </a:schemeClr>
-          </a:lnRef>
-          <a:fillRef idx="1">
-            <a:schemeClr val="accent1"/>
-          </a:fillRef>
-          <a:effectRef idx="0">
-            <a:schemeClr val="accent1"/>
-          </a:effectRef>
-          <a:fontRef idx="minor">
-            <a:schemeClr val="lt1"/>
-          </a:fontRef>
-        </p:style>
-        <p:txBody>
-          <a:bodyPr rtlCol="0" anchor="ctr"/>
-          <a:lstStyle/>
-          <a:p>
-            <a:pPr algn="ctr"/>
-            <a:r>
-              <a:rPr lang="en-US" sz="4800"/>
-              <a:t>02</a:t>
-            </a:r>
-          </a:p>
-        </p:txBody>
-      </p:sp>
-      <p:sp>
-        <p:nvSpPr>
-          <p:cNvPr id="11" name="Right Arrow 10"/>
-          <p:cNvSpPr/>
-          <p:nvPr/>
-        </p:nvSpPr>
-        <p:spPr>
-          <a:xfrm>
-            <a:off x="4437063" y="2682875"/>
-            <a:ext cx="3612325" cy="1093788"/>
-          </a:xfrm>
-          <a:prstGeom prst="rightArrow">
-            <a:avLst/>
-          </a:prstGeom>
-        </p:spPr>
-        <p:style>
-          <a:lnRef idx="2">
-            <a:schemeClr val="accent1">
-              <a:shade val="50000"/>
-            </a:schemeClr>
-          </a:lnRef>
-          <a:fillRef idx="1">
-            <a:schemeClr val="accent1"/>
-          </a:fillRef>
-          <a:effectRef idx="0">
-            <a:schemeClr val="accent1"/>
-          </a:effectRef>
-          <a:fontRef idx="minor">
-            <a:schemeClr val="lt1"/>
-          </a:fontRef>
-        </p:style>
-        <p:txBody>
-          <a:bodyPr rtlCol="0" anchor="ctr"/>
-          <a:lstStyle/>
-          <a:p>
-            <a:pPr algn="ctr"/>
-            <a:r>
-              <a:rPr lang="en-US" sz="2400"/>
-              <a:t>MANUSEANDO</a:t>
-            </a:r>
-          </a:p>
-        </p:txBody>
-      </p:sp>
-      <p:sp>
-        <p:nvSpPr>
-          <p:cNvPr id="85" name="Right Arrow 84"/>
-          <p:cNvSpPr/>
-          <p:nvPr/>
-        </p:nvSpPr>
-        <p:spPr>
-          <a:xfrm>
-            <a:off x="4411663" y="5106988"/>
-            <a:ext cx="3624753" cy="1092200"/>
-          </a:xfrm>
-          <a:prstGeom prst="rightArrow">
-            <a:avLst/>
-          </a:prstGeom>
-        </p:spPr>
-        <p:style>
-          <a:lnRef idx="2">
-            <a:schemeClr val="accent1">
-              <a:shade val="50000"/>
-            </a:schemeClr>
-          </a:lnRef>
-          <a:fillRef idx="1">
-            <a:schemeClr val="accent1"/>
-          </a:fillRef>
-          <a:effectRef idx="0">
-            <a:schemeClr val="accent1"/>
-          </a:effectRef>
-          <a:fontRef idx="minor">
-            <a:schemeClr val="lt1"/>
-          </a:fontRef>
-        </p:style>
-        <p:txBody>
-          <a:bodyPr rtlCol="0" anchor="ctr"/>
-          <a:lstStyle/>
-          <a:p>
-            <a:pPr algn="ctr"/>
-            <a:r>
-              <a:rPr lang="en-US" sz="2400"/>
-              <a:t>MANUSEANDO</a:t>
-            </a:r>
-          </a:p>
-        </p:txBody>
-      </p:sp>
-      <p:sp>
-        <p:nvSpPr>
-          <p:cNvPr id="12" name="Right Arrow 11"/>
-          <p:cNvSpPr/>
-          <p:nvPr/>
-        </p:nvSpPr>
-        <p:spPr>
-          <a:xfrm>
-            <a:off x="8973126" y="2907208"/>
-            <a:ext cx="517525" cy="659226"/>
-          </a:xfrm>
-          <a:prstGeom prst="rightArrow">
-            <a:avLst/>
-          </a:prstGeom>
-        </p:spPr>
-        <p:style>
-          <a:lnRef idx="2">
-            <a:schemeClr val="accent1">
-              <a:shade val="50000"/>
-            </a:schemeClr>
-          </a:lnRef>
-          <a:fillRef idx="1">
-            <a:schemeClr val="accent1"/>
-          </a:fillRef>
-          <a:effectRef idx="0">
-            <a:schemeClr val="accent1"/>
-          </a:effectRef>
-          <a:fontRef idx="minor">
-            <a:schemeClr val="lt1"/>
-          </a:fontRef>
-        </p:style>
-        <p:txBody>
-          <a:bodyPr rtlCol="0" anchor="ctr"/>
-          <a:lstStyle/>
-          <a:p>
-            <a:pPr algn="ctr"/>
-            <a:endParaRPr lang="en-US"/>
-          </a:p>
-        </p:txBody>
-      </p:sp>
-      <p:sp>
-        <p:nvSpPr>
-          <p:cNvPr id="13" name="Rectangle 12"/>
-          <p:cNvSpPr/>
-          <p:nvPr/>
-        </p:nvSpPr>
-        <p:spPr>
-          <a:xfrm>
-            <a:off x="8190153" y="3019023"/>
-            <a:ext cx="665162" cy="427244"/>
-          </a:xfrm>
-          <a:prstGeom prst="rect">
-            <a:avLst/>
-          </a:prstGeom>
           <a:solidFill>
-            <a:schemeClr val="accent1"/>
+            <a:srgbClr val="FFFF00"/>
           </a:solidFill>
-        </p:spPr>
-        <p:style>
-          <a:lnRef idx="2">
-            <a:schemeClr val="accent1">
-              <a:shade val="50000"/>
-            </a:schemeClr>
-          </a:lnRef>
-          <a:fillRef idx="1">
-            <a:schemeClr val="accent1"/>
-          </a:fillRef>
-          <a:effectRef idx="0">
-            <a:schemeClr val="accent1"/>
-          </a:effectRef>
-          <a:fontRef idx="minor">
-            <a:schemeClr val="lt1"/>
-          </a:fontRef>
-        </p:style>
-        <p:txBody>
-          <a:bodyPr rtlCol="0" anchor="ctr"/>
-          <a:lstStyle/>
-          <a:p>
-            <a:pPr algn="ctr"/>
-            <a:r>
-              <a:rPr lang="en-US" sz="2400"/>
-              <a:t>01</a:t>
-            </a:r>
-          </a:p>
-        </p:txBody>
-      </p:sp>
-      <p:sp>
-        <p:nvSpPr>
-          <p:cNvPr id="87" name="Rectangle 86"/>
-          <p:cNvSpPr/>
-          <p:nvPr/>
-        </p:nvSpPr>
-        <p:spPr>
-          <a:xfrm>
-            <a:off x="9606960" y="2994175"/>
-            <a:ext cx="666118" cy="454025"/>
-          </a:xfrm>
-          <a:prstGeom prst="rect">
+          <a:ln>
+            <a:solidFill>
+              <a:srgbClr val="FF0000"/>
+            </a:solidFill>
+          </a:ln>
+        </p:spPr>
+        <p:style>
+          <a:lnRef idx="2">
+            <a:schemeClr val="accent1">
+              <a:shade val="50000"/>
+            </a:schemeClr>
+          </a:lnRef>
+          <a:fillRef idx="1">
+            <a:schemeClr val="accent1"/>
+          </a:fillRef>
+          <a:effectRef idx="0">
+            <a:schemeClr val="accent1"/>
+          </a:effectRef>
+          <a:fontRef idx="minor">
+            <a:schemeClr val="lt1"/>
+          </a:fontRef>
+        </p:style>
+        <p:txBody>
+          <a:bodyPr rtlCol="0" anchor="ctr"/>
+          <a:lstStyle/>
+          <a:p>
+            <a:pPr algn="ctr"/>
+            <a:endParaRPr lang="en-US"/>
+          </a:p>
+        </p:txBody>
+      </p:sp>
+      <p:sp>
+        <p:nvSpPr>
+          <p:cNvPr id="83" name="Cube 82"/>
+          <p:cNvSpPr/>
+          <p:nvPr/>
+        </p:nvSpPr>
+        <p:spPr>
+          <a:xfrm>
+            <a:off x="2084511" y="4695590"/>
+            <a:ext cx="385797" cy="271602"/>
+          </a:xfrm>
+          <a:prstGeom prst="cube">
             <a:avLst/>
           </a:prstGeom>
           <a:solidFill>
-            <a:srgbClr val="92D050"/>
+            <a:srgbClr val="FFFF00"/>
           </a:solidFill>
-        </p:spPr>
-        <p:style>
-          <a:lnRef idx="2">
-            <a:schemeClr val="accent1">
-              <a:shade val="50000"/>
-            </a:schemeClr>
-          </a:lnRef>
-          <a:fillRef idx="1">
-            <a:schemeClr val="accent1"/>
-          </a:fillRef>
-          <a:effectRef idx="0">
-            <a:schemeClr val="accent1"/>
-          </a:effectRef>
-          <a:fontRef idx="minor">
-            <a:schemeClr val="lt1"/>
-          </a:fontRef>
-        </p:style>
-        <p:txBody>
-          <a:bodyPr rtlCol="0" anchor="ctr"/>
-          <a:lstStyle/>
-          <a:p>
-            <a:pPr algn="ctr"/>
-            <a:r>
-              <a:rPr lang="en-US" sz="2400"/>
-              <a:t>01</a:t>
-            </a:r>
-          </a:p>
-        </p:txBody>
-      </p:sp>
-      <p:sp>
-        <p:nvSpPr>
-          <p:cNvPr id="91" name="Rectangle 90"/>
-          <p:cNvSpPr/>
-          <p:nvPr/>
-        </p:nvSpPr>
-        <p:spPr>
-          <a:xfrm>
-            <a:off x="8413750" y="522288"/>
-            <a:ext cx="343084" cy="403363"/>
-          </a:xfrm>
-          <a:prstGeom prst="rect">
-            <a:avLst/>
-          </a:prstGeom>
-        </p:spPr>
-        <p:style>
-          <a:lnRef idx="2">
-            <a:schemeClr val="accent1">
-              <a:shade val="50000"/>
-            </a:schemeClr>
-          </a:lnRef>
-          <a:fillRef idx="1">
-            <a:schemeClr val="accent1"/>
-          </a:fillRef>
-          <a:effectRef idx="0">
-            <a:schemeClr val="accent1"/>
-          </a:effectRef>
-          <a:fontRef idx="minor">
-            <a:schemeClr val="lt1"/>
-          </a:fontRef>
-        </p:style>
-        <p:txBody>
-          <a:bodyPr rtlCol="0" anchor="ctr"/>
-          <a:lstStyle/>
-          <a:p>
-            <a:pPr algn="ctr"/>
-            <a:endParaRPr lang="en-US"/>
-          </a:p>
-        </p:txBody>
-      </p:sp>
-      <p:sp>
-        <p:nvSpPr>
-          <p:cNvPr id="101" name="Rectangle 100"/>
-          <p:cNvSpPr/>
-          <p:nvPr/>
-        </p:nvSpPr>
-        <p:spPr>
-          <a:xfrm>
-            <a:off x="8177725" y="5454110"/>
-            <a:ext cx="665162" cy="427244"/>
-          </a:xfrm>
-          <a:prstGeom prst="rect">
-            <a:avLst/>
-          </a:prstGeom>
-          <a:solidFill>
-            <a:schemeClr val="accent1"/>
-          </a:solidFill>
-        </p:spPr>
-        <p:style>
-          <a:lnRef idx="2">
-            <a:schemeClr val="accent1">
-              <a:shade val="50000"/>
-            </a:schemeClr>
-          </a:lnRef>
-          <a:fillRef idx="1">
-            <a:schemeClr val="accent1"/>
-          </a:fillRef>
-          <a:effectRef idx="0">
-            <a:schemeClr val="accent1"/>
-          </a:effectRef>
-          <a:fontRef idx="minor">
-            <a:schemeClr val="lt1"/>
-          </a:fontRef>
-        </p:style>
-        <p:txBody>
-          <a:bodyPr rtlCol="0" anchor="ctr"/>
-          <a:lstStyle/>
-          <a:p>
-            <a:pPr algn="ctr"/>
-            <a:r>
-              <a:rPr lang="en-US" sz="2400"/>
-              <a:t>02</a:t>
-            </a:r>
-          </a:p>
-        </p:txBody>
-      </p:sp>
-      <p:sp>
-        <p:nvSpPr>
-          <p:cNvPr id="102" name="Right Arrow 101"/>
-          <p:cNvSpPr/>
-          <p:nvPr/>
-        </p:nvSpPr>
-        <p:spPr>
-          <a:xfrm>
-            <a:off x="8935841" y="5354719"/>
-            <a:ext cx="517525" cy="659226"/>
-          </a:xfrm>
-          <a:prstGeom prst="rightArrow">
-            <a:avLst/>
-          </a:prstGeom>
-        </p:spPr>
-        <p:style>
-          <a:lnRef idx="2">
-            <a:schemeClr val="accent1">
-              <a:shade val="50000"/>
-            </a:schemeClr>
-          </a:lnRef>
-          <a:fillRef idx="1">
-            <a:schemeClr val="accent1"/>
-          </a:fillRef>
-          <a:effectRef idx="0">
-            <a:schemeClr val="accent1"/>
-          </a:effectRef>
-          <a:fontRef idx="minor">
-            <a:schemeClr val="lt1"/>
-          </a:fontRef>
-        </p:style>
-        <p:txBody>
-          <a:bodyPr rtlCol="0" anchor="ctr"/>
-          <a:lstStyle/>
-          <a:p>
-            <a:pPr algn="ctr"/>
-            <a:endParaRPr lang="en-US"/>
-          </a:p>
-        </p:txBody>
-      </p:sp>
-      <p:sp>
-        <p:nvSpPr>
-          <p:cNvPr id="103" name="Rectangle 102"/>
-          <p:cNvSpPr/>
-          <p:nvPr/>
-        </p:nvSpPr>
-        <p:spPr>
-          <a:xfrm>
-            <a:off x="9544820" y="5429262"/>
-            <a:ext cx="666118" cy="454025"/>
-          </a:xfrm>
-          <a:prstGeom prst="rect">
-            <a:avLst/>
-          </a:prstGeom>
-          <a:solidFill>
-            <a:srgbClr val="92D050"/>
-          </a:solidFill>
-        </p:spPr>
-        <p:style>
-          <a:lnRef idx="2">
-            <a:schemeClr val="accent1">
-              <a:shade val="50000"/>
-            </a:schemeClr>
-          </a:lnRef>
-          <a:fillRef idx="1">
-            <a:schemeClr val="accent1"/>
-          </a:fillRef>
-          <a:effectRef idx="0">
-            <a:schemeClr val="accent1"/>
-          </a:effectRef>
-          <a:fontRef idx="minor">
-            <a:schemeClr val="lt1"/>
-          </a:fontRef>
-        </p:style>
-        <p:txBody>
-          <a:bodyPr rtlCol="0" anchor="ctr"/>
-          <a:lstStyle/>
-          <a:p>
-            <a:pPr algn="ctr"/>
-            <a:r>
-              <a:rPr lang="en-US" sz="2400"/>
-              <a:t>02</a:t>
-            </a:r>
-          </a:p>
-        </p:txBody>
-      </p:sp>
-      <p:sp>
-        <p:nvSpPr>
-          <p:cNvPr id="104" name="Rectangle 103"/>
-          <p:cNvSpPr/>
-          <p:nvPr/>
-        </p:nvSpPr>
-        <p:spPr>
-          <a:xfrm>
-            <a:off x="8584923" y="708163"/>
-            <a:ext cx="343084" cy="403363"/>
-          </a:xfrm>
-          <a:prstGeom prst="rect">
-            <a:avLst/>
-          </a:prstGeom>
-        </p:spPr>
-        <p:style>
-          <a:lnRef idx="2">
-            <a:schemeClr val="accent1">
-              <a:shade val="50000"/>
-            </a:schemeClr>
-          </a:lnRef>
-          <a:fillRef idx="1">
-            <a:schemeClr val="accent1"/>
-          </a:fillRef>
-          <a:effectRef idx="0">
-            <a:schemeClr val="accent1"/>
-          </a:effectRef>
-          <a:fontRef idx="minor">
-            <a:schemeClr val="lt1"/>
-          </a:fontRef>
-        </p:style>
-        <p:txBody>
-          <a:bodyPr rtlCol="0" anchor="ctr"/>
-          <a:lstStyle/>
-          <a:p>
-            <a:pPr algn="ctr"/>
-            <a:endParaRPr lang="en-US"/>
-          </a:p>
-        </p:txBody>
-      </p:sp>
-      <p:sp>
-        <p:nvSpPr>
-          <p:cNvPr id="105" name="Rectangle 104"/>
-          <p:cNvSpPr/>
-          <p:nvPr/>
-        </p:nvSpPr>
-        <p:spPr>
-          <a:xfrm>
-            <a:off x="8771282" y="894521"/>
-            <a:ext cx="343084" cy="403363"/>
-          </a:xfrm>
-          <a:prstGeom prst="rect">
-            <a:avLst/>
-          </a:prstGeom>
-        </p:spPr>
-        <p:style>
-          <a:lnRef idx="2">
-            <a:schemeClr val="accent1">
-              <a:shade val="50000"/>
-            </a:schemeClr>
-          </a:lnRef>
-          <a:fillRef idx="1">
-            <a:schemeClr val="accent1"/>
-          </a:fillRef>
-          <a:effectRef idx="0">
-            <a:schemeClr val="accent1"/>
-          </a:effectRef>
-          <a:fontRef idx="minor">
-            <a:schemeClr val="lt1"/>
-          </a:fontRef>
-        </p:style>
-        <p:txBody>
-          <a:bodyPr rtlCol="0" anchor="ctr"/>
-          <a:lstStyle/>
-          <a:p>
-            <a:pPr algn="ctr"/>
-            <a:endParaRPr lang="en-US"/>
-          </a:p>
-        </p:txBody>
-      </p:sp>
-      <p:sp>
-        <p:nvSpPr>
-          <p:cNvPr id="106" name="Rectangle 105"/>
-          <p:cNvSpPr/>
-          <p:nvPr/>
-        </p:nvSpPr>
-        <p:spPr>
-          <a:xfrm>
-            <a:off x="9184404" y="496969"/>
-            <a:ext cx="343084" cy="403363"/>
-          </a:xfrm>
-          <a:prstGeom prst="rect">
-            <a:avLst/>
-          </a:prstGeom>
-        </p:spPr>
-        <p:style>
-          <a:lnRef idx="2">
-            <a:schemeClr val="accent1">
-              <a:shade val="50000"/>
-            </a:schemeClr>
-          </a:lnRef>
-          <a:fillRef idx="1">
-            <a:schemeClr val="accent1"/>
-          </a:fillRef>
-          <a:effectRef idx="0">
-            <a:schemeClr val="accent1"/>
-          </a:effectRef>
-          <a:fontRef idx="minor">
-            <a:schemeClr val="lt1"/>
-          </a:fontRef>
-        </p:style>
-        <p:txBody>
-          <a:bodyPr rtlCol="0" anchor="ctr"/>
-          <a:lstStyle/>
-          <a:p>
-            <a:pPr algn="ctr"/>
-            <a:endParaRPr lang="en-US"/>
-          </a:p>
-        </p:txBody>
-      </p:sp>
-      <p:sp>
-        <p:nvSpPr>
-          <p:cNvPr id="107" name="Rectangle 106"/>
-          <p:cNvSpPr/>
-          <p:nvPr/>
-        </p:nvSpPr>
-        <p:spPr>
-          <a:xfrm>
-            <a:off x="9367630" y="683315"/>
-            <a:ext cx="343084" cy="403363"/>
-          </a:xfrm>
-          <a:prstGeom prst="rect">
-            <a:avLst/>
-          </a:prstGeom>
-        </p:spPr>
-        <p:style>
-          <a:lnRef idx="2">
-            <a:schemeClr val="accent1">
-              <a:shade val="50000"/>
-            </a:schemeClr>
-          </a:lnRef>
-          <a:fillRef idx="1">
-            <a:schemeClr val="accent1"/>
-          </a:fillRef>
-          <a:effectRef idx="0">
-            <a:schemeClr val="accent1"/>
-          </a:effectRef>
-          <a:fontRef idx="minor">
-            <a:schemeClr val="lt1"/>
-          </a:fontRef>
-        </p:style>
-        <p:txBody>
-          <a:bodyPr rtlCol="0" anchor="ctr"/>
-          <a:lstStyle/>
-          <a:p>
-            <a:pPr algn="ctr"/>
-            <a:endParaRPr lang="en-US"/>
-          </a:p>
-        </p:txBody>
-      </p:sp>
-      <p:sp>
-        <p:nvSpPr>
-          <p:cNvPr id="108" name="Rectangle 107"/>
-          <p:cNvSpPr/>
-          <p:nvPr/>
-        </p:nvSpPr>
-        <p:spPr>
-          <a:xfrm>
-            <a:off x="9553989" y="869673"/>
-            <a:ext cx="343084" cy="403363"/>
-          </a:xfrm>
-          <a:prstGeom prst="rect">
-            <a:avLst/>
-          </a:prstGeom>
-        </p:spPr>
-        <p:style>
-          <a:lnRef idx="2">
-            <a:schemeClr val="accent1">
-              <a:shade val="50000"/>
-            </a:schemeClr>
-          </a:lnRef>
-          <a:fillRef idx="1">
-            <a:schemeClr val="accent1"/>
-          </a:fillRef>
-          <a:effectRef idx="0">
-            <a:schemeClr val="accent1"/>
-          </a:effectRef>
-          <a:fontRef idx="minor">
-            <a:schemeClr val="lt1"/>
-          </a:fontRef>
-        </p:style>
-        <p:txBody>
-          <a:bodyPr rtlCol="0" anchor="ctr"/>
-          <a:lstStyle/>
-          <a:p>
-            <a:pPr algn="ctr"/>
-            <a:endParaRPr lang="en-US"/>
-          </a:p>
-        </p:txBody>
-      </p:sp>
-      <p:sp>
-        <p:nvSpPr>
-          <p:cNvPr id="110" name="Rectangle 109"/>
-          <p:cNvSpPr/>
-          <p:nvPr/>
-        </p:nvSpPr>
-        <p:spPr>
-          <a:xfrm>
-            <a:off x="8302006" y="2112078"/>
-            <a:ext cx="343084" cy="403363"/>
-          </a:xfrm>
-          <a:prstGeom prst="rect">
-            <a:avLst/>
-          </a:prstGeom>
-        </p:spPr>
-        <p:style>
-          <a:lnRef idx="2">
-            <a:schemeClr val="accent1">
-              <a:shade val="50000"/>
-            </a:schemeClr>
-          </a:lnRef>
-          <a:fillRef idx="1">
-            <a:schemeClr val="accent1"/>
-          </a:fillRef>
-          <a:effectRef idx="0">
-            <a:schemeClr val="accent1"/>
-          </a:effectRef>
-          <a:fontRef idx="minor">
-            <a:schemeClr val="lt1"/>
-          </a:fontRef>
-        </p:style>
-        <p:txBody>
-          <a:bodyPr rtlCol="0" anchor="ctr"/>
-          <a:lstStyle/>
-          <a:p>
-            <a:pPr algn="ctr"/>
-            <a:endParaRPr lang="en-US"/>
-          </a:p>
-        </p:txBody>
-      </p:sp>
-      <p:sp>
-        <p:nvSpPr>
-          <p:cNvPr id="111" name="Rectangle 110"/>
-          <p:cNvSpPr/>
-          <p:nvPr/>
-        </p:nvSpPr>
-        <p:spPr>
-          <a:xfrm>
-            <a:off x="8202581" y="4460197"/>
-            <a:ext cx="343084" cy="403363"/>
-          </a:xfrm>
-          <a:prstGeom prst="rect">
-            <a:avLst/>
-          </a:prstGeom>
-        </p:spPr>
-        <p:style>
-          <a:lnRef idx="2">
-            <a:schemeClr val="accent1">
-              <a:shade val="50000"/>
-            </a:schemeClr>
-          </a:lnRef>
-          <a:fillRef idx="1">
-            <a:schemeClr val="accent1"/>
-          </a:fillRef>
-          <a:effectRef idx="0">
-            <a:schemeClr val="accent1"/>
-          </a:effectRef>
-          <a:fontRef idx="minor">
-            <a:schemeClr val="lt1"/>
-          </a:fontRef>
-        </p:style>
-        <p:txBody>
-          <a:bodyPr rtlCol="0" anchor="ctr"/>
-          <a:lstStyle/>
-          <a:p>
-            <a:pPr algn="ctr"/>
-            <a:endParaRPr lang="en-US"/>
-          </a:p>
-        </p:txBody>
-      </p:sp>
+          <a:ln>
+            <a:solidFill>
+              <a:srgbClr val="FF0000"/>
+            </a:solidFill>
+          </a:ln>
+        </p:spPr>
+        <p:style>
+          <a:lnRef idx="2">
+            <a:schemeClr val="accent1">
+              <a:shade val="50000"/>
+            </a:schemeClr>
+          </a:lnRef>
+          <a:fillRef idx="1">
+            <a:schemeClr val="accent1"/>
+          </a:fillRef>
+          <a:effectRef idx="0">
+            <a:schemeClr val="accent1"/>
+          </a:effectRef>
+          <a:fontRef idx="minor">
+            <a:schemeClr val="lt1"/>
+          </a:fontRef>
+        </p:style>
+        <p:txBody>
+          <a:bodyPr rtlCol="0" anchor="ctr"/>
+          <a:lstStyle/>
+          <a:p>
+            <a:pPr algn="ctr"/>
+            <a:endParaRPr lang="en-US"/>
+          </a:p>
+        </p:txBody>
+      </p:sp>
+      <p:cxnSp>
+        <p:nvCxnSpPr>
+          <p:cNvPr id="170" name="Conector reto 169"/>
+          <p:cNvCxnSpPr/>
+          <p:nvPr/>
+        </p:nvCxnSpPr>
+        <p:spPr>
+          <a:xfrm>
+            <a:off x="1698171" y="5715000"/>
+            <a:ext cx="195943" cy="351064"/>
+          </a:xfrm>
+          <a:prstGeom prst="line">
+            <a:avLst/>
+          </a:prstGeom>
+          <a:ln w="76200">
+            <a:solidFill>
+              <a:srgbClr val="00B050"/>
+            </a:solidFill>
+          </a:ln>
+        </p:spPr>
+        <p:style>
+          <a:lnRef idx="1">
+            <a:schemeClr val="accent1"/>
+          </a:lnRef>
+          <a:fillRef idx="0">
+            <a:schemeClr val="accent1"/>
+          </a:fillRef>
+          <a:effectRef idx="0">
+            <a:schemeClr val="accent1"/>
+          </a:effectRef>
+          <a:fontRef idx="minor">
+            <a:schemeClr val="tx1"/>
+          </a:fontRef>
+        </p:style>
+      </p:cxnSp>
+      <p:cxnSp>
+        <p:nvCxnSpPr>
+          <p:cNvPr id="173" name="Conector reto 172"/>
+          <p:cNvCxnSpPr/>
+          <p:nvPr/>
+        </p:nvCxnSpPr>
+        <p:spPr>
+          <a:xfrm flipV="1">
+            <a:off x="1869621" y="5600701"/>
+            <a:ext cx="277586" cy="481692"/>
+          </a:xfrm>
+          <a:prstGeom prst="line">
+            <a:avLst/>
+          </a:prstGeom>
+          <a:ln w="76200">
+            <a:solidFill>
+              <a:srgbClr val="00B050"/>
+            </a:solidFill>
+          </a:ln>
+        </p:spPr>
+        <p:style>
+          <a:lnRef idx="1">
+            <a:schemeClr val="accent1"/>
+          </a:lnRef>
+          <a:fillRef idx="0">
+            <a:schemeClr val="accent1"/>
+          </a:fillRef>
+          <a:effectRef idx="0">
+            <a:schemeClr val="accent1"/>
+          </a:effectRef>
+          <a:fontRef idx="minor">
+            <a:schemeClr val="tx1"/>
+          </a:fontRef>
+        </p:style>
+      </p:cxnSp>
     </p:spTree>
     <p:extLst>
       <p:ext uri="{BB962C8B-B14F-4D97-AF65-F5344CB8AC3E}">
-        <p14:creationId xmlns:p14="http://schemas.microsoft.com/office/powerpoint/2010/main" xmlns="" val="2653181294"/>
+        <p14:creationId xmlns="" xmlns:p14="http://schemas.microsoft.com/office/powerpoint/2010/main" val="4157082590"/>
       </p:ext>
     </p:extLst>
   </p:cSld>
@@ -9822,8 +12927,8 @@
         </p:nvSpPr>
         <p:spPr>
           <a:xfrm>
-            <a:off x="7966697" y="249238"/>
-            <a:ext cx="2429841" cy="6281737"/>
+            <a:off x="8078876" y="249238"/>
+            <a:ext cx="2317662" cy="6281737"/>
           </a:xfrm>
           <a:prstGeom prst="rect">
             <a:avLst/>
@@ -9931,14 +13036,57 @@
       </p:sp>
       <p:sp>
         <p:nvSpPr>
-          <p:cNvPr id="80" name="Rounded Rectangle 79"/>
-          <p:cNvSpPr/>
-          <p:nvPr/>
-        </p:nvSpPr>
-        <p:spPr>
-          <a:xfrm>
-            <a:off x="1217613" y="471488"/>
-            <a:ext cx="2938462" cy="2132151"/>
+          <p:cNvPr id="2" name="Left Arrow 1"/>
+          <p:cNvSpPr/>
+          <p:nvPr/>
+        </p:nvSpPr>
+        <p:spPr>
+          <a:xfrm>
+            <a:off x="4424363" y="236538"/>
+            <a:ext cx="3562656" cy="1204912"/>
+          </a:xfrm>
+          <a:prstGeom prst="leftArrow">
+            <a:avLst/>
+          </a:prstGeom>
+        </p:spPr>
+        <p:style>
+          <a:lnRef idx="2">
+            <a:schemeClr val="accent1">
+              <a:shade val="50000"/>
+            </a:schemeClr>
+          </a:lnRef>
+          <a:fillRef idx="1">
+            <a:schemeClr val="accent1"/>
+          </a:fillRef>
+          <a:effectRef idx="0">
+            <a:schemeClr val="accent1"/>
+          </a:effectRef>
+          <a:fontRef idx="minor">
+            <a:schemeClr val="lt1"/>
+          </a:fontRef>
+        </p:style>
+        <p:txBody>
+          <a:bodyPr rtlCol="0" anchor="ctr"/>
+          <a:lstStyle/>
+          <a:p>
+            <a:pPr algn="ctr"/>
+            <a:r>
+              <a:rPr lang="en-US" sz="2400"/>
+              <a:t>PRONTOS ERP</a:t>
+            </a:r>
+          </a:p>
+        </p:txBody>
+      </p:sp>
+      <p:sp>
+        <p:nvSpPr>
+          <p:cNvPr id="5" name="Rounded Rectangle 4"/>
+          <p:cNvSpPr/>
+          <p:nvPr/>
+        </p:nvSpPr>
+        <p:spPr>
+          <a:xfrm>
+            <a:off x="1230706" y="347802"/>
+            <a:ext cx="2939657" cy="1200011"/>
           </a:xfrm>
           <a:prstGeom prst="roundRect">
             <a:avLst/>
@@ -9974,14 +13122,358 @@
       </p:sp>
       <p:sp>
         <p:nvSpPr>
+          <p:cNvPr id="7" name="Cube 6"/>
+          <p:cNvSpPr/>
+          <p:nvPr/>
+        </p:nvSpPr>
+        <p:spPr>
+          <a:xfrm>
+            <a:off x="1330325" y="460375"/>
+            <a:ext cx="656041" cy="457477"/>
+          </a:xfrm>
+          <a:prstGeom prst="cube">
+            <a:avLst/>
+          </a:prstGeom>
+        </p:spPr>
+        <p:style>
+          <a:lnRef idx="2">
+            <a:schemeClr val="accent1">
+              <a:shade val="50000"/>
+            </a:schemeClr>
+          </a:lnRef>
+          <a:fillRef idx="1">
+            <a:schemeClr val="accent1"/>
+          </a:fillRef>
+          <a:effectRef idx="0">
+            <a:schemeClr val="accent1"/>
+          </a:effectRef>
+          <a:fontRef idx="minor">
+            <a:schemeClr val="lt1"/>
+          </a:fontRef>
+        </p:style>
+        <p:txBody>
+          <a:bodyPr rtlCol="0" anchor="ctr"/>
+          <a:lstStyle/>
+          <a:p>
+            <a:pPr algn="ctr"/>
+            <a:r>
+              <a:rPr lang="en-US"/>
+              <a:t>O1</a:t>
+            </a:r>
+          </a:p>
+        </p:txBody>
+      </p:sp>
+      <p:sp>
+        <p:nvSpPr>
+          <p:cNvPr id="74" name="Cube 73"/>
+          <p:cNvSpPr/>
+          <p:nvPr/>
+        </p:nvSpPr>
+        <p:spPr>
+          <a:xfrm>
+            <a:off x="1677811" y="757871"/>
+            <a:ext cx="656041" cy="457477"/>
+          </a:xfrm>
+          <a:prstGeom prst="cube">
+            <a:avLst/>
+          </a:prstGeom>
+        </p:spPr>
+        <p:style>
+          <a:lnRef idx="2">
+            <a:schemeClr val="accent1">
+              <a:shade val="50000"/>
+            </a:schemeClr>
+          </a:lnRef>
+          <a:fillRef idx="1">
+            <a:schemeClr val="accent1"/>
+          </a:fillRef>
+          <a:effectRef idx="0">
+            <a:schemeClr val="accent1"/>
+          </a:effectRef>
+          <a:fontRef idx="minor">
+            <a:schemeClr val="lt1"/>
+          </a:fontRef>
+        </p:style>
+        <p:txBody>
+          <a:bodyPr rtlCol="0" anchor="ctr"/>
+          <a:lstStyle/>
+          <a:p>
+            <a:pPr algn="ctr"/>
+            <a:r>
+              <a:rPr lang="en-US"/>
+              <a:t>02</a:t>
+            </a:r>
+          </a:p>
+        </p:txBody>
+      </p:sp>
+      <p:sp>
+        <p:nvSpPr>
+          <p:cNvPr id="75" name="Cube 74"/>
+          <p:cNvSpPr/>
+          <p:nvPr/>
+        </p:nvSpPr>
+        <p:spPr>
+          <a:xfrm>
+            <a:off x="2063083" y="1031197"/>
+            <a:ext cx="656041" cy="457477"/>
+          </a:xfrm>
+          <a:prstGeom prst="cube">
+            <a:avLst/>
+          </a:prstGeom>
+        </p:spPr>
+        <p:style>
+          <a:lnRef idx="2">
+            <a:schemeClr val="accent1">
+              <a:shade val="50000"/>
+            </a:schemeClr>
+          </a:lnRef>
+          <a:fillRef idx="1">
+            <a:schemeClr val="accent1"/>
+          </a:fillRef>
+          <a:effectRef idx="0">
+            <a:schemeClr val="accent1"/>
+          </a:effectRef>
+          <a:fontRef idx="minor">
+            <a:schemeClr val="lt1"/>
+          </a:fontRef>
+        </p:style>
+        <p:txBody>
+          <a:bodyPr rtlCol="0" anchor="ctr"/>
+          <a:lstStyle/>
+          <a:p>
+            <a:pPr algn="ctr"/>
+            <a:r>
+              <a:rPr lang="en-US"/>
+              <a:t>03</a:t>
+            </a:r>
+          </a:p>
+        </p:txBody>
+      </p:sp>
+      <p:sp>
+        <p:nvSpPr>
+          <p:cNvPr id="76" name="Cube 75"/>
+          <p:cNvSpPr/>
+          <p:nvPr/>
+        </p:nvSpPr>
+        <p:spPr>
+          <a:xfrm>
+            <a:off x="2734202" y="422425"/>
+            <a:ext cx="656041" cy="457477"/>
+          </a:xfrm>
+          <a:prstGeom prst="cube">
+            <a:avLst/>
+          </a:prstGeom>
+        </p:spPr>
+        <p:style>
+          <a:lnRef idx="2">
+            <a:schemeClr val="accent1">
+              <a:shade val="50000"/>
+            </a:schemeClr>
+          </a:lnRef>
+          <a:fillRef idx="1">
+            <a:schemeClr val="accent1"/>
+          </a:fillRef>
+          <a:effectRef idx="0">
+            <a:schemeClr val="accent1"/>
+          </a:effectRef>
+          <a:fontRef idx="minor">
+            <a:schemeClr val="lt1"/>
+          </a:fontRef>
+        </p:style>
+        <p:txBody>
+          <a:bodyPr rtlCol="0" anchor="ctr"/>
+          <a:lstStyle/>
+          <a:p>
+            <a:pPr algn="ctr"/>
+            <a:r>
+              <a:rPr lang="en-US"/>
+              <a:t>04</a:t>
+            </a:r>
+          </a:p>
+        </p:txBody>
+      </p:sp>
+      <p:sp>
+        <p:nvSpPr>
+          <p:cNvPr id="77" name="Cube 76"/>
+          <p:cNvSpPr/>
+          <p:nvPr/>
+        </p:nvSpPr>
+        <p:spPr>
+          <a:xfrm>
+            <a:off x="3032477" y="770295"/>
+            <a:ext cx="656041" cy="457477"/>
+          </a:xfrm>
+          <a:prstGeom prst="cube">
+            <a:avLst/>
+          </a:prstGeom>
+        </p:spPr>
+        <p:style>
+          <a:lnRef idx="2">
+            <a:schemeClr val="accent1">
+              <a:shade val="50000"/>
+            </a:schemeClr>
+          </a:lnRef>
+          <a:fillRef idx="1">
+            <a:schemeClr val="accent1"/>
+          </a:fillRef>
+          <a:effectRef idx="0">
+            <a:schemeClr val="accent1"/>
+          </a:effectRef>
+          <a:fontRef idx="minor">
+            <a:schemeClr val="lt1"/>
+          </a:fontRef>
+        </p:style>
+        <p:txBody>
+          <a:bodyPr rtlCol="0" anchor="ctr"/>
+          <a:lstStyle/>
+          <a:p>
+            <a:pPr algn="ctr"/>
+            <a:r>
+              <a:rPr lang="en-US"/>
+              <a:t>O6</a:t>
+            </a:r>
+          </a:p>
+        </p:txBody>
+      </p:sp>
+      <p:sp>
+        <p:nvSpPr>
+          <p:cNvPr id="78" name="Cube 77"/>
+          <p:cNvSpPr/>
+          <p:nvPr/>
+        </p:nvSpPr>
+        <p:spPr>
+          <a:xfrm>
+            <a:off x="3392893" y="1031197"/>
+            <a:ext cx="656041" cy="457477"/>
+          </a:xfrm>
+          <a:prstGeom prst="cube">
+            <a:avLst/>
+          </a:prstGeom>
+        </p:spPr>
+        <p:style>
+          <a:lnRef idx="2">
+            <a:schemeClr val="accent1">
+              <a:shade val="50000"/>
+            </a:schemeClr>
+          </a:lnRef>
+          <a:fillRef idx="1">
+            <a:schemeClr val="accent1"/>
+          </a:fillRef>
+          <a:effectRef idx="0">
+            <a:schemeClr val="accent1"/>
+          </a:effectRef>
+          <a:fontRef idx="minor">
+            <a:schemeClr val="lt1"/>
+          </a:fontRef>
+        </p:style>
+        <p:txBody>
+          <a:bodyPr rtlCol="0" anchor="ctr"/>
+          <a:lstStyle/>
+          <a:p>
+            <a:pPr algn="ctr"/>
+            <a:r>
+              <a:rPr lang="en-US"/>
+              <a:t>07</a:t>
+            </a:r>
+          </a:p>
+        </p:txBody>
+      </p:sp>
+      <p:sp>
+        <p:nvSpPr>
+          <p:cNvPr id="79" name="Left Arrow 78"/>
+          <p:cNvSpPr/>
+          <p:nvPr/>
+        </p:nvSpPr>
+        <p:spPr>
+          <a:xfrm>
+            <a:off x="4398963" y="1727200"/>
+            <a:ext cx="3613956" cy="1204913"/>
+          </a:xfrm>
+          <a:prstGeom prst="leftArrow">
+            <a:avLst/>
+          </a:prstGeom>
+        </p:spPr>
+        <p:style>
+          <a:lnRef idx="2">
+            <a:schemeClr val="accent1">
+              <a:shade val="50000"/>
+            </a:schemeClr>
+          </a:lnRef>
+          <a:fillRef idx="1">
+            <a:schemeClr val="accent1"/>
+          </a:fillRef>
+          <a:effectRef idx="0">
+            <a:schemeClr val="accent1"/>
+          </a:effectRef>
+          <a:fontRef idx="minor">
+            <a:schemeClr val="lt1"/>
+          </a:fontRef>
+        </p:style>
+        <p:txBody>
+          <a:bodyPr rtlCol="0" anchor="ctr"/>
+          <a:lstStyle/>
+          <a:p>
+            <a:pPr algn="ctr"/>
+            <a:r>
+              <a:rPr lang="en-US" sz="2400"/>
+              <a:t>PEDIDO PRONTO ERP</a:t>
+            </a:r>
+          </a:p>
+        </p:txBody>
+      </p:sp>
+      <p:sp>
+        <p:nvSpPr>
+          <p:cNvPr id="80" name="Rounded Rectangle 79"/>
+          <p:cNvSpPr/>
+          <p:nvPr/>
+        </p:nvSpPr>
+        <p:spPr>
+          <a:xfrm>
+            <a:off x="1268413" y="1900238"/>
+            <a:ext cx="2938462" cy="1572867"/>
+          </a:xfrm>
+          <a:prstGeom prst="roundRect">
+            <a:avLst/>
+          </a:prstGeom>
+          <a:solidFill>
+            <a:schemeClr val="accent2"/>
+          </a:solidFill>
+        </p:spPr>
+        <p:style>
+          <a:lnRef idx="2">
+            <a:schemeClr val="accent1">
+              <a:shade val="50000"/>
+            </a:schemeClr>
+          </a:lnRef>
+          <a:fillRef idx="1">
+            <a:schemeClr val="accent1"/>
+          </a:fillRef>
+          <a:effectRef idx="0">
+            <a:schemeClr val="accent1"/>
+          </a:effectRef>
+          <a:fontRef idx="minor">
+            <a:schemeClr val="lt1"/>
+          </a:fontRef>
+        </p:style>
+        <p:txBody>
+          <a:bodyPr rtlCol="0" anchor="ctr"/>
+          <a:lstStyle/>
+          <a:p>
+            <a:pPr algn="ctr"/>
+            <a:endParaRPr lang="en-US"/>
+          </a:p>
+        </p:txBody>
+      </p:sp>
+      <p:sp>
+        <p:nvSpPr>
           <p:cNvPr id="81" name="Cube 80"/>
           <p:cNvSpPr/>
           <p:nvPr/>
         </p:nvSpPr>
         <p:spPr>
           <a:xfrm>
-            <a:off x="1950721" y="720725"/>
-            <a:ext cx="1402079" cy="1389616"/>
+            <a:off x="2125223" y="2149349"/>
+            <a:ext cx="1214903" cy="1065971"/>
           </a:xfrm>
           <a:prstGeom prst="cube">
             <a:avLst/>
@@ -10017,14 +13509,57 @@
       </p:sp>
       <p:sp>
         <p:nvSpPr>
+          <p:cNvPr id="82" name="Left Arrow 81"/>
+          <p:cNvSpPr/>
+          <p:nvPr/>
+        </p:nvSpPr>
+        <p:spPr>
+          <a:xfrm>
+            <a:off x="4349750" y="4037013"/>
+            <a:ext cx="3674510" cy="1204912"/>
+          </a:xfrm>
+          <a:prstGeom prst="leftArrow">
+            <a:avLst/>
+          </a:prstGeom>
+        </p:spPr>
+        <p:style>
+          <a:lnRef idx="2">
+            <a:schemeClr val="accent1">
+              <a:shade val="50000"/>
+            </a:schemeClr>
+          </a:lnRef>
+          <a:fillRef idx="1">
+            <a:schemeClr val="accent1"/>
+          </a:fillRef>
+          <a:effectRef idx="0">
+            <a:schemeClr val="accent1"/>
+          </a:effectRef>
+          <a:fontRef idx="minor">
+            <a:schemeClr val="lt1"/>
+          </a:fontRef>
+        </p:style>
+        <p:txBody>
+          <a:bodyPr rtlCol="0" anchor="ctr"/>
+          <a:lstStyle/>
+          <a:p>
+            <a:pPr algn="ctr"/>
+            <a:r>
+              <a:rPr lang="en-US" sz="2400"/>
+              <a:t>PEDIDO PRONTO ERP</a:t>
+            </a:r>
+          </a:p>
+        </p:txBody>
+      </p:sp>
+      <p:sp>
+        <p:nvSpPr>
           <p:cNvPr id="83" name="Rounded Rectangle 82"/>
           <p:cNvSpPr/>
           <p:nvPr/>
         </p:nvSpPr>
         <p:spPr>
           <a:xfrm>
-            <a:off x="1119188" y="3678169"/>
-            <a:ext cx="2938462" cy="2528956"/>
+            <a:off x="1292538" y="4248991"/>
+            <a:ext cx="2938462" cy="1746802"/>
           </a:xfrm>
           <a:prstGeom prst="roundRect">
             <a:avLst/>
@@ -10066,8 +13601,8 @@
         </p:nvSpPr>
         <p:spPr>
           <a:xfrm>
-            <a:off x="1317625" y="4186238"/>
-            <a:ext cx="2531703" cy="1489005"/>
+            <a:off x="1640526" y="4795643"/>
+            <a:ext cx="2246637" cy="706437"/>
           </a:xfrm>
           <a:prstGeom prst="cube">
             <a:avLst/>
@@ -10109,6 +13644,1040 @@
         </p:nvSpPr>
         <p:spPr>
           <a:xfrm>
+            <a:off x="4437063" y="2682875"/>
+            <a:ext cx="3612325" cy="1093788"/>
+          </a:xfrm>
+          <a:prstGeom prst="rightArrow">
+            <a:avLst/>
+          </a:prstGeom>
+        </p:spPr>
+        <p:style>
+          <a:lnRef idx="2">
+            <a:schemeClr val="accent1">
+              <a:shade val="50000"/>
+            </a:schemeClr>
+          </a:lnRef>
+          <a:fillRef idx="1">
+            <a:schemeClr val="accent1"/>
+          </a:fillRef>
+          <a:effectRef idx="0">
+            <a:schemeClr val="accent1"/>
+          </a:effectRef>
+          <a:fontRef idx="minor">
+            <a:schemeClr val="lt1"/>
+          </a:fontRef>
+        </p:style>
+        <p:txBody>
+          <a:bodyPr rtlCol="0" anchor="ctr"/>
+          <a:lstStyle/>
+          <a:p>
+            <a:pPr algn="ctr"/>
+            <a:r>
+              <a:rPr lang="en-US" sz="2400"/>
+              <a:t>MANUSEANDO</a:t>
+            </a:r>
+          </a:p>
+        </p:txBody>
+      </p:sp>
+      <p:sp>
+        <p:nvSpPr>
+          <p:cNvPr id="85" name="Right Arrow 84"/>
+          <p:cNvSpPr/>
+          <p:nvPr/>
+        </p:nvSpPr>
+        <p:spPr>
+          <a:xfrm>
+            <a:off x="4411663" y="5106988"/>
+            <a:ext cx="3624753" cy="1092200"/>
+          </a:xfrm>
+          <a:prstGeom prst="rightArrow">
+            <a:avLst/>
+          </a:prstGeom>
+        </p:spPr>
+        <p:style>
+          <a:lnRef idx="2">
+            <a:schemeClr val="accent1">
+              <a:shade val="50000"/>
+            </a:schemeClr>
+          </a:lnRef>
+          <a:fillRef idx="1">
+            <a:schemeClr val="accent1"/>
+          </a:fillRef>
+          <a:effectRef idx="0">
+            <a:schemeClr val="accent1"/>
+          </a:effectRef>
+          <a:fontRef idx="minor">
+            <a:schemeClr val="lt1"/>
+          </a:fontRef>
+        </p:style>
+        <p:txBody>
+          <a:bodyPr rtlCol="0" anchor="ctr"/>
+          <a:lstStyle/>
+          <a:p>
+            <a:pPr algn="ctr"/>
+            <a:r>
+              <a:rPr lang="en-US" sz="2400"/>
+              <a:t>MANUSEANDO</a:t>
+            </a:r>
+          </a:p>
+        </p:txBody>
+      </p:sp>
+      <p:sp>
+        <p:nvSpPr>
+          <p:cNvPr id="12" name="Right Arrow 11"/>
+          <p:cNvSpPr/>
+          <p:nvPr/>
+        </p:nvSpPr>
+        <p:spPr>
+          <a:xfrm>
+            <a:off x="8973126" y="2907208"/>
+            <a:ext cx="517525" cy="659226"/>
+          </a:xfrm>
+          <a:prstGeom prst="rightArrow">
+            <a:avLst/>
+          </a:prstGeom>
+        </p:spPr>
+        <p:style>
+          <a:lnRef idx="2">
+            <a:schemeClr val="accent1">
+              <a:shade val="50000"/>
+            </a:schemeClr>
+          </a:lnRef>
+          <a:fillRef idx="1">
+            <a:schemeClr val="accent1"/>
+          </a:fillRef>
+          <a:effectRef idx="0">
+            <a:schemeClr val="accent1"/>
+          </a:effectRef>
+          <a:fontRef idx="minor">
+            <a:schemeClr val="lt1"/>
+          </a:fontRef>
+        </p:style>
+        <p:txBody>
+          <a:bodyPr rtlCol="0" anchor="ctr"/>
+          <a:lstStyle/>
+          <a:p>
+            <a:pPr algn="ctr"/>
+            <a:endParaRPr lang="en-US"/>
+          </a:p>
+        </p:txBody>
+      </p:sp>
+      <p:sp>
+        <p:nvSpPr>
+          <p:cNvPr id="13" name="Rectangle 12"/>
+          <p:cNvSpPr/>
+          <p:nvPr/>
+        </p:nvSpPr>
+        <p:spPr>
+          <a:xfrm>
+            <a:off x="8190153" y="3019023"/>
+            <a:ext cx="665162" cy="427244"/>
+          </a:xfrm>
+          <a:prstGeom prst="rect">
+            <a:avLst/>
+          </a:prstGeom>
+          <a:solidFill>
+            <a:schemeClr val="accent1"/>
+          </a:solidFill>
+        </p:spPr>
+        <p:style>
+          <a:lnRef idx="2">
+            <a:schemeClr val="accent1">
+              <a:shade val="50000"/>
+            </a:schemeClr>
+          </a:lnRef>
+          <a:fillRef idx="1">
+            <a:schemeClr val="accent1"/>
+          </a:fillRef>
+          <a:effectRef idx="0">
+            <a:schemeClr val="accent1"/>
+          </a:effectRef>
+          <a:fontRef idx="minor">
+            <a:schemeClr val="lt1"/>
+          </a:fontRef>
+        </p:style>
+        <p:txBody>
+          <a:bodyPr rtlCol="0" anchor="ctr"/>
+          <a:lstStyle/>
+          <a:p>
+            <a:pPr algn="ctr"/>
+            <a:r>
+              <a:rPr lang="en-US" sz="2400"/>
+              <a:t>01</a:t>
+            </a:r>
+          </a:p>
+        </p:txBody>
+      </p:sp>
+      <p:sp>
+        <p:nvSpPr>
+          <p:cNvPr id="87" name="Rectangle 86"/>
+          <p:cNvSpPr/>
+          <p:nvPr/>
+        </p:nvSpPr>
+        <p:spPr>
+          <a:xfrm>
+            <a:off x="9606960" y="2994175"/>
+            <a:ext cx="666118" cy="454025"/>
+          </a:xfrm>
+          <a:prstGeom prst="rect">
+            <a:avLst/>
+          </a:prstGeom>
+          <a:solidFill>
+            <a:srgbClr val="92D050"/>
+          </a:solidFill>
+        </p:spPr>
+        <p:style>
+          <a:lnRef idx="2">
+            <a:schemeClr val="accent1">
+              <a:shade val="50000"/>
+            </a:schemeClr>
+          </a:lnRef>
+          <a:fillRef idx="1">
+            <a:schemeClr val="accent1"/>
+          </a:fillRef>
+          <a:effectRef idx="0">
+            <a:schemeClr val="accent1"/>
+          </a:effectRef>
+          <a:fontRef idx="minor">
+            <a:schemeClr val="lt1"/>
+          </a:fontRef>
+        </p:style>
+        <p:txBody>
+          <a:bodyPr rtlCol="0" anchor="ctr"/>
+          <a:lstStyle/>
+          <a:p>
+            <a:pPr algn="ctr"/>
+            <a:r>
+              <a:rPr lang="en-US" sz="2400"/>
+              <a:t>01</a:t>
+            </a:r>
+          </a:p>
+        </p:txBody>
+      </p:sp>
+      <p:sp>
+        <p:nvSpPr>
+          <p:cNvPr id="91" name="Rectangle 90"/>
+          <p:cNvSpPr/>
+          <p:nvPr/>
+        </p:nvSpPr>
+        <p:spPr>
+          <a:xfrm>
+            <a:off x="8413750" y="522288"/>
+            <a:ext cx="343084" cy="403363"/>
+          </a:xfrm>
+          <a:prstGeom prst="rect">
+            <a:avLst/>
+          </a:prstGeom>
+        </p:spPr>
+        <p:style>
+          <a:lnRef idx="2">
+            <a:schemeClr val="accent1">
+              <a:shade val="50000"/>
+            </a:schemeClr>
+          </a:lnRef>
+          <a:fillRef idx="1">
+            <a:schemeClr val="accent1"/>
+          </a:fillRef>
+          <a:effectRef idx="0">
+            <a:schemeClr val="accent1"/>
+          </a:effectRef>
+          <a:fontRef idx="minor">
+            <a:schemeClr val="lt1"/>
+          </a:fontRef>
+        </p:style>
+        <p:txBody>
+          <a:bodyPr rtlCol="0" anchor="ctr"/>
+          <a:lstStyle/>
+          <a:p>
+            <a:pPr algn="ctr"/>
+            <a:endParaRPr lang="en-US"/>
+          </a:p>
+        </p:txBody>
+      </p:sp>
+      <p:sp>
+        <p:nvSpPr>
+          <p:cNvPr id="101" name="Rectangle 100"/>
+          <p:cNvSpPr/>
+          <p:nvPr/>
+        </p:nvSpPr>
+        <p:spPr>
+          <a:xfrm>
+            <a:off x="8177725" y="5454110"/>
+            <a:ext cx="665162" cy="427244"/>
+          </a:xfrm>
+          <a:prstGeom prst="rect">
+            <a:avLst/>
+          </a:prstGeom>
+          <a:solidFill>
+            <a:schemeClr val="accent1"/>
+          </a:solidFill>
+        </p:spPr>
+        <p:style>
+          <a:lnRef idx="2">
+            <a:schemeClr val="accent1">
+              <a:shade val="50000"/>
+            </a:schemeClr>
+          </a:lnRef>
+          <a:fillRef idx="1">
+            <a:schemeClr val="accent1"/>
+          </a:fillRef>
+          <a:effectRef idx="0">
+            <a:schemeClr val="accent1"/>
+          </a:effectRef>
+          <a:fontRef idx="minor">
+            <a:schemeClr val="lt1"/>
+          </a:fontRef>
+        </p:style>
+        <p:txBody>
+          <a:bodyPr rtlCol="0" anchor="ctr"/>
+          <a:lstStyle/>
+          <a:p>
+            <a:pPr algn="ctr"/>
+            <a:r>
+              <a:rPr lang="en-US" sz="2400"/>
+              <a:t>02</a:t>
+            </a:r>
+          </a:p>
+        </p:txBody>
+      </p:sp>
+      <p:sp>
+        <p:nvSpPr>
+          <p:cNvPr id="102" name="Right Arrow 101"/>
+          <p:cNvSpPr/>
+          <p:nvPr/>
+        </p:nvSpPr>
+        <p:spPr>
+          <a:xfrm>
+            <a:off x="8935841" y="5354719"/>
+            <a:ext cx="517525" cy="659226"/>
+          </a:xfrm>
+          <a:prstGeom prst="rightArrow">
+            <a:avLst/>
+          </a:prstGeom>
+        </p:spPr>
+        <p:style>
+          <a:lnRef idx="2">
+            <a:schemeClr val="accent1">
+              <a:shade val="50000"/>
+            </a:schemeClr>
+          </a:lnRef>
+          <a:fillRef idx="1">
+            <a:schemeClr val="accent1"/>
+          </a:fillRef>
+          <a:effectRef idx="0">
+            <a:schemeClr val="accent1"/>
+          </a:effectRef>
+          <a:fontRef idx="minor">
+            <a:schemeClr val="lt1"/>
+          </a:fontRef>
+        </p:style>
+        <p:txBody>
+          <a:bodyPr rtlCol="0" anchor="ctr"/>
+          <a:lstStyle/>
+          <a:p>
+            <a:pPr algn="ctr"/>
+            <a:endParaRPr lang="en-US"/>
+          </a:p>
+        </p:txBody>
+      </p:sp>
+      <p:sp>
+        <p:nvSpPr>
+          <p:cNvPr id="103" name="Rectangle 102"/>
+          <p:cNvSpPr/>
+          <p:nvPr/>
+        </p:nvSpPr>
+        <p:spPr>
+          <a:xfrm>
+            <a:off x="9544820" y="5429262"/>
+            <a:ext cx="666118" cy="454025"/>
+          </a:xfrm>
+          <a:prstGeom prst="rect">
+            <a:avLst/>
+          </a:prstGeom>
+          <a:solidFill>
+            <a:srgbClr val="92D050"/>
+          </a:solidFill>
+        </p:spPr>
+        <p:style>
+          <a:lnRef idx="2">
+            <a:schemeClr val="accent1">
+              <a:shade val="50000"/>
+            </a:schemeClr>
+          </a:lnRef>
+          <a:fillRef idx="1">
+            <a:schemeClr val="accent1"/>
+          </a:fillRef>
+          <a:effectRef idx="0">
+            <a:schemeClr val="accent1"/>
+          </a:effectRef>
+          <a:fontRef idx="minor">
+            <a:schemeClr val="lt1"/>
+          </a:fontRef>
+        </p:style>
+        <p:txBody>
+          <a:bodyPr rtlCol="0" anchor="ctr"/>
+          <a:lstStyle/>
+          <a:p>
+            <a:pPr algn="ctr"/>
+            <a:r>
+              <a:rPr lang="en-US" sz="2400"/>
+              <a:t>02</a:t>
+            </a:r>
+          </a:p>
+        </p:txBody>
+      </p:sp>
+      <p:sp>
+        <p:nvSpPr>
+          <p:cNvPr id="104" name="Rectangle 103"/>
+          <p:cNvSpPr/>
+          <p:nvPr/>
+        </p:nvSpPr>
+        <p:spPr>
+          <a:xfrm>
+            <a:off x="8584923" y="708163"/>
+            <a:ext cx="343084" cy="403363"/>
+          </a:xfrm>
+          <a:prstGeom prst="rect">
+            <a:avLst/>
+          </a:prstGeom>
+        </p:spPr>
+        <p:style>
+          <a:lnRef idx="2">
+            <a:schemeClr val="accent1">
+              <a:shade val="50000"/>
+            </a:schemeClr>
+          </a:lnRef>
+          <a:fillRef idx="1">
+            <a:schemeClr val="accent1"/>
+          </a:fillRef>
+          <a:effectRef idx="0">
+            <a:schemeClr val="accent1"/>
+          </a:effectRef>
+          <a:fontRef idx="minor">
+            <a:schemeClr val="lt1"/>
+          </a:fontRef>
+        </p:style>
+        <p:txBody>
+          <a:bodyPr rtlCol="0" anchor="ctr"/>
+          <a:lstStyle/>
+          <a:p>
+            <a:pPr algn="ctr"/>
+            <a:endParaRPr lang="en-US"/>
+          </a:p>
+        </p:txBody>
+      </p:sp>
+      <p:sp>
+        <p:nvSpPr>
+          <p:cNvPr id="105" name="Rectangle 104"/>
+          <p:cNvSpPr/>
+          <p:nvPr/>
+        </p:nvSpPr>
+        <p:spPr>
+          <a:xfrm>
+            <a:off x="8771282" y="894521"/>
+            <a:ext cx="343084" cy="403363"/>
+          </a:xfrm>
+          <a:prstGeom prst="rect">
+            <a:avLst/>
+          </a:prstGeom>
+        </p:spPr>
+        <p:style>
+          <a:lnRef idx="2">
+            <a:schemeClr val="accent1">
+              <a:shade val="50000"/>
+            </a:schemeClr>
+          </a:lnRef>
+          <a:fillRef idx="1">
+            <a:schemeClr val="accent1"/>
+          </a:fillRef>
+          <a:effectRef idx="0">
+            <a:schemeClr val="accent1"/>
+          </a:effectRef>
+          <a:fontRef idx="minor">
+            <a:schemeClr val="lt1"/>
+          </a:fontRef>
+        </p:style>
+        <p:txBody>
+          <a:bodyPr rtlCol="0" anchor="ctr"/>
+          <a:lstStyle/>
+          <a:p>
+            <a:pPr algn="ctr"/>
+            <a:endParaRPr lang="en-US"/>
+          </a:p>
+        </p:txBody>
+      </p:sp>
+      <p:sp>
+        <p:nvSpPr>
+          <p:cNvPr id="106" name="Rectangle 105"/>
+          <p:cNvSpPr/>
+          <p:nvPr/>
+        </p:nvSpPr>
+        <p:spPr>
+          <a:xfrm>
+            <a:off x="9184404" y="496969"/>
+            <a:ext cx="343084" cy="403363"/>
+          </a:xfrm>
+          <a:prstGeom prst="rect">
+            <a:avLst/>
+          </a:prstGeom>
+        </p:spPr>
+        <p:style>
+          <a:lnRef idx="2">
+            <a:schemeClr val="accent1">
+              <a:shade val="50000"/>
+            </a:schemeClr>
+          </a:lnRef>
+          <a:fillRef idx="1">
+            <a:schemeClr val="accent1"/>
+          </a:fillRef>
+          <a:effectRef idx="0">
+            <a:schemeClr val="accent1"/>
+          </a:effectRef>
+          <a:fontRef idx="minor">
+            <a:schemeClr val="lt1"/>
+          </a:fontRef>
+        </p:style>
+        <p:txBody>
+          <a:bodyPr rtlCol="0" anchor="ctr"/>
+          <a:lstStyle/>
+          <a:p>
+            <a:pPr algn="ctr"/>
+            <a:endParaRPr lang="en-US"/>
+          </a:p>
+        </p:txBody>
+      </p:sp>
+      <p:sp>
+        <p:nvSpPr>
+          <p:cNvPr id="107" name="Rectangle 106"/>
+          <p:cNvSpPr/>
+          <p:nvPr/>
+        </p:nvSpPr>
+        <p:spPr>
+          <a:xfrm>
+            <a:off x="9367630" y="683315"/>
+            <a:ext cx="343084" cy="403363"/>
+          </a:xfrm>
+          <a:prstGeom prst="rect">
+            <a:avLst/>
+          </a:prstGeom>
+        </p:spPr>
+        <p:style>
+          <a:lnRef idx="2">
+            <a:schemeClr val="accent1">
+              <a:shade val="50000"/>
+            </a:schemeClr>
+          </a:lnRef>
+          <a:fillRef idx="1">
+            <a:schemeClr val="accent1"/>
+          </a:fillRef>
+          <a:effectRef idx="0">
+            <a:schemeClr val="accent1"/>
+          </a:effectRef>
+          <a:fontRef idx="minor">
+            <a:schemeClr val="lt1"/>
+          </a:fontRef>
+        </p:style>
+        <p:txBody>
+          <a:bodyPr rtlCol="0" anchor="ctr"/>
+          <a:lstStyle/>
+          <a:p>
+            <a:pPr algn="ctr"/>
+            <a:endParaRPr lang="en-US"/>
+          </a:p>
+        </p:txBody>
+      </p:sp>
+      <p:sp>
+        <p:nvSpPr>
+          <p:cNvPr id="108" name="Rectangle 107"/>
+          <p:cNvSpPr/>
+          <p:nvPr/>
+        </p:nvSpPr>
+        <p:spPr>
+          <a:xfrm>
+            <a:off x="9553989" y="869673"/>
+            <a:ext cx="343084" cy="403363"/>
+          </a:xfrm>
+          <a:prstGeom prst="rect">
+            <a:avLst/>
+          </a:prstGeom>
+        </p:spPr>
+        <p:style>
+          <a:lnRef idx="2">
+            <a:schemeClr val="accent1">
+              <a:shade val="50000"/>
+            </a:schemeClr>
+          </a:lnRef>
+          <a:fillRef idx="1">
+            <a:schemeClr val="accent1"/>
+          </a:fillRef>
+          <a:effectRef idx="0">
+            <a:schemeClr val="accent1"/>
+          </a:effectRef>
+          <a:fontRef idx="minor">
+            <a:schemeClr val="lt1"/>
+          </a:fontRef>
+        </p:style>
+        <p:txBody>
+          <a:bodyPr rtlCol="0" anchor="ctr"/>
+          <a:lstStyle/>
+          <a:p>
+            <a:pPr algn="ctr"/>
+            <a:endParaRPr lang="en-US"/>
+          </a:p>
+        </p:txBody>
+      </p:sp>
+      <p:sp>
+        <p:nvSpPr>
+          <p:cNvPr id="110" name="Rectangle 109"/>
+          <p:cNvSpPr/>
+          <p:nvPr/>
+        </p:nvSpPr>
+        <p:spPr>
+          <a:xfrm>
+            <a:off x="8302006" y="2112078"/>
+            <a:ext cx="343084" cy="403363"/>
+          </a:xfrm>
+          <a:prstGeom prst="rect">
+            <a:avLst/>
+          </a:prstGeom>
+        </p:spPr>
+        <p:style>
+          <a:lnRef idx="2">
+            <a:schemeClr val="accent1">
+              <a:shade val="50000"/>
+            </a:schemeClr>
+          </a:lnRef>
+          <a:fillRef idx="1">
+            <a:schemeClr val="accent1"/>
+          </a:fillRef>
+          <a:effectRef idx="0">
+            <a:schemeClr val="accent1"/>
+          </a:effectRef>
+          <a:fontRef idx="minor">
+            <a:schemeClr val="lt1"/>
+          </a:fontRef>
+        </p:style>
+        <p:txBody>
+          <a:bodyPr rtlCol="0" anchor="ctr"/>
+          <a:lstStyle/>
+          <a:p>
+            <a:pPr algn="ctr"/>
+            <a:endParaRPr lang="en-US"/>
+          </a:p>
+        </p:txBody>
+      </p:sp>
+      <p:sp>
+        <p:nvSpPr>
+          <p:cNvPr id="111" name="Rectangle 110"/>
+          <p:cNvSpPr/>
+          <p:nvPr/>
+        </p:nvSpPr>
+        <p:spPr>
+          <a:xfrm>
+            <a:off x="8202581" y="4460197"/>
+            <a:ext cx="343084" cy="403363"/>
+          </a:xfrm>
+          <a:prstGeom prst="rect">
+            <a:avLst/>
+          </a:prstGeom>
+        </p:spPr>
+        <p:style>
+          <a:lnRef idx="2">
+            <a:schemeClr val="accent1">
+              <a:shade val="50000"/>
+            </a:schemeClr>
+          </a:lnRef>
+          <a:fillRef idx="1">
+            <a:schemeClr val="accent1"/>
+          </a:fillRef>
+          <a:effectRef idx="0">
+            <a:schemeClr val="accent1"/>
+          </a:effectRef>
+          <a:fontRef idx="minor">
+            <a:schemeClr val="lt1"/>
+          </a:fontRef>
+        </p:style>
+        <p:txBody>
+          <a:bodyPr rtlCol="0" anchor="ctr"/>
+          <a:lstStyle/>
+          <a:p>
+            <a:pPr algn="ctr"/>
+            <a:endParaRPr lang="en-US"/>
+          </a:p>
+        </p:txBody>
+      </p:sp>
+    </p:spTree>
+    <p:extLst>
+      <p:ext uri="{BB962C8B-B14F-4D97-AF65-F5344CB8AC3E}">
+        <p14:creationId xmlns="" xmlns:p14="http://schemas.microsoft.com/office/powerpoint/2010/main" val="2653181294"/>
+      </p:ext>
+    </p:extLst>
+  </p:cSld>
+  <p:clrMapOvr>
+    <a:masterClrMapping/>
+  </p:clrMapOvr>
+  <p:timing>
+    <p:tnLst>
+      <p:par>
+        <p:cTn id="1" dur="indefinite" restart="never" nodeType="tmRoot"/>
+      </p:par>
+    </p:tnLst>
+  </p:timing>
+</p:sld>
+</file>
+
+<file path=ppt/slides/slide5.xml><?xml version="1.0" encoding="utf-8"?>
+<p:sld xmlns:a="http://schemas.openxmlformats.org/drawingml/2006/main" xmlns:r="http://schemas.openxmlformats.org/officeDocument/2006/relationships" xmlns:p="http://schemas.openxmlformats.org/presentationml/2006/main">
+  <p:cSld>
+    <p:spTree>
+      <p:nvGrpSpPr>
+        <p:cNvPr id="1" name=""/>
+        <p:cNvGrpSpPr/>
+        <p:nvPr/>
+      </p:nvGrpSpPr>
+      <p:grpSpPr>
+        <a:xfrm>
+          <a:off x="0" y="0"/>
+          <a:ext cx="0" cy="0"/>
+          <a:chOff x="0" y="0"/>
+          <a:chExt cx="0" cy="0"/>
+        </a:xfrm>
+      </p:grpSpPr>
+      <p:sp>
+        <p:nvSpPr>
+          <p:cNvPr id="4" name="Rectangle 3"/>
+          <p:cNvSpPr/>
+          <p:nvPr/>
+        </p:nvSpPr>
+        <p:spPr>
+          <a:xfrm>
+            <a:off x="1019175" y="185738"/>
+            <a:ext cx="3299582" cy="6245225"/>
+          </a:xfrm>
+          <a:prstGeom prst="rect">
+            <a:avLst/>
+          </a:prstGeom>
+        </p:spPr>
+        <p:style>
+          <a:lnRef idx="2">
+            <a:schemeClr val="accent1">
+              <a:shade val="50000"/>
+            </a:schemeClr>
+          </a:lnRef>
+          <a:fillRef idx="1">
+            <a:schemeClr val="accent1"/>
+          </a:fillRef>
+          <a:effectRef idx="0">
+            <a:schemeClr val="accent1"/>
+          </a:effectRef>
+          <a:fontRef idx="minor">
+            <a:schemeClr val="lt1"/>
+          </a:fontRef>
+        </p:style>
+        <p:txBody>
+          <a:bodyPr rtlCol="0" anchor="ctr"/>
+          <a:lstStyle/>
+          <a:p>
+            <a:pPr algn="ctr"/>
+            <a:endParaRPr lang="en-US"/>
+          </a:p>
+        </p:txBody>
+      </p:sp>
+      <p:sp>
+        <p:nvSpPr>
+          <p:cNvPr id="6" name="Rectangle 5"/>
+          <p:cNvSpPr/>
+          <p:nvPr/>
+        </p:nvSpPr>
+        <p:spPr>
+          <a:xfrm>
+            <a:off x="7966697" y="249238"/>
+            <a:ext cx="2429841" cy="6281737"/>
+          </a:xfrm>
+          <a:prstGeom prst="rect">
+            <a:avLst/>
+          </a:prstGeom>
+          <a:solidFill>
+            <a:schemeClr val="accent2"/>
+          </a:solidFill>
+        </p:spPr>
+        <p:style>
+          <a:lnRef idx="2">
+            <a:schemeClr val="accent1">
+              <a:shade val="50000"/>
+            </a:schemeClr>
+          </a:lnRef>
+          <a:fillRef idx="1">
+            <a:schemeClr val="accent1"/>
+          </a:fillRef>
+          <a:effectRef idx="0">
+            <a:schemeClr val="accent1"/>
+          </a:effectRef>
+          <a:fontRef idx="minor">
+            <a:schemeClr val="lt1"/>
+          </a:fontRef>
+        </p:style>
+        <p:txBody>
+          <a:bodyPr rtlCol="0" anchor="ctr"/>
+          <a:lstStyle/>
+          <a:p>
+            <a:pPr algn="ctr"/>
+            <a:r>
+              <a:rPr lang="en-US">
+                <a:latin typeface="Times New Roman" charset="0"/>
+                <a:cs typeface="Times New Roman" charset="0"/>
+              </a:rPr>
+              <a:t> </a:t>
+            </a:r>
+          </a:p>
+        </p:txBody>
+      </p:sp>
+      <p:sp>
+        <p:nvSpPr>
+          <p:cNvPr id="8" name="TextBox 7"/>
+          <p:cNvSpPr txBox="1"/>
+          <p:nvPr/>
+        </p:nvSpPr>
+        <p:spPr>
+          <a:xfrm rot="-5460000">
+            <a:off x="-695963" y="2956904"/>
+            <a:ext cx="2743200" cy="1200329"/>
+          </a:xfrm>
+          <a:prstGeom prst="rect">
+            <a:avLst/>
+          </a:prstGeom>
+        </p:spPr>
+        <p:txBody>
+          <a:bodyPr rtlCol="0">
+            <a:spAutoFit/>
+          </a:bodyPr>
+          <a:lstStyle/>
+          <a:p>
+            <a:pPr algn="ctr"/>
+            <a:r>
+              <a:rPr lang="en-US" sz="7200">
+                <a:solidFill>
+                  <a:srgbClr val="5B9BD5"/>
+                </a:solidFill>
+              </a:rPr>
+              <a:t>ERP</a:t>
+            </a:r>
+          </a:p>
+        </p:txBody>
+      </p:sp>
+      <p:sp>
+        <p:nvSpPr>
+          <p:cNvPr id="10" name="TextBox 9"/>
+          <p:cNvSpPr txBox="1"/>
+          <p:nvPr/>
+        </p:nvSpPr>
+        <p:spPr>
+          <a:xfrm rot="5340000">
+            <a:off x="9408110" y="3043871"/>
+            <a:ext cx="2739800" cy="1200150"/>
+          </a:xfrm>
+          <a:prstGeom prst="rect">
+            <a:avLst/>
+          </a:prstGeom>
+        </p:spPr>
+        <p:txBody>
+          <a:bodyPr rtlCol="0">
+            <a:spAutoFit/>
+          </a:bodyPr>
+          <a:lstStyle/>
+          <a:p>
+            <a:pPr algn="ctr"/>
+            <a:r>
+              <a:rPr lang="en-US" sz="7200">
+                <a:solidFill>
+                  <a:srgbClr val="ED7D31"/>
+                </a:solidFill>
+              </a:rPr>
+              <a:t>VTEX</a:t>
+            </a:r>
+          </a:p>
+        </p:txBody>
+      </p:sp>
+      <p:sp>
+        <p:nvSpPr>
+          <p:cNvPr id="80" name="Rounded Rectangle 79"/>
+          <p:cNvSpPr/>
+          <p:nvPr/>
+        </p:nvSpPr>
+        <p:spPr>
+          <a:xfrm>
+            <a:off x="1217613" y="471488"/>
+            <a:ext cx="2938462" cy="2132151"/>
+          </a:xfrm>
+          <a:prstGeom prst="roundRect">
+            <a:avLst/>
+          </a:prstGeom>
+          <a:solidFill>
+            <a:schemeClr val="accent2"/>
+          </a:solidFill>
+        </p:spPr>
+        <p:style>
+          <a:lnRef idx="2">
+            <a:schemeClr val="accent1">
+              <a:shade val="50000"/>
+            </a:schemeClr>
+          </a:lnRef>
+          <a:fillRef idx="1">
+            <a:schemeClr val="accent1"/>
+          </a:fillRef>
+          <a:effectRef idx="0">
+            <a:schemeClr val="accent1"/>
+          </a:effectRef>
+          <a:fontRef idx="minor">
+            <a:schemeClr val="lt1"/>
+          </a:fontRef>
+        </p:style>
+        <p:txBody>
+          <a:bodyPr rtlCol="0" anchor="ctr"/>
+          <a:lstStyle/>
+          <a:p>
+            <a:pPr algn="ctr"/>
+            <a:endParaRPr lang="en-US"/>
+          </a:p>
+        </p:txBody>
+      </p:sp>
+      <p:sp>
+        <p:nvSpPr>
+          <p:cNvPr id="81" name="Cube 80"/>
+          <p:cNvSpPr/>
+          <p:nvPr/>
+        </p:nvSpPr>
+        <p:spPr>
+          <a:xfrm>
+            <a:off x="1950721" y="720725"/>
+            <a:ext cx="1402079" cy="1389616"/>
+          </a:xfrm>
+          <a:prstGeom prst="cube">
+            <a:avLst/>
+          </a:prstGeom>
+        </p:spPr>
+        <p:style>
+          <a:lnRef idx="2">
+            <a:schemeClr val="accent1">
+              <a:shade val="50000"/>
+            </a:schemeClr>
+          </a:lnRef>
+          <a:fillRef idx="1">
+            <a:schemeClr val="accent1"/>
+          </a:fillRef>
+          <a:effectRef idx="0">
+            <a:schemeClr val="accent1"/>
+          </a:effectRef>
+          <a:fontRef idx="minor">
+            <a:schemeClr val="lt1"/>
+          </a:fontRef>
+        </p:style>
+        <p:txBody>
+          <a:bodyPr rtlCol="0" anchor="ctr"/>
+          <a:lstStyle/>
+          <a:p>
+            <a:pPr algn="ctr"/>
+            <a:r>
+              <a:rPr lang="en-US" sz="4800"/>
+              <a:t>O1</a:t>
+            </a:r>
+          </a:p>
+        </p:txBody>
+      </p:sp>
+      <p:sp>
+        <p:nvSpPr>
+          <p:cNvPr id="83" name="Rounded Rectangle 82"/>
+          <p:cNvSpPr/>
+          <p:nvPr/>
+        </p:nvSpPr>
+        <p:spPr>
+          <a:xfrm>
+            <a:off x="1119188" y="3678169"/>
+            <a:ext cx="2938462" cy="2528956"/>
+          </a:xfrm>
+          <a:prstGeom prst="roundRect">
+            <a:avLst/>
+          </a:prstGeom>
+          <a:solidFill>
+            <a:schemeClr val="accent2"/>
+          </a:solidFill>
+        </p:spPr>
+        <p:style>
+          <a:lnRef idx="2">
+            <a:schemeClr val="accent1">
+              <a:shade val="50000"/>
+            </a:schemeClr>
+          </a:lnRef>
+          <a:fillRef idx="1">
+            <a:schemeClr val="accent1"/>
+          </a:fillRef>
+          <a:effectRef idx="0">
+            <a:schemeClr val="accent1"/>
+          </a:effectRef>
+          <a:fontRef idx="minor">
+            <a:schemeClr val="lt1"/>
+          </a:fontRef>
+        </p:style>
+        <p:txBody>
+          <a:bodyPr rtlCol="0" anchor="ctr"/>
+          <a:lstStyle/>
+          <a:p>
+            <a:pPr algn="ctr"/>
+            <a:endParaRPr lang="en-US"/>
+          </a:p>
+        </p:txBody>
+      </p:sp>
+      <p:sp>
+        <p:nvSpPr>
+          <p:cNvPr id="84" name="Cube 83"/>
+          <p:cNvSpPr/>
+          <p:nvPr/>
+        </p:nvSpPr>
+        <p:spPr>
+          <a:xfrm>
+            <a:off x="1317625" y="4186238"/>
+            <a:ext cx="2531703" cy="1489005"/>
+          </a:xfrm>
+          <a:prstGeom prst="cube">
+            <a:avLst/>
+          </a:prstGeom>
+        </p:spPr>
+        <p:style>
+          <a:lnRef idx="2">
+            <a:schemeClr val="accent1">
+              <a:shade val="50000"/>
+            </a:schemeClr>
+          </a:lnRef>
+          <a:fillRef idx="1">
+            <a:schemeClr val="accent1"/>
+          </a:fillRef>
+          <a:effectRef idx="0">
+            <a:schemeClr val="accent1"/>
+          </a:effectRef>
+          <a:fontRef idx="minor">
+            <a:schemeClr val="lt1"/>
+          </a:fontRef>
+        </p:style>
+        <p:txBody>
+          <a:bodyPr rtlCol="0" anchor="ctr"/>
+          <a:lstStyle/>
+          <a:p>
+            <a:pPr algn="ctr"/>
+            <a:r>
+              <a:rPr lang="en-US" sz="4800"/>
+              <a:t>02</a:t>
+            </a:r>
+          </a:p>
+        </p:txBody>
+      </p:sp>
+      <p:sp>
+        <p:nvSpPr>
+          <p:cNvPr id="11" name="Right Arrow 10"/>
+          <p:cNvSpPr/>
+          <p:nvPr/>
+        </p:nvSpPr>
+        <p:spPr>
+          <a:xfrm>
             <a:off x="4424428" y="782719"/>
             <a:ext cx="3376191" cy="1093788"/>
           </a:xfrm>
@@ -10710,7 +15279,7 @@
     </p:spTree>
     <p:extLst>
       <p:ext uri="{BB962C8B-B14F-4D97-AF65-F5344CB8AC3E}">
-        <p14:creationId xmlns:p14="http://schemas.microsoft.com/office/powerpoint/2010/main" xmlns="" val="295285881"/>
+        <p14:creationId xmlns="" xmlns:p14="http://schemas.microsoft.com/office/powerpoint/2010/main" val="295285881"/>
       </p:ext>
     </p:extLst>
   </p:cSld>
@@ -10982,7 +15551,7 @@
   <a:extraClrSchemeLst/>
   <a:extLst>
     <a:ext uri="{05A4C25C-085E-4340-85A3-A5531E510DB2}">
-      <thm15:themeFamily xmlns:thm15="http://schemas.microsoft.com/office/thememl/2012/main" xmlns="" name="Office Theme" id="{62F939B6-93AF-4DB8-9C6B-D6C7DFDC589F}" vid="{4A3C46E8-61CC-4603-A589-7422A47A8E4A}"/>
+      <thm15:themeFamily xmlns="" xmlns:thm15="http://schemas.microsoft.com/office/thememl/2012/main" name="Office Theme" id="{62F939B6-93AF-4DB8-9C6B-D6C7DFDC589F}" vid="{4A3C46E8-61CC-4603-A589-7422A47A8E4A}"/>
     </a:ext>
   </a:extLst>
 </a:theme>
@@ -11243,7 +15812,7 @@
   <a:extraClrSchemeLst/>
   <a:extLst>
     <a:ext uri="{05A4C25C-085E-4340-85A3-A5531E510DB2}">
-      <thm15:themeFamily xmlns:thm15="http://schemas.microsoft.com/office/thememl/2012/main" xmlns="" name="Office Theme" id="{62F939B6-93AF-4DB8-9C6B-D6C7DFDC589F}" vid="{4A3C46E8-61CC-4603-A589-7422A47A8E4A}"/>
+      <thm15:themeFamily xmlns="" xmlns:thm15="http://schemas.microsoft.com/office/thememl/2012/main" name="Office Theme" id="{62F939B6-93AF-4DB8-9C6B-D6C7DFDC589F}" vid="{4A3C46E8-61CC-4603-A589-7422A47A8E4A}"/>
     </a:ext>
   </a:extLst>
 </a:theme>

--- a/integracao/ERP-catalogo-expresso/SKU to VTEXADMIN to SITE.pptx
+++ b/integracao/ERP-catalogo-expresso/SKU to VTEXADMIN to SITE.pptx
@@ -10311,7 +10311,7 @@
         </p:nvSpPr>
         <p:spPr>
           <a:xfrm>
-            <a:off x="1180685" y="3823405"/>
+            <a:off x="1180685" y="3993224"/>
             <a:ext cx="1497347" cy="511836"/>
           </a:xfrm>
           <a:prstGeom prst="rect">
@@ -10354,7 +10354,7 @@
         </p:nvSpPr>
         <p:spPr>
           <a:xfrm rot="-60000">
-            <a:off x="1130973" y="3761641"/>
+            <a:off x="1130973" y="3931460"/>
             <a:ext cx="1619324" cy="646112"/>
           </a:xfrm>
           <a:prstGeom prst="rect">
@@ -10369,14 +10369,14 @@
           <a:p>
             <a:pPr algn="ctr"/>
             <a:r>
-              <a:rPr lang="en-US" sz="3600">
+              <a:rPr lang="en-US" sz="3600" dirty="0">
                 <a:solidFill>
                   <a:srgbClr val="FF0000"/>
                 </a:solidFill>
               </a:rPr>
               <a:t>$ $</a:t>
             </a:r>
-            <a:endParaRPr lang="en-US" sz="3600"/>
+            <a:endParaRPr lang="en-US" sz="3600" dirty="0"/>
           </a:p>
         </p:txBody>
       </p:sp>
@@ -10787,7 +10787,7 @@
         </p:nvSpPr>
         <p:spPr>
           <a:xfrm>
-            <a:off x="3020070" y="5175340"/>
+            <a:off x="3020070" y="5575376"/>
             <a:ext cx="3937000" cy="768257"/>
           </a:xfrm>
           <a:prstGeom prst="rightArrow">
@@ -10831,7 +10831,7 @@
         </p:nvSpPr>
         <p:spPr>
           <a:xfrm>
-            <a:off x="3020070" y="5682338"/>
+            <a:off x="3020070" y="4947578"/>
             <a:ext cx="3937000" cy="800109"/>
           </a:xfrm>
           <a:prstGeom prst="rightArrow">

--- a/integracao/ERP-catalogo-expresso/SKU to VTEXADMIN to SITE.pptx
+++ b/integracao/ERP-catalogo-expresso/SKU to VTEXADMIN to SITE.pptx
@@ -113,7 +113,7 @@
   </p:defaultTextStyle>
   <p:extLst>
     <p:ext uri="{EFAFB233-063F-42B5-8137-9DF3F51BA10A}">
-      <p15:sldGuideLst xmlns="" xmlns:p15="http://schemas.microsoft.com/office/powerpoint/2012/main"/>
+      <p15:sldGuideLst xmlns:p15="http://schemas.microsoft.com/office/powerpoint/2012/main" xmlns=""/>
     </p:ext>
   </p:extLst>
 </p:presentation>
@@ -202,7 +202,7 @@
             <a:fld id="{C4ADB47E-E962-47A6-A424-6C5C29F7C662}" type="datetimeFigureOut">
               <a:rPr lang="en-US"/>
               <a:pPr/>
-              <a:t>10/22/2014</a:t>
+              <a:t>10/29/2014</a:t>
             </a:fld>
             <a:endParaRPr lang="en-US"/>
           </a:p>
@@ -370,7 +370,7 @@
     </p:spTree>
     <p:extLst>
       <p:ext uri="{BB962C8B-B14F-4D97-AF65-F5344CB8AC3E}">
-        <p14:creationId xmlns="" xmlns:p14="http://schemas.microsoft.com/office/powerpoint/2010/main" val="734493671"/>
+        <p14:creationId xmlns:p14="http://schemas.microsoft.com/office/powerpoint/2010/main" xmlns="" val="734493671"/>
       </p:ext>
     </p:extLst>
   </p:cSld>
@@ -545,7 +545,7 @@
     </p:spTree>
     <p:extLst>
       <p:ext uri="{BB962C8B-B14F-4D97-AF65-F5344CB8AC3E}">
-        <p14:creationId xmlns="" xmlns:p14="http://schemas.microsoft.com/office/powerpoint/2010/main" val="2573548436"/>
+        <p14:creationId xmlns:p14="http://schemas.microsoft.com/office/powerpoint/2010/main" xmlns="" val="2573548436"/>
       </p:ext>
     </p:extLst>
   </p:cSld>
@@ -630,7 +630,7 @@
     </p:spTree>
     <p:extLst>
       <p:ext uri="{BB962C8B-B14F-4D97-AF65-F5344CB8AC3E}">
-        <p14:creationId xmlns="" xmlns:p14="http://schemas.microsoft.com/office/powerpoint/2010/main" val="2312861466"/>
+        <p14:creationId xmlns:p14="http://schemas.microsoft.com/office/powerpoint/2010/main" xmlns="" val="2312861466"/>
       </p:ext>
     </p:extLst>
   </p:cSld>
@@ -715,7 +715,7 @@
     </p:spTree>
     <p:extLst>
       <p:ext uri="{BB962C8B-B14F-4D97-AF65-F5344CB8AC3E}">
-        <p14:creationId xmlns="" xmlns:p14="http://schemas.microsoft.com/office/powerpoint/2010/main" val="2312861466"/>
+        <p14:creationId xmlns:p14="http://schemas.microsoft.com/office/powerpoint/2010/main" xmlns="" val="2312861466"/>
       </p:ext>
     </p:extLst>
   </p:cSld>
@@ -800,7 +800,7 @@
     </p:spTree>
     <p:extLst>
       <p:ext uri="{BB962C8B-B14F-4D97-AF65-F5344CB8AC3E}">
-        <p14:creationId xmlns="" xmlns:p14="http://schemas.microsoft.com/office/powerpoint/2010/main" val="3493063176"/>
+        <p14:creationId xmlns:p14="http://schemas.microsoft.com/office/powerpoint/2010/main" xmlns="" val="3493063176"/>
       </p:ext>
     </p:extLst>
   </p:cSld>
@@ -885,7 +885,7 @@
     </p:spTree>
     <p:extLst>
       <p:ext uri="{BB962C8B-B14F-4D97-AF65-F5344CB8AC3E}">
-        <p14:creationId xmlns="" xmlns:p14="http://schemas.microsoft.com/office/powerpoint/2010/main" val="3977470003"/>
+        <p14:creationId xmlns:p14="http://schemas.microsoft.com/office/powerpoint/2010/main" xmlns="" val="3977470003"/>
       </p:ext>
     </p:extLst>
   </p:cSld>
@@ -1027,7 +1027,7 @@
             <a:fld id="{F1FA7AC5-6045-4418-8E60-F48788734473}" type="datetimeFigureOut">
               <a:rPr lang="en-US" smtClean="0"/>
               <a:pPr/>
-              <a:t>10/22/2014</a:t>
+              <a:t>10/29/2014</a:t>
             </a:fld>
             <a:endParaRPr lang="en-US"/>
           </a:p>
@@ -1079,7 +1079,7 @@
     </p:spTree>
     <p:extLst>
       <p:ext uri="{BB962C8B-B14F-4D97-AF65-F5344CB8AC3E}">
-        <p14:creationId xmlns="" xmlns:p14="http://schemas.microsoft.com/office/powerpoint/2010/main" val="508168537"/>
+        <p14:creationId xmlns:p14="http://schemas.microsoft.com/office/powerpoint/2010/main" xmlns="" val="508168537"/>
       </p:ext>
     </p:extLst>
   </p:cSld>
@@ -1199,7 +1199,7 @@
             <a:fld id="{F1FA7AC5-6045-4418-8E60-F48788734473}" type="datetimeFigureOut">
               <a:rPr lang="en-US" smtClean="0"/>
               <a:pPr/>
-              <a:t>10/22/2014</a:t>
+              <a:t>10/29/2014</a:t>
             </a:fld>
             <a:endParaRPr lang="en-US"/>
           </a:p>
@@ -1251,7 +1251,7 @@
     </p:spTree>
     <p:extLst>
       <p:ext uri="{BB962C8B-B14F-4D97-AF65-F5344CB8AC3E}">
-        <p14:creationId xmlns="" xmlns:p14="http://schemas.microsoft.com/office/powerpoint/2010/main" val="613236000"/>
+        <p14:creationId xmlns:p14="http://schemas.microsoft.com/office/powerpoint/2010/main" xmlns="" val="613236000"/>
       </p:ext>
     </p:extLst>
   </p:cSld>
@@ -1381,7 +1381,7 @@
             <a:fld id="{F1FA7AC5-6045-4418-8E60-F48788734473}" type="datetimeFigureOut">
               <a:rPr lang="en-US" smtClean="0"/>
               <a:pPr/>
-              <a:t>10/22/2014</a:t>
+              <a:t>10/29/2014</a:t>
             </a:fld>
             <a:endParaRPr lang="en-US"/>
           </a:p>
@@ -1433,7 +1433,7 @@
     </p:spTree>
     <p:extLst>
       <p:ext uri="{BB962C8B-B14F-4D97-AF65-F5344CB8AC3E}">
-        <p14:creationId xmlns="" xmlns:p14="http://schemas.microsoft.com/office/powerpoint/2010/main" val="2660566950"/>
+        <p14:creationId xmlns:p14="http://schemas.microsoft.com/office/powerpoint/2010/main" xmlns="" val="2660566950"/>
       </p:ext>
     </p:extLst>
   </p:cSld>
@@ -1553,7 +1553,7 @@
             <a:fld id="{F1FA7AC5-6045-4418-8E60-F48788734473}" type="datetimeFigureOut">
               <a:rPr lang="en-US" smtClean="0"/>
               <a:pPr/>
-              <a:t>10/22/2014</a:t>
+              <a:t>10/29/2014</a:t>
             </a:fld>
             <a:endParaRPr lang="en-US"/>
           </a:p>
@@ -1605,7 +1605,7 @@
     </p:spTree>
     <p:extLst>
       <p:ext uri="{BB962C8B-B14F-4D97-AF65-F5344CB8AC3E}">
-        <p14:creationId xmlns="" xmlns:p14="http://schemas.microsoft.com/office/powerpoint/2010/main" val="3386326818"/>
+        <p14:creationId xmlns:p14="http://schemas.microsoft.com/office/powerpoint/2010/main" xmlns="" val="3386326818"/>
       </p:ext>
     </p:extLst>
   </p:cSld>
@@ -1801,7 +1801,7 @@
             <a:fld id="{F1FA7AC5-6045-4418-8E60-F48788734473}" type="datetimeFigureOut">
               <a:rPr lang="en-US" smtClean="0"/>
               <a:pPr/>
-              <a:t>10/22/2014</a:t>
+              <a:t>10/29/2014</a:t>
             </a:fld>
             <a:endParaRPr lang="en-US"/>
           </a:p>
@@ -1853,7 +1853,7 @@
     </p:spTree>
     <p:extLst>
       <p:ext uri="{BB962C8B-B14F-4D97-AF65-F5344CB8AC3E}">
-        <p14:creationId xmlns="" xmlns:p14="http://schemas.microsoft.com/office/powerpoint/2010/main" val="1875206763"/>
+        <p14:creationId xmlns:p14="http://schemas.microsoft.com/office/powerpoint/2010/main" xmlns="" val="1875206763"/>
       </p:ext>
     </p:extLst>
   </p:cSld>
@@ -2035,7 +2035,7 @@
             <a:fld id="{F1FA7AC5-6045-4418-8E60-F48788734473}" type="datetimeFigureOut">
               <a:rPr lang="en-US" smtClean="0"/>
               <a:pPr/>
-              <a:t>10/22/2014</a:t>
+              <a:t>10/29/2014</a:t>
             </a:fld>
             <a:endParaRPr lang="en-US"/>
           </a:p>
@@ -2087,7 +2087,7 @@
     </p:spTree>
     <p:extLst>
       <p:ext uri="{BB962C8B-B14F-4D97-AF65-F5344CB8AC3E}">
-        <p14:creationId xmlns="" xmlns:p14="http://schemas.microsoft.com/office/powerpoint/2010/main" val="3401293223"/>
+        <p14:creationId xmlns:p14="http://schemas.microsoft.com/office/powerpoint/2010/main" xmlns="" val="3401293223"/>
       </p:ext>
     </p:extLst>
   </p:cSld>
@@ -2404,7 +2404,7 @@
             <a:fld id="{F1FA7AC5-6045-4418-8E60-F48788734473}" type="datetimeFigureOut">
               <a:rPr lang="en-US" smtClean="0"/>
               <a:pPr/>
-              <a:t>10/22/2014</a:t>
+              <a:t>10/29/2014</a:t>
             </a:fld>
             <a:endParaRPr lang="en-US"/>
           </a:p>
@@ -2456,7 +2456,7 @@
     </p:spTree>
     <p:extLst>
       <p:ext uri="{BB962C8B-B14F-4D97-AF65-F5344CB8AC3E}">
-        <p14:creationId xmlns="" xmlns:p14="http://schemas.microsoft.com/office/powerpoint/2010/main" val="3056490410"/>
+        <p14:creationId xmlns:p14="http://schemas.microsoft.com/office/powerpoint/2010/main" xmlns="" val="3056490410"/>
       </p:ext>
     </p:extLst>
   </p:cSld>
@@ -2524,7 +2524,7 @@
             <a:fld id="{F1FA7AC5-6045-4418-8E60-F48788734473}" type="datetimeFigureOut">
               <a:rPr lang="en-US" smtClean="0"/>
               <a:pPr/>
-              <a:t>10/22/2014</a:t>
+              <a:t>10/29/2014</a:t>
             </a:fld>
             <a:endParaRPr lang="en-US"/>
           </a:p>
@@ -2576,7 +2576,7 @@
     </p:spTree>
     <p:extLst>
       <p:ext uri="{BB962C8B-B14F-4D97-AF65-F5344CB8AC3E}">
-        <p14:creationId xmlns="" xmlns:p14="http://schemas.microsoft.com/office/powerpoint/2010/main" val="3573976379"/>
+        <p14:creationId xmlns:p14="http://schemas.microsoft.com/office/powerpoint/2010/main" xmlns="" val="3573976379"/>
       </p:ext>
     </p:extLst>
   </p:cSld>
@@ -2621,7 +2621,7 @@
             <a:fld id="{F1FA7AC5-6045-4418-8E60-F48788734473}" type="datetimeFigureOut">
               <a:rPr lang="en-US" smtClean="0"/>
               <a:pPr/>
-              <a:t>10/22/2014</a:t>
+              <a:t>10/29/2014</a:t>
             </a:fld>
             <a:endParaRPr lang="en-US"/>
           </a:p>
@@ -2673,7 +2673,7 @@
     </p:spTree>
     <p:extLst>
       <p:ext uri="{BB962C8B-B14F-4D97-AF65-F5344CB8AC3E}">
-        <p14:creationId xmlns="" xmlns:p14="http://schemas.microsoft.com/office/powerpoint/2010/main" val="3201795056"/>
+        <p14:creationId xmlns:p14="http://schemas.microsoft.com/office/powerpoint/2010/main" xmlns="" val="3201795056"/>
       </p:ext>
     </p:extLst>
   </p:cSld>
@@ -2900,7 +2900,7 @@
             <a:fld id="{F1FA7AC5-6045-4418-8E60-F48788734473}" type="datetimeFigureOut">
               <a:rPr lang="en-US" smtClean="0"/>
               <a:pPr/>
-              <a:t>10/22/2014</a:t>
+              <a:t>10/29/2014</a:t>
             </a:fld>
             <a:endParaRPr lang="en-US"/>
           </a:p>
@@ -2952,7 +2952,7 @@
     </p:spTree>
     <p:extLst>
       <p:ext uri="{BB962C8B-B14F-4D97-AF65-F5344CB8AC3E}">
-        <p14:creationId xmlns="" xmlns:p14="http://schemas.microsoft.com/office/powerpoint/2010/main" val="2526201297"/>
+        <p14:creationId xmlns:p14="http://schemas.microsoft.com/office/powerpoint/2010/main" xmlns="" val="2526201297"/>
       </p:ext>
     </p:extLst>
   </p:cSld>
@@ -3155,7 +3155,7 @@
             <a:fld id="{F1FA7AC5-6045-4418-8E60-F48788734473}" type="datetimeFigureOut">
               <a:rPr lang="en-US" smtClean="0"/>
               <a:pPr/>
-              <a:t>10/22/2014</a:t>
+              <a:t>10/29/2014</a:t>
             </a:fld>
             <a:endParaRPr lang="en-US"/>
           </a:p>
@@ -3207,7 +3207,7 @@
     </p:spTree>
     <p:extLst>
       <p:ext uri="{BB962C8B-B14F-4D97-AF65-F5344CB8AC3E}">
-        <p14:creationId xmlns="" xmlns:p14="http://schemas.microsoft.com/office/powerpoint/2010/main" val="242868210"/>
+        <p14:creationId xmlns:p14="http://schemas.microsoft.com/office/powerpoint/2010/main" xmlns="" val="242868210"/>
       </p:ext>
     </p:extLst>
   </p:cSld>
@@ -3370,7 +3370,7 @@
             <a:fld id="{F1FA7AC5-6045-4418-8E60-F48788734473}" type="datetimeFigureOut">
               <a:rPr lang="en-US" smtClean="0"/>
               <a:pPr/>
-              <a:t>10/22/2014</a:t>
+              <a:t>10/29/2014</a:t>
             </a:fld>
             <a:endParaRPr lang="en-US"/>
           </a:p>
@@ -3458,7 +3458,7 @@
     </p:spTree>
     <p:extLst>
       <p:ext uri="{BB962C8B-B14F-4D97-AF65-F5344CB8AC3E}">
-        <p14:creationId xmlns="" xmlns:p14="http://schemas.microsoft.com/office/powerpoint/2010/main" val="3931132979"/>
+        <p14:creationId xmlns:p14="http://schemas.microsoft.com/office/powerpoint/2010/main" xmlns="" val="3931132979"/>
       </p:ext>
     </p:extLst>
   </p:cSld>
@@ -5389,7 +5389,7 @@
     </p:spTree>
     <p:extLst>
       <p:ext uri="{BB962C8B-B14F-4D97-AF65-F5344CB8AC3E}">
-        <p14:creationId xmlns="" xmlns:p14="http://schemas.microsoft.com/office/powerpoint/2010/main" val="461431175"/>
+        <p14:creationId xmlns:p14="http://schemas.microsoft.com/office/powerpoint/2010/main" xmlns="" val="461431175"/>
       </p:ext>
     </p:extLst>
   </p:cSld>
@@ -8362,7 +8362,7 @@
     </p:spTree>
     <p:extLst>
       <p:ext uri="{BB962C8B-B14F-4D97-AF65-F5344CB8AC3E}">
-        <p14:creationId xmlns="" xmlns:p14="http://schemas.microsoft.com/office/powerpoint/2010/main" val="4157082590"/>
+        <p14:creationId xmlns:p14="http://schemas.microsoft.com/office/powerpoint/2010/main" xmlns="" val="4157082590"/>
       </p:ext>
     </p:extLst>
   </p:cSld>
@@ -10388,7 +10388,7 @@
         </p:nvSpPr>
         <p:spPr>
           <a:xfrm>
-            <a:off x="3020070" y="540875"/>
+            <a:off x="3020070" y="516383"/>
             <a:ext cx="3937000" cy="539540"/>
           </a:xfrm>
           <a:prstGeom prst="rightArrow">
@@ -10432,7 +10432,7 @@
         </p:nvSpPr>
         <p:spPr>
           <a:xfrm>
-            <a:off x="3020070" y="862007"/>
+            <a:off x="3020070" y="837515"/>
             <a:ext cx="3937000" cy="539540"/>
           </a:xfrm>
           <a:prstGeom prst="rightArrow">
@@ -10476,7 +10476,7 @@
         </p:nvSpPr>
         <p:spPr>
           <a:xfrm>
-            <a:off x="3020070" y="1496093"/>
+            <a:off x="3020070" y="1479765"/>
             <a:ext cx="3937000" cy="539540"/>
           </a:xfrm>
           <a:prstGeom prst="rightArrow">
@@ -10513,57 +10513,13 @@
       </p:sp>
       <p:sp>
         <p:nvSpPr>
-          <p:cNvPr id="92" name="Right Arrow 13"/>
-          <p:cNvSpPr/>
-          <p:nvPr/>
-        </p:nvSpPr>
-        <p:spPr>
-          <a:xfrm>
-            <a:off x="3020070" y="1811783"/>
-            <a:ext cx="3937000" cy="539540"/>
-          </a:xfrm>
-          <a:prstGeom prst="rightArrow">
-            <a:avLst/>
-          </a:prstGeom>
-        </p:spPr>
-        <p:style>
-          <a:lnRef idx="2">
-            <a:schemeClr val="accent1">
-              <a:shade val="50000"/>
-            </a:schemeClr>
-          </a:lnRef>
-          <a:fillRef idx="1">
-            <a:schemeClr val="accent1"/>
-          </a:fillRef>
-          <a:effectRef idx="0">
-            <a:schemeClr val="accent1"/>
-          </a:effectRef>
-          <a:fontRef idx="minor">
-            <a:schemeClr val="lt1"/>
-          </a:fontRef>
-        </p:style>
-        <p:txBody>
-          <a:bodyPr rtlCol="0" anchor="ctr"/>
-          <a:lstStyle/>
-          <a:p>
-            <a:pPr algn="ctr"/>
-            <a:r>
-              <a:rPr lang="en-US" sz="2000" dirty="0" smtClean="0"/>
-              <a:t>ESPECIFICAÇÃO DE PRODUTO</a:t>
-            </a:r>
-            <a:endParaRPr lang="en-US" sz="2000" dirty="0"/>
-          </a:p>
-        </p:txBody>
-      </p:sp>
-      <p:sp>
-        <p:nvSpPr>
           <p:cNvPr id="93" name="Right Arrow 13"/>
           <p:cNvSpPr/>
           <p:nvPr/>
         </p:nvSpPr>
         <p:spPr>
           <a:xfrm>
-            <a:off x="3020070" y="2568336"/>
+            <a:off x="3020070" y="2609156"/>
             <a:ext cx="3937000" cy="539540"/>
           </a:xfrm>
           <a:prstGeom prst="rightArrow">
@@ -10637,11 +10593,11 @@
             <a:pPr algn="ctr"/>
             <a:r>
               <a:rPr lang="en-US" sz="2000" dirty="0" smtClean="0"/>
-              <a:t>ESPECIFICAÇÃO </a:t>
+              <a:t>CAMPO DE </a:t>
             </a:r>
             <a:r>
               <a:rPr lang="en-US" sz="2000" dirty="0" smtClean="0"/>
-              <a:t>DE SKU</a:t>
+              <a:t>SKU</a:t>
             </a:r>
             <a:endParaRPr lang="en-US" sz="2000" dirty="0"/>
           </a:p>
@@ -10649,57 +10605,13 @@
       </p:sp>
       <p:sp>
         <p:nvSpPr>
-          <p:cNvPr id="95" name="Right Arrow 13"/>
-          <p:cNvSpPr/>
-          <p:nvPr/>
-        </p:nvSpPr>
-        <p:spPr>
-          <a:xfrm>
-            <a:off x="3020070" y="3248706"/>
-            <a:ext cx="3937000" cy="539540"/>
-          </a:xfrm>
-          <a:prstGeom prst="rightArrow">
-            <a:avLst/>
-          </a:prstGeom>
-        </p:spPr>
-        <p:style>
-          <a:lnRef idx="2">
-            <a:schemeClr val="accent1">
-              <a:shade val="50000"/>
-            </a:schemeClr>
-          </a:lnRef>
-          <a:fillRef idx="1">
-            <a:schemeClr val="accent1"/>
-          </a:fillRef>
-          <a:effectRef idx="0">
-            <a:schemeClr val="accent1"/>
-          </a:effectRef>
-          <a:fontRef idx="minor">
-            <a:schemeClr val="lt1"/>
-          </a:fontRef>
-        </p:style>
-        <p:txBody>
-          <a:bodyPr rtlCol="0" anchor="ctr"/>
-          <a:lstStyle/>
-          <a:p>
-            <a:pPr algn="ctr"/>
-            <a:r>
-              <a:rPr lang="en-US" sz="2000" dirty="0" smtClean="0"/>
-              <a:t>IMAGEM DE SKU</a:t>
-            </a:r>
-            <a:endParaRPr lang="en-US" sz="2000" dirty="0"/>
-          </a:p>
-        </p:txBody>
-      </p:sp>
-      <p:sp>
-        <p:nvSpPr>
           <p:cNvPr id="96" name="Right Arrow 13"/>
           <p:cNvSpPr/>
           <p:nvPr/>
         </p:nvSpPr>
         <p:spPr>
           <a:xfrm>
-            <a:off x="3020070" y="4037911"/>
+            <a:off x="3020070" y="4217519"/>
             <a:ext cx="3937000" cy="539540"/>
           </a:xfrm>
           <a:prstGeom prst="rightArrow">
@@ -10743,7 +10655,7 @@
         </p:nvSpPr>
         <p:spPr>
           <a:xfrm>
-            <a:off x="3020070" y="4394425"/>
+            <a:off x="3020070" y="4663837"/>
             <a:ext cx="3937000" cy="539540"/>
           </a:xfrm>
           <a:prstGeom prst="rightArrow">
@@ -10781,57 +10693,13 @@
       </p:sp>
       <p:sp>
         <p:nvSpPr>
-          <p:cNvPr id="100" name="Right Arrow 13"/>
-          <p:cNvSpPr/>
-          <p:nvPr/>
-        </p:nvSpPr>
-        <p:spPr>
-          <a:xfrm>
-            <a:off x="3020070" y="5575376"/>
-            <a:ext cx="3937000" cy="768257"/>
-          </a:xfrm>
-          <a:prstGeom prst="rightArrow">
-            <a:avLst/>
-          </a:prstGeom>
-        </p:spPr>
-        <p:style>
-          <a:lnRef idx="2">
-            <a:schemeClr val="accent1">
-              <a:shade val="50000"/>
-            </a:schemeClr>
-          </a:lnRef>
-          <a:fillRef idx="1">
-            <a:schemeClr val="accent1"/>
-          </a:fillRef>
-          <a:effectRef idx="0">
-            <a:schemeClr val="accent1"/>
-          </a:effectRef>
-          <a:fontRef idx="minor">
-            <a:schemeClr val="lt1"/>
-          </a:fontRef>
-        </p:style>
-        <p:txBody>
-          <a:bodyPr rtlCol="0" anchor="ctr"/>
-          <a:lstStyle/>
-          <a:p>
-            <a:pPr algn="ctr"/>
-            <a:r>
-              <a:rPr lang="en-US" sz="2000" dirty="0" smtClean="0"/>
-              <a:t>ATIVA PRODUTO</a:t>
-            </a:r>
-            <a:endParaRPr lang="en-US" sz="2000" dirty="0"/>
-          </a:p>
-        </p:txBody>
-      </p:sp>
-      <p:sp>
-        <p:nvSpPr>
           <p:cNvPr id="102" name="Right Arrow 13"/>
           <p:cNvSpPr/>
           <p:nvPr/>
         </p:nvSpPr>
         <p:spPr>
           <a:xfrm>
-            <a:off x="3020070" y="4947578"/>
+            <a:off x="3020070" y="5519058"/>
             <a:ext cx="3937000" cy="800109"/>
           </a:xfrm>
           <a:prstGeom prst="rightArrow">
@@ -12842,10 +12710,186 @@
           </a:fontRef>
         </p:style>
       </p:cxnSp>
+      <p:sp>
+        <p:nvSpPr>
+          <p:cNvPr id="119" name="Right Arrow 13"/>
+          <p:cNvSpPr/>
+          <p:nvPr/>
+        </p:nvSpPr>
+        <p:spPr>
+          <a:xfrm>
+            <a:off x="3025518" y="1754625"/>
+            <a:ext cx="3937000" cy="539540"/>
+          </a:xfrm>
+          <a:prstGeom prst="rightArrow">
+            <a:avLst/>
+          </a:prstGeom>
+        </p:spPr>
+        <p:style>
+          <a:lnRef idx="2">
+            <a:schemeClr val="accent1">
+              <a:shade val="50000"/>
+            </a:schemeClr>
+          </a:lnRef>
+          <a:fillRef idx="1">
+            <a:schemeClr val="accent1"/>
+          </a:fillRef>
+          <a:effectRef idx="0">
+            <a:schemeClr val="accent1"/>
+          </a:effectRef>
+          <a:fontRef idx="minor">
+            <a:schemeClr val="lt1"/>
+          </a:fontRef>
+        </p:style>
+        <p:txBody>
+          <a:bodyPr rtlCol="0" anchor="ctr"/>
+          <a:lstStyle/>
+          <a:p>
+            <a:pPr algn="ctr"/>
+            <a:r>
+              <a:rPr lang="en-US" sz="2000" dirty="0" smtClean="0"/>
+              <a:t>CAMPO DE PRODUTO</a:t>
+            </a:r>
+            <a:endParaRPr lang="en-US" sz="2000" dirty="0"/>
+          </a:p>
+        </p:txBody>
+      </p:sp>
+      <p:sp>
+        <p:nvSpPr>
+          <p:cNvPr id="120" name="Right Arrow 13"/>
+          <p:cNvSpPr/>
+          <p:nvPr/>
+        </p:nvSpPr>
+        <p:spPr>
+          <a:xfrm>
+            <a:off x="3033682" y="3207873"/>
+            <a:ext cx="3937000" cy="539540"/>
+          </a:xfrm>
+          <a:prstGeom prst="rightArrow">
+            <a:avLst/>
+          </a:prstGeom>
+        </p:spPr>
+        <p:style>
+          <a:lnRef idx="2">
+            <a:schemeClr val="accent1">
+              <a:shade val="50000"/>
+            </a:schemeClr>
+          </a:lnRef>
+          <a:fillRef idx="1">
+            <a:schemeClr val="accent1"/>
+          </a:fillRef>
+          <a:effectRef idx="0">
+            <a:schemeClr val="accent1"/>
+          </a:effectRef>
+          <a:fontRef idx="minor">
+            <a:schemeClr val="lt1"/>
+          </a:fontRef>
+        </p:style>
+        <p:txBody>
+          <a:bodyPr rtlCol="0" anchor="ctr"/>
+          <a:lstStyle/>
+          <a:p>
+            <a:pPr algn="ctr"/>
+            <a:r>
+              <a:rPr lang="en-US" sz="2000" dirty="0" smtClean="0"/>
+              <a:t>ESPECIFICAÇÃO DE SKU</a:t>
+            </a:r>
+            <a:endParaRPr lang="en-US" sz="2000" dirty="0"/>
+          </a:p>
+        </p:txBody>
+      </p:sp>
+      <p:sp>
+        <p:nvSpPr>
+          <p:cNvPr id="95" name="Right Arrow 13"/>
+          <p:cNvSpPr/>
+          <p:nvPr/>
+        </p:nvSpPr>
+        <p:spPr>
+          <a:xfrm>
+            <a:off x="3020070" y="3518118"/>
+            <a:ext cx="3937000" cy="539540"/>
+          </a:xfrm>
+          <a:prstGeom prst="rightArrow">
+            <a:avLst/>
+          </a:prstGeom>
+        </p:spPr>
+        <p:style>
+          <a:lnRef idx="2">
+            <a:schemeClr val="accent1">
+              <a:shade val="50000"/>
+            </a:schemeClr>
+          </a:lnRef>
+          <a:fillRef idx="1">
+            <a:schemeClr val="accent1"/>
+          </a:fillRef>
+          <a:effectRef idx="0">
+            <a:schemeClr val="accent1"/>
+          </a:effectRef>
+          <a:fontRef idx="minor">
+            <a:schemeClr val="lt1"/>
+          </a:fontRef>
+        </p:style>
+        <p:txBody>
+          <a:bodyPr rtlCol="0" anchor="ctr"/>
+          <a:lstStyle/>
+          <a:p>
+            <a:pPr algn="ctr"/>
+            <a:r>
+              <a:rPr lang="en-US" sz="2000" dirty="0" smtClean="0"/>
+              <a:t>IMAGEM DE SKU</a:t>
+            </a:r>
+            <a:endParaRPr lang="en-US" sz="2000" dirty="0"/>
+          </a:p>
+        </p:txBody>
+      </p:sp>
+      <p:sp>
+        <p:nvSpPr>
+          <p:cNvPr id="92" name="Right Arrow 13"/>
+          <p:cNvSpPr/>
+          <p:nvPr/>
+        </p:nvSpPr>
+        <p:spPr>
+          <a:xfrm>
+            <a:off x="3020070" y="2048539"/>
+            <a:ext cx="3937000" cy="539540"/>
+          </a:xfrm>
+          <a:prstGeom prst="rightArrow">
+            <a:avLst/>
+          </a:prstGeom>
+        </p:spPr>
+        <p:style>
+          <a:lnRef idx="2">
+            <a:schemeClr val="accent1">
+              <a:shade val="50000"/>
+            </a:schemeClr>
+          </a:lnRef>
+          <a:fillRef idx="1">
+            <a:schemeClr val="accent1"/>
+          </a:fillRef>
+          <a:effectRef idx="0">
+            <a:schemeClr val="accent1"/>
+          </a:effectRef>
+          <a:fontRef idx="minor">
+            <a:schemeClr val="lt1"/>
+          </a:fontRef>
+        </p:style>
+        <p:txBody>
+          <a:bodyPr rtlCol="0" anchor="ctr"/>
+          <a:lstStyle/>
+          <a:p>
+            <a:pPr algn="ctr"/>
+            <a:r>
+              <a:rPr lang="en-US" sz="2000" dirty="0" smtClean="0"/>
+              <a:t>ESPECIFICAÇÃO DE PRODUTO</a:t>
+            </a:r>
+            <a:endParaRPr lang="en-US" sz="2000" dirty="0"/>
+          </a:p>
+        </p:txBody>
+      </p:sp>
     </p:spTree>
     <p:extLst>
       <p:ext uri="{BB962C8B-B14F-4D97-AF65-F5344CB8AC3E}">
-        <p14:creationId xmlns="" xmlns:p14="http://schemas.microsoft.com/office/powerpoint/2010/main" val="4157082590"/>
+        <p14:creationId xmlns:p14="http://schemas.microsoft.com/office/powerpoint/2010/main" xmlns="" val="4157082590"/>
       </p:ext>
     </p:extLst>
   </p:cSld>
@@ -14309,7 +14353,7 @@
     </p:spTree>
     <p:extLst>
       <p:ext uri="{BB962C8B-B14F-4D97-AF65-F5344CB8AC3E}">
-        <p14:creationId xmlns="" xmlns:p14="http://schemas.microsoft.com/office/powerpoint/2010/main" val="2653181294"/>
+        <p14:creationId xmlns:p14="http://schemas.microsoft.com/office/powerpoint/2010/main" xmlns="" val="2653181294"/>
       </p:ext>
     </p:extLst>
   </p:cSld>
@@ -15279,7 +15323,7 @@
     </p:spTree>
     <p:extLst>
       <p:ext uri="{BB962C8B-B14F-4D97-AF65-F5344CB8AC3E}">
-        <p14:creationId xmlns="" xmlns:p14="http://schemas.microsoft.com/office/powerpoint/2010/main" val="295285881"/>
+        <p14:creationId xmlns:p14="http://schemas.microsoft.com/office/powerpoint/2010/main" xmlns="" val="295285881"/>
       </p:ext>
     </p:extLst>
   </p:cSld>
@@ -15551,7 +15595,7 @@
   <a:extraClrSchemeLst/>
   <a:extLst>
     <a:ext uri="{05A4C25C-085E-4340-85A3-A5531E510DB2}">
-      <thm15:themeFamily xmlns="" xmlns:thm15="http://schemas.microsoft.com/office/thememl/2012/main" name="Office Theme" id="{62F939B6-93AF-4DB8-9C6B-D6C7DFDC589F}" vid="{4A3C46E8-61CC-4603-A589-7422A47A8E4A}"/>
+      <thm15:themeFamily xmlns:thm15="http://schemas.microsoft.com/office/thememl/2012/main" xmlns="" name="Office Theme" id="{62F939B6-93AF-4DB8-9C6B-D6C7DFDC589F}" vid="{4A3C46E8-61CC-4603-A589-7422A47A8E4A}"/>
     </a:ext>
   </a:extLst>
 </a:theme>
@@ -15812,7 +15856,7 @@
   <a:extraClrSchemeLst/>
   <a:extLst>
     <a:ext uri="{05A4C25C-085E-4340-85A3-A5531E510DB2}">
-      <thm15:themeFamily xmlns="" xmlns:thm15="http://schemas.microsoft.com/office/thememl/2012/main" name="Office Theme" id="{62F939B6-93AF-4DB8-9C6B-D6C7DFDC589F}" vid="{4A3C46E8-61CC-4603-A589-7422A47A8E4A}"/>
+      <thm15:themeFamily xmlns:thm15="http://schemas.microsoft.com/office/thememl/2012/main" xmlns="" name="Office Theme" id="{62F939B6-93AF-4DB8-9C6B-D6C7DFDC589F}" vid="{4A3C46E8-61CC-4603-A589-7422A47A8E4A}"/>
     </a:ext>
   </a:extLst>
 </a:theme>
